--- a/99. Lecture note in ppt/6. Python2.pptx
+++ b/99. Lecture note in ppt/6. Python2.pptx
@@ -12,26 +12,27 @@
     <p:sldId id="374" r:id="rId6"/>
     <p:sldId id="375" r:id="rId7"/>
     <p:sldId id="376" r:id="rId8"/>
-    <p:sldId id="378" r:id="rId9"/>
-    <p:sldId id="379" r:id="rId10"/>
-    <p:sldId id="380" r:id="rId11"/>
-    <p:sldId id="382" r:id="rId12"/>
-    <p:sldId id="381" r:id="rId13"/>
-    <p:sldId id="383" r:id="rId14"/>
-    <p:sldId id="384" r:id="rId15"/>
-    <p:sldId id="385" r:id="rId16"/>
-    <p:sldId id="386" r:id="rId17"/>
-    <p:sldId id="387" r:id="rId18"/>
-    <p:sldId id="388" r:id="rId19"/>
-    <p:sldId id="389" r:id="rId20"/>
-    <p:sldId id="390" r:id="rId21"/>
-    <p:sldId id="392" r:id="rId22"/>
-    <p:sldId id="396" r:id="rId23"/>
-    <p:sldId id="397" r:id="rId24"/>
-    <p:sldId id="398" r:id="rId25"/>
-    <p:sldId id="395" r:id="rId26"/>
-    <p:sldId id="393" r:id="rId27"/>
-    <p:sldId id="394" r:id="rId28"/>
+    <p:sldId id="399" r:id="rId9"/>
+    <p:sldId id="378" r:id="rId10"/>
+    <p:sldId id="379" r:id="rId11"/>
+    <p:sldId id="380" r:id="rId12"/>
+    <p:sldId id="382" r:id="rId13"/>
+    <p:sldId id="381" r:id="rId14"/>
+    <p:sldId id="383" r:id="rId15"/>
+    <p:sldId id="384" r:id="rId16"/>
+    <p:sldId id="385" r:id="rId17"/>
+    <p:sldId id="386" r:id="rId18"/>
+    <p:sldId id="387" r:id="rId19"/>
+    <p:sldId id="388" r:id="rId20"/>
+    <p:sldId id="389" r:id="rId21"/>
+    <p:sldId id="390" r:id="rId22"/>
+    <p:sldId id="392" r:id="rId23"/>
+    <p:sldId id="396" r:id="rId24"/>
+    <p:sldId id="397" r:id="rId25"/>
+    <p:sldId id="398" r:id="rId26"/>
+    <p:sldId id="395" r:id="rId27"/>
+    <p:sldId id="393" r:id="rId28"/>
+    <p:sldId id="394" r:id="rId29"/>
   </p:sldIdLst>
   <p:sldSz cx="12192000" cy="6858000"/>
   <p:notesSz cx="6858000" cy="9144000"/>
@@ -196,10 +197,9 @@
           </a:lstStyle>
           <a:p>
             <a:r>
-              <a:rPr lang="ko-KR" altLang="en-US" smtClean="0"/>
+              <a:rPr lang="ko-KR" altLang="en-US"/>
               <a:t>마스터 제목 스타일 편집</a:t>
             </a:r>
-            <a:endParaRPr lang="ko-KR" altLang="en-US"/>
           </a:p>
         </p:txBody>
       </p:sp>
@@ -261,10 +261,9 @@
           </a:lstStyle>
           <a:p>
             <a:r>
-              <a:rPr lang="ko-KR" altLang="en-US" smtClean="0"/>
+              <a:rPr lang="ko-KR" altLang="en-US"/>
               <a:t>클릭하여 마스터 부제목 스타일 편집</a:t>
             </a:r>
-            <a:endParaRPr lang="ko-KR" altLang="en-US"/>
           </a:p>
         </p:txBody>
       </p:sp>
@@ -285,7 +284,7 @@
           <a:p>
             <a:fld id="{B2970B56-F379-468E-8C04-AC3274656B30}" type="datetimeFigureOut">
               <a:rPr lang="ko-KR" altLang="en-US" smtClean="0"/>
-              <a:t>2023-04-04</a:t>
+              <a:t>2023-04-09</a:t>
             </a:fld>
             <a:endParaRPr lang="ko-KR" altLang="en-US"/>
           </a:p>
@@ -379,10 +378,9 @@
           <a:lstStyle/>
           <a:p>
             <a:r>
-              <a:rPr lang="ko-KR" altLang="en-US" smtClean="0"/>
+              <a:rPr lang="ko-KR" altLang="en-US"/>
               <a:t>마스터 제목 스타일 편집</a:t>
             </a:r>
-            <a:endParaRPr lang="ko-KR" altLang="en-US"/>
           </a:p>
         </p:txBody>
       </p:sp>
@@ -403,38 +401,37 @@
           <a:p>
             <a:pPr lvl="0"/>
             <a:r>
-              <a:rPr lang="ko-KR" altLang="en-US" smtClean="0"/>
+              <a:rPr lang="ko-KR" altLang="en-US"/>
               <a:t>마스터 텍스트 스타일 편집</a:t>
             </a:r>
           </a:p>
           <a:p>
             <a:pPr lvl="1"/>
             <a:r>
-              <a:rPr lang="ko-KR" altLang="en-US" smtClean="0"/>
+              <a:rPr lang="ko-KR" altLang="en-US"/>
               <a:t>둘째 수준</a:t>
             </a:r>
           </a:p>
           <a:p>
             <a:pPr lvl="2"/>
             <a:r>
-              <a:rPr lang="ko-KR" altLang="en-US" smtClean="0"/>
+              <a:rPr lang="ko-KR" altLang="en-US"/>
               <a:t>셋째 수준</a:t>
             </a:r>
           </a:p>
           <a:p>
             <a:pPr lvl="3"/>
             <a:r>
-              <a:rPr lang="ko-KR" altLang="en-US" smtClean="0"/>
+              <a:rPr lang="ko-KR" altLang="en-US"/>
               <a:t>넷째 수준</a:t>
             </a:r>
           </a:p>
           <a:p>
             <a:pPr lvl="4"/>
             <a:r>
-              <a:rPr lang="ko-KR" altLang="en-US" smtClean="0"/>
+              <a:rPr lang="ko-KR" altLang="en-US"/>
               <a:t>다섯째 수준</a:t>
             </a:r>
-            <a:endParaRPr lang="ko-KR" altLang="en-US"/>
           </a:p>
         </p:txBody>
       </p:sp>
@@ -455,7 +452,7 @@
           <a:p>
             <a:fld id="{B2970B56-F379-468E-8C04-AC3274656B30}" type="datetimeFigureOut">
               <a:rPr lang="ko-KR" altLang="en-US" smtClean="0"/>
-              <a:t>2023-04-04</a:t>
+              <a:t>2023-04-09</a:t>
             </a:fld>
             <a:endParaRPr lang="ko-KR" altLang="en-US"/>
           </a:p>
@@ -554,10 +551,9 @@
           <a:lstStyle/>
           <a:p>
             <a:r>
-              <a:rPr lang="ko-KR" altLang="en-US" smtClean="0"/>
+              <a:rPr lang="ko-KR" altLang="en-US"/>
               <a:t>마스터 제목 스타일 편집</a:t>
             </a:r>
-            <a:endParaRPr lang="ko-KR" altLang="en-US"/>
           </a:p>
         </p:txBody>
       </p:sp>
@@ -583,38 +579,37 @@
           <a:p>
             <a:pPr lvl="0"/>
             <a:r>
-              <a:rPr lang="ko-KR" altLang="en-US" smtClean="0"/>
+              <a:rPr lang="ko-KR" altLang="en-US"/>
               <a:t>마스터 텍스트 스타일 편집</a:t>
             </a:r>
           </a:p>
           <a:p>
             <a:pPr lvl="1"/>
             <a:r>
-              <a:rPr lang="ko-KR" altLang="en-US" smtClean="0"/>
+              <a:rPr lang="ko-KR" altLang="en-US"/>
               <a:t>둘째 수준</a:t>
             </a:r>
           </a:p>
           <a:p>
             <a:pPr lvl="2"/>
             <a:r>
-              <a:rPr lang="ko-KR" altLang="en-US" smtClean="0"/>
+              <a:rPr lang="ko-KR" altLang="en-US"/>
               <a:t>셋째 수준</a:t>
             </a:r>
           </a:p>
           <a:p>
             <a:pPr lvl="3"/>
             <a:r>
-              <a:rPr lang="ko-KR" altLang="en-US" smtClean="0"/>
+              <a:rPr lang="ko-KR" altLang="en-US"/>
               <a:t>넷째 수준</a:t>
             </a:r>
           </a:p>
           <a:p>
             <a:pPr lvl="4"/>
             <a:r>
-              <a:rPr lang="ko-KR" altLang="en-US" smtClean="0"/>
+              <a:rPr lang="ko-KR" altLang="en-US"/>
               <a:t>다섯째 수준</a:t>
             </a:r>
-            <a:endParaRPr lang="ko-KR" altLang="en-US"/>
           </a:p>
         </p:txBody>
       </p:sp>
@@ -635,7 +630,7 @@
           <a:p>
             <a:fld id="{B2970B56-F379-468E-8C04-AC3274656B30}" type="datetimeFigureOut">
               <a:rPr lang="ko-KR" altLang="en-US" smtClean="0"/>
-              <a:t>2023-04-04</a:t>
+              <a:t>2023-04-09</a:t>
             </a:fld>
             <a:endParaRPr lang="ko-KR" altLang="en-US"/>
           </a:p>
@@ -729,10 +724,9 @@
           <a:lstStyle/>
           <a:p>
             <a:r>
-              <a:rPr lang="ko-KR" altLang="en-US" smtClean="0"/>
+              <a:rPr lang="ko-KR" altLang="en-US"/>
               <a:t>마스터 제목 스타일 편집</a:t>
             </a:r>
-            <a:endParaRPr lang="ko-KR" altLang="en-US"/>
           </a:p>
         </p:txBody>
       </p:sp>
@@ -753,38 +747,37 @@
           <a:p>
             <a:pPr lvl="0"/>
             <a:r>
-              <a:rPr lang="ko-KR" altLang="en-US" smtClean="0"/>
+              <a:rPr lang="ko-KR" altLang="en-US"/>
               <a:t>마스터 텍스트 스타일 편집</a:t>
             </a:r>
           </a:p>
           <a:p>
             <a:pPr lvl="1"/>
             <a:r>
-              <a:rPr lang="ko-KR" altLang="en-US" smtClean="0"/>
+              <a:rPr lang="ko-KR" altLang="en-US"/>
               <a:t>둘째 수준</a:t>
             </a:r>
           </a:p>
           <a:p>
             <a:pPr lvl="2"/>
             <a:r>
-              <a:rPr lang="ko-KR" altLang="en-US" smtClean="0"/>
+              <a:rPr lang="ko-KR" altLang="en-US"/>
               <a:t>셋째 수준</a:t>
             </a:r>
           </a:p>
           <a:p>
             <a:pPr lvl="3"/>
             <a:r>
-              <a:rPr lang="ko-KR" altLang="en-US" smtClean="0"/>
+              <a:rPr lang="ko-KR" altLang="en-US"/>
               <a:t>넷째 수준</a:t>
             </a:r>
           </a:p>
           <a:p>
             <a:pPr lvl="4"/>
             <a:r>
-              <a:rPr lang="ko-KR" altLang="en-US" smtClean="0"/>
+              <a:rPr lang="ko-KR" altLang="en-US"/>
               <a:t>다섯째 수준</a:t>
             </a:r>
-            <a:endParaRPr lang="ko-KR" altLang="en-US"/>
           </a:p>
         </p:txBody>
       </p:sp>
@@ -805,7 +798,7 @@
           <a:p>
             <a:fld id="{B2970B56-F379-468E-8C04-AC3274656B30}" type="datetimeFigureOut">
               <a:rPr lang="ko-KR" altLang="en-US" smtClean="0"/>
-              <a:t>2023-04-04</a:t>
+              <a:t>2023-04-09</a:t>
             </a:fld>
             <a:endParaRPr lang="ko-KR" altLang="en-US"/>
           </a:p>
@@ -908,10 +901,9 @@
           </a:lstStyle>
           <a:p>
             <a:r>
-              <a:rPr lang="ko-KR" altLang="en-US" smtClean="0"/>
+              <a:rPr lang="ko-KR" altLang="en-US"/>
               <a:t>마스터 제목 스타일 편집</a:t>
             </a:r>
-            <a:endParaRPr lang="ko-KR" altLang="en-US"/>
           </a:p>
         </p:txBody>
       </p:sp>
@@ -1028,7 +1020,7 @@
           <a:p>
             <a:pPr lvl="0"/>
             <a:r>
-              <a:rPr lang="ko-KR" altLang="en-US" smtClean="0"/>
+              <a:rPr lang="ko-KR" altLang="en-US"/>
               <a:t>마스터 텍스트 스타일 편집</a:t>
             </a:r>
           </a:p>
@@ -1051,7 +1043,7 @@
           <a:p>
             <a:fld id="{B2970B56-F379-468E-8C04-AC3274656B30}" type="datetimeFigureOut">
               <a:rPr lang="ko-KR" altLang="en-US" smtClean="0"/>
-              <a:t>2023-04-04</a:t>
+              <a:t>2023-04-09</a:t>
             </a:fld>
             <a:endParaRPr lang="ko-KR" altLang="en-US"/>
           </a:p>
@@ -1145,10 +1137,9 @@
           <a:lstStyle/>
           <a:p>
             <a:r>
-              <a:rPr lang="ko-KR" altLang="en-US" smtClean="0"/>
+              <a:rPr lang="ko-KR" altLang="en-US"/>
               <a:t>마스터 제목 스타일 편집</a:t>
             </a:r>
-            <a:endParaRPr lang="ko-KR" altLang="en-US"/>
           </a:p>
         </p:txBody>
       </p:sp>
@@ -1174,38 +1165,37 @@
           <a:p>
             <a:pPr lvl="0"/>
             <a:r>
-              <a:rPr lang="ko-KR" altLang="en-US" smtClean="0"/>
+              <a:rPr lang="ko-KR" altLang="en-US"/>
               <a:t>마스터 텍스트 스타일 편집</a:t>
             </a:r>
           </a:p>
           <a:p>
             <a:pPr lvl="1"/>
             <a:r>
-              <a:rPr lang="ko-KR" altLang="en-US" smtClean="0"/>
+              <a:rPr lang="ko-KR" altLang="en-US"/>
               <a:t>둘째 수준</a:t>
             </a:r>
           </a:p>
           <a:p>
             <a:pPr lvl="2"/>
             <a:r>
-              <a:rPr lang="ko-KR" altLang="en-US" smtClean="0"/>
+              <a:rPr lang="ko-KR" altLang="en-US"/>
               <a:t>셋째 수준</a:t>
             </a:r>
           </a:p>
           <a:p>
             <a:pPr lvl="3"/>
             <a:r>
-              <a:rPr lang="ko-KR" altLang="en-US" smtClean="0"/>
+              <a:rPr lang="ko-KR" altLang="en-US"/>
               <a:t>넷째 수준</a:t>
             </a:r>
           </a:p>
           <a:p>
             <a:pPr lvl="4"/>
             <a:r>
-              <a:rPr lang="ko-KR" altLang="en-US" smtClean="0"/>
+              <a:rPr lang="ko-KR" altLang="en-US"/>
               <a:t>다섯째 수준</a:t>
             </a:r>
-            <a:endParaRPr lang="ko-KR" altLang="en-US"/>
           </a:p>
         </p:txBody>
       </p:sp>
@@ -1231,38 +1221,37 @@
           <a:p>
             <a:pPr lvl="0"/>
             <a:r>
-              <a:rPr lang="ko-KR" altLang="en-US" smtClean="0"/>
+              <a:rPr lang="ko-KR" altLang="en-US"/>
               <a:t>마스터 텍스트 스타일 편집</a:t>
             </a:r>
           </a:p>
           <a:p>
             <a:pPr lvl="1"/>
             <a:r>
-              <a:rPr lang="ko-KR" altLang="en-US" smtClean="0"/>
+              <a:rPr lang="ko-KR" altLang="en-US"/>
               <a:t>둘째 수준</a:t>
             </a:r>
           </a:p>
           <a:p>
             <a:pPr lvl="2"/>
             <a:r>
-              <a:rPr lang="ko-KR" altLang="en-US" smtClean="0"/>
+              <a:rPr lang="ko-KR" altLang="en-US"/>
               <a:t>셋째 수준</a:t>
             </a:r>
           </a:p>
           <a:p>
             <a:pPr lvl="3"/>
             <a:r>
-              <a:rPr lang="ko-KR" altLang="en-US" smtClean="0"/>
+              <a:rPr lang="ko-KR" altLang="en-US"/>
               <a:t>넷째 수준</a:t>
             </a:r>
           </a:p>
           <a:p>
             <a:pPr lvl="4"/>
             <a:r>
-              <a:rPr lang="ko-KR" altLang="en-US" smtClean="0"/>
+              <a:rPr lang="ko-KR" altLang="en-US"/>
               <a:t>다섯째 수준</a:t>
             </a:r>
-            <a:endParaRPr lang="ko-KR" altLang="en-US"/>
           </a:p>
         </p:txBody>
       </p:sp>
@@ -1283,7 +1272,7 @@
           <a:p>
             <a:fld id="{B2970B56-F379-468E-8C04-AC3274656B30}" type="datetimeFigureOut">
               <a:rPr lang="ko-KR" altLang="en-US" smtClean="0"/>
-              <a:t>2023-04-04</a:t>
+              <a:t>2023-04-09</a:t>
             </a:fld>
             <a:endParaRPr lang="ko-KR" altLang="en-US"/>
           </a:p>
@@ -1382,10 +1371,9 @@
           <a:lstStyle/>
           <a:p>
             <a:r>
-              <a:rPr lang="ko-KR" altLang="en-US" smtClean="0"/>
+              <a:rPr lang="ko-KR" altLang="en-US"/>
               <a:t>마스터 제목 스타일 편집</a:t>
             </a:r>
-            <a:endParaRPr lang="ko-KR" altLang="en-US"/>
           </a:p>
         </p:txBody>
       </p:sp>
@@ -1448,7 +1436,7 @@
           <a:p>
             <a:pPr lvl="0"/>
             <a:r>
-              <a:rPr lang="ko-KR" altLang="en-US" smtClean="0"/>
+              <a:rPr lang="ko-KR" altLang="en-US"/>
               <a:t>마스터 텍스트 스타일 편집</a:t>
             </a:r>
           </a:p>
@@ -1476,38 +1464,37 @@
           <a:p>
             <a:pPr lvl="0"/>
             <a:r>
-              <a:rPr lang="ko-KR" altLang="en-US" smtClean="0"/>
+              <a:rPr lang="ko-KR" altLang="en-US"/>
               <a:t>마스터 텍스트 스타일 편집</a:t>
             </a:r>
           </a:p>
           <a:p>
             <a:pPr lvl="1"/>
             <a:r>
-              <a:rPr lang="ko-KR" altLang="en-US" smtClean="0"/>
+              <a:rPr lang="ko-KR" altLang="en-US"/>
               <a:t>둘째 수준</a:t>
             </a:r>
           </a:p>
           <a:p>
             <a:pPr lvl="2"/>
             <a:r>
-              <a:rPr lang="ko-KR" altLang="en-US" smtClean="0"/>
+              <a:rPr lang="ko-KR" altLang="en-US"/>
               <a:t>셋째 수준</a:t>
             </a:r>
           </a:p>
           <a:p>
             <a:pPr lvl="3"/>
             <a:r>
-              <a:rPr lang="ko-KR" altLang="en-US" smtClean="0"/>
+              <a:rPr lang="ko-KR" altLang="en-US"/>
               <a:t>넷째 수준</a:t>
             </a:r>
           </a:p>
           <a:p>
             <a:pPr lvl="4"/>
             <a:r>
-              <a:rPr lang="ko-KR" altLang="en-US" smtClean="0"/>
+              <a:rPr lang="ko-KR" altLang="en-US"/>
               <a:t>다섯째 수준</a:t>
             </a:r>
-            <a:endParaRPr lang="ko-KR" altLang="en-US"/>
           </a:p>
         </p:txBody>
       </p:sp>
@@ -1570,7 +1557,7 @@
           <a:p>
             <a:pPr lvl="0"/>
             <a:r>
-              <a:rPr lang="ko-KR" altLang="en-US" smtClean="0"/>
+              <a:rPr lang="ko-KR" altLang="en-US"/>
               <a:t>마스터 텍스트 스타일 편집</a:t>
             </a:r>
           </a:p>
@@ -1598,38 +1585,37 @@
           <a:p>
             <a:pPr lvl="0"/>
             <a:r>
-              <a:rPr lang="ko-KR" altLang="en-US" smtClean="0"/>
+              <a:rPr lang="ko-KR" altLang="en-US"/>
               <a:t>마스터 텍스트 스타일 편집</a:t>
             </a:r>
           </a:p>
           <a:p>
             <a:pPr lvl="1"/>
             <a:r>
-              <a:rPr lang="ko-KR" altLang="en-US" smtClean="0"/>
+              <a:rPr lang="ko-KR" altLang="en-US"/>
               <a:t>둘째 수준</a:t>
             </a:r>
           </a:p>
           <a:p>
             <a:pPr lvl="2"/>
             <a:r>
-              <a:rPr lang="ko-KR" altLang="en-US" smtClean="0"/>
+              <a:rPr lang="ko-KR" altLang="en-US"/>
               <a:t>셋째 수준</a:t>
             </a:r>
           </a:p>
           <a:p>
             <a:pPr lvl="3"/>
             <a:r>
-              <a:rPr lang="ko-KR" altLang="en-US" smtClean="0"/>
+              <a:rPr lang="ko-KR" altLang="en-US"/>
               <a:t>넷째 수준</a:t>
             </a:r>
           </a:p>
           <a:p>
             <a:pPr lvl="4"/>
             <a:r>
-              <a:rPr lang="ko-KR" altLang="en-US" smtClean="0"/>
+              <a:rPr lang="ko-KR" altLang="en-US"/>
               <a:t>다섯째 수준</a:t>
             </a:r>
-            <a:endParaRPr lang="ko-KR" altLang="en-US"/>
           </a:p>
         </p:txBody>
       </p:sp>
@@ -1650,7 +1636,7 @@
           <a:p>
             <a:fld id="{B2970B56-F379-468E-8C04-AC3274656B30}" type="datetimeFigureOut">
               <a:rPr lang="ko-KR" altLang="en-US" smtClean="0"/>
-              <a:t>2023-04-04</a:t>
+              <a:t>2023-04-09</a:t>
             </a:fld>
             <a:endParaRPr lang="ko-KR" altLang="en-US"/>
           </a:p>
@@ -1744,10 +1730,9 @@
           <a:lstStyle/>
           <a:p>
             <a:r>
-              <a:rPr lang="ko-KR" altLang="en-US" smtClean="0"/>
+              <a:rPr lang="ko-KR" altLang="en-US"/>
               <a:t>마스터 제목 스타일 편집</a:t>
             </a:r>
-            <a:endParaRPr lang="ko-KR" altLang="en-US"/>
           </a:p>
         </p:txBody>
       </p:sp>
@@ -1768,7 +1753,7 @@
           <a:p>
             <a:fld id="{B2970B56-F379-468E-8C04-AC3274656B30}" type="datetimeFigureOut">
               <a:rPr lang="ko-KR" altLang="en-US" smtClean="0"/>
-              <a:t>2023-04-04</a:t>
+              <a:t>2023-04-09</a:t>
             </a:fld>
             <a:endParaRPr lang="ko-KR" altLang="en-US"/>
           </a:p>
@@ -1863,7 +1848,7 @@
           <a:p>
             <a:fld id="{B2970B56-F379-468E-8C04-AC3274656B30}" type="datetimeFigureOut">
               <a:rPr lang="ko-KR" altLang="en-US" smtClean="0"/>
-              <a:t>2023-04-04</a:t>
+              <a:t>2023-04-09</a:t>
             </a:fld>
             <a:endParaRPr lang="ko-KR" altLang="en-US"/>
           </a:p>
@@ -1966,10 +1951,9 @@
           </a:lstStyle>
           <a:p>
             <a:r>
-              <a:rPr lang="ko-KR" altLang="en-US" smtClean="0"/>
+              <a:rPr lang="ko-KR" altLang="en-US"/>
               <a:t>마스터 제목 스타일 편집</a:t>
             </a:r>
-            <a:endParaRPr lang="ko-KR" altLang="en-US"/>
           </a:p>
         </p:txBody>
       </p:sp>
@@ -2023,38 +2007,37 @@
           <a:p>
             <a:pPr lvl="0"/>
             <a:r>
-              <a:rPr lang="ko-KR" altLang="en-US" smtClean="0"/>
+              <a:rPr lang="ko-KR" altLang="en-US"/>
               <a:t>마스터 텍스트 스타일 편집</a:t>
             </a:r>
           </a:p>
           <a:p>
             <a:pPr lvl="1"/>
             <a:r>
-              <a:rPr lang="ko-KR" altLang="en-US" smtClean="0"/>
+              <a:rPr lang="ko-KR" altLang="en-US"/>
               <a:t>둘째 수준</a:t>
             </a:r>
           </a:p>
           <a:p>
             <a:pPr lvl="2"/>
             <a:r>
-              <a:rPr lang="ko-KR" altLang="en-US" smtClean="0"/>
+              <a:rPr lang="ko-KR" altLang="en-US"/>
               <a:t>셋째 수준</a:t>
             </a:r>
           </a:p>
           <a:p>
             <a:pPr lvl="3"/>
             <a:r>
-              <a:rPr lang="ko-KR" altLang="en-US" smtClean="0"/>
+              <a:rPr lang="ko-KR" altLang="en-US"/>
               <a:t>넷째 수준</a:t>
             </a:r>
           </a:p>
           <a:p>
             <a:pPr lvl="4"/>
             <a:r>
-              <a:rPr lang="ko-KR" altLang="en-US" smtClean="0"/>
+              <a:rPr lang="ko-KR" altLang="en-US"/>
               <a:t>다섯째 수준</a:t>
             </a:r>
-            <a:endParaRPr lang="ko-KR" altLang="en-US"/>
           </a:p>
         </p:txBody>
       </p:sp>
@@ -2117,7 +2100,7 @@
           <a:p>
             <a:pPr lvl="0"/>
             <a:r>
-              <a:rPr lang="ko-KR" altLang="en-US" smtClean="0"/>
+              <a:rPr lang="ko-KR" altLang="en-US"/>
               <a:t>마스터 텍스트 스타일 편집</a:t>
             </a:r>
           </a:p>
@@ -2140,7 +2123,7 @@
           <a:p>
             <a:fld id="{B2970B56-F379-468E-8C04-AC3274656B30}" type="datetimeFigureOut">
               <a:rPr lang="ko-KR" altLang="en-US" smtClean="0"/>
-              <a:t>2023-04-04</a:t>
+              <a:t>2023-04-09</a:t>
             </a:fld>
             <a:endParaRPr lang="ko-KR" altLang="en-US"/>
           </a:p>
@@ -2243,10 +2226,9 @@
           </a:lstStyle>
           <a:p>
             <a:r>
-              <a:rPr lang="ko-KR" altLang="en-US" smtClean="0"/>
+              <a:rPr lang="ko-KR" altLang="en-US"/>
               <a:t>마스터 제목 스타일 편집</a:t>
             </a:r>
-            <a:endParaRPr lang="ko-KR" altLang="en-US"/>
           </a:p>
         </p:txBody>
       </p:sp>
@@ -2370,7 +2352,7 @@
           <a:p>
             <a:pPr lvl="0"/>
             <a:r>
-              <a:rPr lang="ko-KR" altLang="en-US" smtClean="0"/>
+              <a:rPr lang="ko-KR" altLang="en-US"/>
               <a:t>마스터 텍스트 스타일 편집</a:t>
             </a:r>
           </a:p>
@@ -2393,7 +2375,7 @@
           <a:p>
             <a:fld id="{B2970B56-F379-468E-8C04-AC3274656B30}" type="datetimeFigureOut">
               <a:rPr lang="ko-KR" altLang="en-US" smtClean="0"/>
-              <a:t>2023-04-04</a:t>
+              <a:t>2023-04-09</a:t>
             </a:fld>
             <a:endParaRPr lang="ko-KR" altLang="en-US"/>
           </a:p>
@@ -2502,10 +2484,9 @@
           <a:lstStyle/>
           <a:p>
             <a:r>
-              <a:rPr lang="ko-KR" altLang="en-US" smtClean="0"/>
+              <a:rPr lang="ko-KR" altLang="en-US"/>
               <a:t>마스터 제목 스타일 편집</a:t>
             </a:r>
-            <a:endParaRPr lang="ko-KR" altLang="en-US"/>
           </a:p>
         </p:txBody>
       </p:sp>
@@ -2536,38 +2517,37 @@
           <a:p>
             <a:pPr lvl="0"/>
             <a:r>
-              <a:rPr lang="ko-KR" altLang="en-US" smtClean="0"/>
+              <a:rPr lang="ko-KR" altLang="en-US"/>
               <a:t>마스터 텍스트 스타일 편집</a:t>
             </a:r>
           </a:p>
           <a:p>
             <a:pPr lvl="1"/>
             <a:r>
-              <a:rPr lang="ko-KR" altLang="en-US" smtClean="0"/>
+              <a:rPr lang="ko-KR" altLang="en-US"/>
               <a:t>둘째 수준</a:t>
             </a:r>
           </a:p>
           <a:p>
             <a:pPr lvl="2"/>
             <a:r>
-              <a:rPr lang="ko-KR" altLang="en-US" smtClean="0"/>
+              <a:rPr lang="ko-KR" altLang="en-US"/>
               <a:t>셋째 수준</a:t>
             </a:r>
           </a:p>
           <a:p>
             <a:pPr lvl="3"/>
             <a:r>
-              <a:rPr lang="ko-KR" altLang="en-US" smtClean="0"/>
+              <a:rPr lang="ko-KR" altLang="en-US"/>
               <a:t>넷째 수준</a:t>
             </a:r>
           </a:p>
           <a:p>
             <a:pPr lvl="4"/>
             <a:r>
-              <a:rPr lang="ko-KR" altLang="en-US" smtClean="0"/>
+              <a:rPr lang="ko-KR" altLang="en-US"/>
               <a:t>다섯째 수준</a:t>
             </a:r>
-            <a:endParaRPr lang="ko-KR" altLang="en-US"/>
           </a:p>
         </p:txBody>
       </p:sp>
@@ -2606,7 +2586,7 @@
           <a:p>
             <a:fld id="{B2970B56-F379-468E-8C04-AC3274656B30}" type="datetimeFigureOut">
               <a:rPr lang="ko-KR" altLang="en-US" smtClean="0"/>
-              <a:t>2023-04-04</a:t>
+              <a:t>2023-04-09</a:t>
             </a:fld>
             <a:endParaRPr lang="ko-KR" altLang="en-US"/>
           </a:p>
@@ -3056,7 +3036,7 @@
           <a:p>
             <a:pPr algn="ctr"/>
             <a:r>
-              <a:rPr lang="en-US" altLang="ko-KR" dirty="0" smtClean="0">
+              <a:rPr lang="en-US" altLang="ko-KR" dirty="0">
                 <a:solidFill>
                   <a:schemeClr val="tx1"/>
                 </a:solidFill>
@@ -3085,6 +3065,247 @@
 </file>
 
 <file path=ppt/slides/slide10.xml><?xml version="1.0" encoding="utf-8"?>
+<p:sld xmlns:a="http://schemas.openxmlformats.org/drawingml/2006/main" xmlns:r="http://schemas.openxmlformats.org/officeDocument/2006/relationships" xmlns:p="http://schemas.openxmlformats.org/presentationml/2006/main">
+  <p:cSld>
+    <p:spTree>
+      <p:nvGrpSpPr>
+        <p:cNvPr id="1" name=""/>
+        <p:cNvGrpSpPr/>
+        <p:nvPr/>
+      </p:nvGrpSpPr>
+      <p:grpSpPr>
+        <a:xfrm>
+          <a:off x="0" y="0"/>
+          <a:ext cx="0" cy="0"/>
+          <a:chOff x="0" y="0"/>
+          <a:chExt cx="0" cy="0"/>
+        </a:xfrm>
+      </p:grpSpPr>
+      <p:pic>
+        <p:nvPicPr>
+          <p:cNvPr id="4" name="그림 3"/>
+          <p:cNvPicPr>
+            <a:picLocks noChangeAspect="1"/>
+          </p:cNvPicPr>
+          <p:nvPr/>
+        </p:nvPicPr>
+        <p:blipFill>
+          <a:blip r:embed="rId2"/>
+          <a:stretch>
+            <a:fillRect/>
+          </a:stretch>
+        </p:blipFill>
+        <p:spPr>
+          <a:xfrm>
+            <a:off x="3557233" y="2762157"/>
+            <a:ext cx="5077534" cy="1333686"/>
+          </a:xfrm>
+          <a:prstGeom prst="rect">
+            <a:avLst/>
+          </a:prstGeom>
+        </p:spPr>
+      </p:pic>
+      <p:pic>
+        <p:nvPicPr>
+          <p:cNvPr id="5" name="그림 4"/>
+          <p:cNvPicPr>
+            <a:picLocks noChangeAspect="1"/>
+          </p:cNvPicPr>
+          <p:nvPr/>
+        </p:nvPicPr>
+        <p:blipFill>
+          <a:blip r:embed="rId3"/>
+          <a:stretch>
+            <a:fillRect/>
+          </a:stretch>
+        </p:blipFill>
+        <p:spPr>
+          <a:xfrm>
+            <a:off x="2037783" y="4557630"/>
+            <a:ext cx="8116433" cy="476316"/>
+          </a:xfrm>
+          <a:prstGeom prst="rect">
+            <a:avLst/>
+          </a:prstGeom>
+        </p:spPr>
+      </p:pic>
+      <p:sp>
+        <p:nvSpPr>
+          <p:cNvPr id="6" name="직사각형 5"/>
+          <p:cNvSpPr/>
+          <p:nvPr/>
+        </p:nvSpPr>
+        <p:spPr>
+          <a:xfrm>
+            <a:off x="851443" y="424225"/>
+            <a:ext cx="2865905" cy="736238"/>
+          </a:xfrm>
+          <a:prstGeom prst="rect">
+            <a:avLst/>
+          </a:prstGeom>
+          <a:solidFill>
+            <a:srgbClr val="00B0F0">
+              <a:alpha val="34000"/>
+            </a:srgbClr>
+          </a:solidFill>
+          <a:ln w="38100">
+            <a:noFill/>
+          </a:ln>
+        </p:spPr>
+        <p:style>
+          <a:lnRef idx="2">
+            <a:schemeClr val="accent1">
+              <a:shade val="50000"/>
+            </a:schemeClr>
+          </a:lnRef>
+          <a:fillRef idx="1">
+            <a:schemeClr val="accent1"/>
+          </a:fillRef>
+          <a:effectRef idx="0">
+            <a:schemeClr val="accent1"/>
+          </a:effectRef>
+          <a:fontRef idx="minor">
+            <a:schemeClr val="lt1"/>
+          </a:fontRef>
+        </p:style>
+        <p:txBody>
+          <a:bodyPr rtlCol="0" anchor="ctr"/>
+          <a:lstStyle/>
+          <a:p>
+            <a:pPr algn="ctr"/>
+            <a:r>
+              <a:rPr lang="ko-KR" altLang="en-US" dirty="0">
+                <a:solidFill>
+                  <a:schemeClr val="tx1"/>
+                </a:solidFill>
+              </a:rPr>
+              <a:t>문자열</a:t>
+            </a:r>
+          </a:p>
+        </p:txBody>
+      </p:sp>
+      <p:sp>
+        <p:nvSpPr>
+          <p:cNvPr id="7" name="직사각형 6"/>
+          <p:cNvSpPr/>
+          <p:nvPr/>
+        </p:nvSpPr>
+        <p:spPr>
+          <a:xfrm>
+            <a:off x="3557233" y="5602335"/>
+            <a:ext cx="4788962" cy="736238"/>
+          </a:xfrm>
+          <a:prstGeom prst="rect">
+            <a:avLst/>
+          </a:prstGeom>
+          <a:solidFill>
+            <a:srgbClr val="00B0F0">
+              <a:alpha val="34000"/>
+            </a:srgbClr>
+          </a:solidFill>
+          <a:ln w="38100">
+            <a:noFill/>
+          </a:ln>
+        </p:spPr>
+        <p:style>
+          <a:lnRef idx="2">
+            <a:schemeClr val="accent1">
+              <a:shade val="50000"/>
+            </a:schemeClr>
+          </a:lnRef>
+          <a:fillRef idx="1">
+            <a:schemeClr val="accent1"/>
+          </a:fillRef>
+          <a:effectRef idx="0">
+            <a:schemeClr val="accent1"/>
+          </a:effectRef>
+          <a:fontRef idx="minor">
+            <a:schemeClr val="lt1"/>
+          </a:fontRef>
+        </p:style>
+        <p:txBody>
+          <a:bodyPr rtlCol="0" anchor="ctr"/>
+          <a:lstStyle/>
+          <a:p>
+            <a:pPr algn="ctr"/>
+            <a:r>
+              <a:rPr lang="en-US" altLang="ko-KR" dirty="0">
+                <a:solidFill>
+                  <a:schemeClr val="tx1"/>
+                </a:solidFill>
+              </a:rPr>
+              <a:t>“</a:t>
+            </a:r>
+            <a:r>
+              <a:rPr lang="en-US" altLang="ko-KR" b="1" dirty="0">
+                <a:solidFill>
+                  <a:srgbClr val="FF0000"/>
+                </a:solidFill>
+              </a:rPr>
+              <a:t>’</a:t>
+            </a:r>
+            <a:r>
+              <a:rPr lang="ko-KR" altLang="en-US" dirty="0">
+                <a:solidFill>
+                  <a:schemeClr val="tx1"/>
+                </a:solidFill>
+              </a:rPr>
+              <a:t>텍스트 영역</a:t>
+            </a:r>
+            <a:r>
+              <a:rPr lang="en-US" altLang="ko-KR" b="1" dirty="0">
+                <a:solidFill>
+                  <a:srgbClr val="FF0000"/>
+                </a:solidFill>
+              </a:rPr>
+              <a:t>’</a:t>
+            </a:r>
+            <a:r>
+              <a:rPr lang="en-US" altLang="ko-KR" dirty="0">
+                <a:solidFill>
+                  <a:schemeClr val="tx1"/>
+                </a:solidFill>
+              </a:rPr>
+              <a:t> </a:t>
+            </a:r>
+            <a:r>
+              <a:rPr lang="ko-KR" altLang="en-US" dirty="0">
+                <a:solidFill>
+                  <a:schemeClr val="tx1"/>
+                </a:solidFill>
+              </a:rPr>
+              <a:t>같은 식으로 따옴표 스트링에 사용 가능</a:t>
+            </a:r>
+            <a:r>
+              <a:rPr lang="en-US" altLang="ko-KR" dirty="0">
+                <a:solidFill>
+                  <a:schemeClr val="tx1"/>
+                </a:solidFill>
+              </a:rPr>
+              <a:t>”</a:t>
+            </a:r>
+            <a:endParaRPr lang="ko-KR" altLang="en-US" dirty="0">
+              <a:solidFill>
+                <a:schemeClr val="tx1"/>
+              </a:solidFill>
+            </a:endParaRPr>
+          </a:p>
+        </p:txBody>
+      </p:sp>
+    </p:spTree>
+    <p:extLst>
+      <p:ext uri="{BB962C8B-B14F-4D97-AF65-F5344CB8AC3E}">
+        <p14:creationId xmlns:p14="http://schemas.microsoft.com/office/powerpoint/2010/main" val="3283868649"/>
+      </p:ext>
+    </p:extLst>
+  </p:cSld>
+  <p:clrMapOvr>
+    <a:masterClrMapping/>
+  </p:clrMapOvr>
+</p:sld>
+</file>
+
+<file path=ppt/slides/slide11.xml><?xml version="1.0" encoding="utf-8"?>
 <p:sld xmlns:a="http://schemas.openxmlformats.org/drawingml/2006/main" xmlns:r="http://schemas.openxmlformats.org/officeDocument/2006/relationships" xmlns:p="http://schemas.openxmlformats.org/presentationml/2006/main">
   <p:cSld>
     <p:spTree>
@@ -3209,18 +3430,13 @@
           <a:p>
             <a:pPr algn="ctr"/>
             <a:r>
-              <a:rPr lang="ko-KR" altLang="en-US" dirty="0" smtClean="0">
+              <a:rPr lang="ko-KR" altLang="en-US" dirty="0">
                 <a:solidFill>
                   <a:schemeClr val="tx1"/>
                 </a:solidFill>
               </a:rPr>
               <a:t>이런 짓도 가능하다</a:t>
             </a:r>
-            <a:endParaRPr lang="ko-KR" altLang="en-US" dirty="0">
-              <a:solidFill>
-                <a:schemeClr val="tx1"/>
-              </a:solidFill>
-            </a:endParaRPr>
           </a:p>
         </p:txBody>
       </p:sp>
@@ -3269,7 +3485,7 @@
           <a:p>
             <a:pPr algn="ctr"/>
             <a:r>
-              <a:rPr lang="en-US" altLang="ko-KR" dirty="0" smtClean="0">
+              <a:rPr lang="en-US" altLang="ko-KR" dirty="0">
                 <a:solidFill>
                   <a:schemeClr val="tx1"/>
                 </a:solidFill>
@@ -3280,7 +3496,7 @@
           <a:p>
             <a:pPr algn="ctr"/>
             <a:r>
-              <a:rPr lang="ko-KR" altLang="en-US" dirty="0" smtClean="0">
+              <a:rPr lang="ko-KR" altLang="en-US" dirty="0">
                 <a:solidFill>
                   <a:schemeClr val="tx1"/>
                 </a:solidFill>
@@ -3288,7 +3504,7 @@
               <a:t>스트링인 </a:t>
             </a:r>
             <a:r>
-              <a:rPr lang="en-US" altLang="ko-KR" dirty="0" smtClean="0">
+              <a:rPr lang="en-US" altLang="ko-KR" dirty="0">
                 <a:solidFill>
                   <a:schemeClr val="tx1"/>
                 </a:solidFill>
@@ -3296,7 +3512,7 @@
               <a:t>abc</a:t>
             </a:r>
             <a:r>
-              <a:rPr lang="ko-KR" altLang="en-US" dirty="0" smtClean="0">
+              <a:rPr lang="ko-KR" altLang="en-US" dirty="0">
                 <a:solidFill>
                   <a:schemeClr val="tx1"/>
                 </a:solidFill>
@@ -3304,7 +3520,7 @@
               <a:t>에 </a:t>
             </a:r>
             <a:r>
-              <a:rPr lang="en-US" altLang="ko-KR" dirty="0" smtClean="0">
+              <a:rPr lang="en-US" altLang="ko-KR" dirty="0">
                 <a:solidFill>
                   <a:schemeClr val="tx1"/>
                 </a:solidFill>
@@ -3312,7 +3528,7 @@
               <a:t>5</a:t>
             </a:r>
             <a:r>
-              <a:rPr lang="ko-KR" altLang="en-US" dirty="0" err="1" smtClean="0">
+              <a:rPr lang="ko-KR" altLang="en-US" dirty="0" err="1">
                 <a:solidFill>
                   <a:schemeClr val="tx1"/>
                 </a:solidFill>
@@ -3320,14 +3536,14 @@
               <a:t>를</a:t>
             </a:r>
             <a:r>
-              <a:rPr lang="ko-KR" altLang="en-US" dirty="0" smtClean="0">
+              <a:rPr lang="ko-KR" altLang="en-US" dirty="0">
                 <a:solidFill>
                   <a:schemeClr val="tx1"/>
                 </a:solidFill>
               </a:rPr>
               <a:t> 곱하면</a:t>
             </a:r>
-            <a:endParaRPr lang="en-US" altLang="ko-KR" dirty="0" smtClean="0">
+            <a:endParaRPr lang="en-US" altLang="ko-KR" dirty="0">
               <a:solidFill>
                 <a:schemeClr val="tx1"/>
               </a:solidFill>
@@ -3336,20 +3552,12 @@
           <a:p>
             <a:pPr algn="ctr"/>
             <a:r>
-              <a:rPr lang="en-US" altLang="ko-KR" dirty="0" smtClean="0">
-                <a:solidFill>
-                  <a:schemeClr val="tx1"/>
-                </a:solidFill>
-              </a:rPr>
-              <a:t>abcabcabcabc</a:t>
-            </a:r>
-            <a:r>
               <a:rPr lang="en-US" altLang="ko-KR" dirty="0">
                 <a:solidFill>
                   <a:schemeClr val="tx1"/>
                 </a:solidFill>
               </a:rPr>
-              <a:t>abc</a:t>
+              <a:t>abcabcabcabcabc</a:t>
             </a:r>
             <a:endParaRPr lang="ko-KR" altLang="en-US" dirty="0">
               <a:solidFill>
@@ -3445,7 +3653,7 @@
           <a:p>
             <a:pPr algn="ctr"/>
             <a:r>
-              <a:rPr lang="ko-KR" altLang="en-US" dirty="0" smtClean="0">
+              <a:rPr lang="ko-KR" altLang="en-US" dirty="0">
                 <a:solidFill>
                   <a:schemeClr val="tx1"/>
                 </a:solidFill>
@@ -3453,7 +3661,7 @@
               <a:t>이게 왜 되죠</a:t>
             </a:r>
             <a:r>
-              <a:rPr lang="en-US" altLang="ko-KR" dirty="0" smtClean="0">
+              <a:rPr lang="en-US" altLang="ko-KR" dirty="0">
                 <a:solidFill>
                   <a:schemeClr val="tx1"/>
                 </a:solidFill>
@@ -3481,7 +3689,7 @@
 </p:sld>
 </file>
 
-<file path=ppt/slides/slide11.xml><?xml version="1.0" encoding="utf-8"?>
+<file path=ppt/slides/slide12.xml><?xml version="1.0" encoding="utf-8"?>
 <p:sld xmlns:a="http://schemas.openxmlformats.org/drawingml/2006/main" xmlns:r="http://schemas.openxmlformats.org/officeDocument/2006/relationships" xmlns:p="http://schemas.openxmlformats.org/presentationml/2006/main">
   <p:cSld>
     <p:spTree>
@@ -3543,18 +3751,13 @@
           <a:p>
             <a:pPr algn="ctr"/>
             <a:r>
-              <a:rPr lang="ko-KR" altLang="en-US" dirty="0" smtClean="0">
+              <a:rPr lang="ko-KR" altLang="en-US" dirty="0">
                 <a:solidFill>
                   <a:schemeClr val="tx1"/>
                 </a:solidFill>
               </a:rPr>
               <a:t>리스트</a:t>
             </a:r>
-            <a:endParaRPr lang="ko-KR" altLang="en-US" dirty="0">
-              <a:solidFill>
-                <a:schemeClr val="tx1"/>
-              </a:solidFill>
-            </a:endParaRPr>
           </a:p>
         </p:txBody>
       </p:sp>
@@ -3666,7 +3869,7 @@
           <a:p>
             <a:pPr algn="ctr"/>
             <a:r>
-              <a:rPr lang="ko-KR" altLang="en-US" dirty="0" err="1" smtClean="0">
+              <a:rPr lang="ko-KR" altLang="en-US" dirty="0" err="1">
                 <a:solidFill>
                   <a:schemeClr val="tx1"/>
                 </a:solidFill>
@@ -3674,7 +3877,7 @@
               <a:t>기존이랑</a:t>
             </a:r>
             <a:r>
-              <a:rPr lang="ko-KR" altLang="en-US" dirty="0" smtClean="0">
+              <a:rPr lang="ko-KR" altLang="en-US" dirty="0">
                 <a:solidFill>
                   <a:schemeClr val="tx1"/>
                 </a:solidFill>
@@ -3682,7 +3885,7 @@
               <a:t> 다를 게 없음</a:t>
             </a:r>
             <a:r>
-              <a:rPr lang="en-US" altLang="ko-KR" dirty="0" smtClean="0">
+              <a:rPr lang="en-US" altLang="ko-KR" dirty="0">
                 <a:solidFill>
                   <a:schemeClr val="tx1"/>
                 </a:solidFill>
@@ -3710,7 +3913,7 @@
 </p:sld>
 </file>
 
-<file path=ppt/slides/slide12.xml><?xml version="1.0" encoding="utf-8"?>
+<file path=ppt/slides/slide13.xml><?xml version="1.0" encoding="utf-8"?>
 <p:sld xmlns:a="http://schemas.openxmlformats.org/drawingml/2006/main" xmlns:r="http://schemas.openxmlformats.org/officeDocument/2006/relationships" xmlns:p="http://schemas.openxmlformats.org/presentationml/2006/main">
   <p:cSld>
     <p:spTree>
@@ -3796,7 +3999,7 @@
           <a:p>
             <a:pPr algn="ctr"/>
             <a:r>
-              <a:rPr lang="en-US" altLang="ko-KR" dirty="0" smtClean="0">
+              <a:rPr lang="en-US" altLang="ko-KR" dirty="0">
                 <a:solidFill>
                   <a:schemeClr val="tx1"/>
                 </a:solidFill>
@@ -3804,14 +4007,14 @@
               <a:t>B6</a:t>
             </a:r>
             <a:r>
-              <a:rPr lang="ko-KR" altLang="en-US" dirty="0" smtClean="0">
+              <a:rPr lang="ko-KR" altLang="en-US" dirty="0">
                 <a:solidFill>
                   <a:schemeClr val="tx1"/>
                 </a:solidFill>
               </a:rPr>
               <a:t>라는 상자에는</a:t>
             </a:r>
-            <a:endParaRPr lang="en-US" altLang="ko-KR" dirty="0" smtClean="0">
+            <a:endParaRPr lang="en-US" altLang="ko-KR" dirty="0">
               <a:solidFill>
                 <a:schemeClr val="tx1"/>
               </a:solidFill>
@@ -3820,7 +4023,7 @@
           <a:p>
             <a:pPr algn="ctr"/>
             <a:r>
-              <a:rPr lang="en-US" altLang="ko-KR" dirty="0" smtClean="0">
+              <a:rPr lang="en-US" altLang="ko-KR" dirty="0">
                 <a:solidFill>
                   <a:schemeClr val="tx1"/>
                 </a:solidFill>
@@ -3828,7 +4031,7 @@
               <a:t>“w e l c o m e”</a:t>
             </a:r>
             <a:r>
-              <a:rPr lang="ko-KR" altLang="en-US" dirty="0" smtClean="0">
+              <a:rPr lang="ko-KR" altLang="en-US" dirty="0">
                 <a:solidFill>
                   <a:schemeClr val="tx1"/>
                 </a:solidFill>
@@ -3836,7 +4039,7 @@
               <a:t>이 담겨있어요</a:t>
             </a:r>
             <a:r>
-              <a:rPr lang="en-US" altLang="ko-KR" dirty="0" smtClean="0">
+              <a:rPr lang="en-US" altLang="ko-KR" dirty="0">
                 <a:solidFill>
                   <a:schemeClr val="tx1"/>
                 </a:solidFill>
@@ -3847,7 +4050,7 @@
           <a:p>
             <a:pPr algn="ctr"/>
             <a:r>
-              <a:rPr lang="en-US" altLang="ko-KR" dirty="0" smtClean="0">
+              <a:rPr lang="en-US" altLang="ko-KR" dirty="0">
                 <a:solidFill>
                   <a:schemeClr val="tx1"/>
                 </a:solidFill>
@@ -3855,7 +4058,7 @@
               <a:t>B6</a:t>
             </a:r>
             <a:r>
-              <a:rPr lang="ko-KR" altLang="en-US" dirty="0" smtClean="0">
+              <a:rPr lang="ko-KR" altLang="en-US" dirty="0">
                 <a:solidFill>
                   <a:schemeClr val="tx1"/>
                 </a:solidFill>
@@ -3863,7 +4066,7 @@
               <a:t>에서 </a:t>
             </a:r>
             <a:r>
-              <a:rPr lang="en-US" altLang="ko-KR" dirty="0" smtClean="0">
+              <a:rPr lang="en-US" altLang="ko-KR" dirty="0">
                 <a:solidFill>
                   <a:schemeClr val="tx1"/>
                 </a:solidFill>
@@ -3871,150 +4074,14 @@
               <a:t>2</a:t>
             </a:r>
             <a:r>
-              <a:rPr lang="ko-KR" altLang="en-US" dirty="0" smtClean="0">
+              <a:rPr lang="ko-KR" altLang="en-US" dirty="0">
                 <a:solidFill>
                   <a:schemeClr val="tx1"/>
                 </a:solidFill>
               </a:rPr>
               <a:t>배수에 위치한 것들만 빼서 주세요</a:t>
             </a:r>
-            <a:endParaRPr lang="en-US" altLang="ko-KR" dirty="0" smtClean="0">
-              <a:solidFill>
-                <a:schemeClr val="tx1"/>
-              </a:solidFill>
-            </a:endParaRPr>
-          </a:p>
-          <a:p>
-            <a:pPr algn="ctr"/>
-            <a:endParaRPr lang="en-US" altLang="ko-KR" dirty="0" smtClean="0">
-              <a:solidFill>
-                <a:schemeClr val="tx1"/>
-              </a:solidFill>
-            </a:endParaRPr>
-          </a:p>
-          <a:p>
-            <a:pPr algn="ctr"/>
-            <a:r>
-              <a:rPr lang="en-US" altLang="ko-KR" dirty="0" smtClean="0">
-                <a:solidFill>
-                  <a:schemeClr val="tx1"/>
-                </a:solidFill>
-              </a:rPr>
-              <a:t>B7</a:t>
-            </a:r>
-            <a:r>
-              <a:rPr lang="ko-KR" altLang="en-US" dirty="0" smtClean="0">
-                <a:solidFill>
-                  <a:schemeClr val="tx1"/>
-                </a:solidFill>
-              </a:rPr>
-              <a:t>에는 </a:t>
-            </a:r>
-            <a:r>
-              <a:rPr lang="en-US" altLang="ko-KR" dirty="0" smtClean="0">
-                <a:solidFill>
-                  <a:schemeClr val="tx1"/>
-                </a:solidFill>
-              </a:rPr>
-              <a:t>“pithon”</a:t>
-            </a:r>
-            <a:r>
-              <a:rPr lang="ko-KR" altLang="en-US" dirty="0" smtClean="0">
-                <a:solidFill>
-                  <a:schemeClr val="tx1"/>
-                </a:solidFill>
-              </a:rPr>
-              <a:t>이라는 물건이 담겨있어요</a:t>
-            </a:r>
-            <a:endParaRPr lang="en-US" altLang="ko-KR" dirty="0" smtClean="0">
-              <a:solidFill>
-                <a:schemeClr val="tx1"/>
-              </a:solidFill>
-            </a:endParaRPr>
-          </a:p>
-          <a:p>
-            <a:pPr algn="ctr"/>
-            <a:r>
-              <a:rPr lang="en-US" altLang="ko-KR" dirty="0" smtClean="0">
-                <a:solidFill>
-                  <a:schemeClr val="tx1"/>
-                </a:solidFill>
-              </a:rPr>
-              <a:t>B7</a:t>
-            </a:r>
-            <a:r>
-              <a:rPr lang="ko-KR" altLang="en-US" dirty="0" smtClean="0">
-                <a:solidFill>
-                  <a:schemeClr val="tx1"/>
-                </a:solidFill>
-              </a:rPr>
-              <a:t>의 </a:t>
-            </a:r>
-            <a:r>
-              <a:rPr lang="en-US" altLang="ko-KR" dirty="0" smtClean="0">
-                <a:solidFill>
-                  <a:schemeClr val="tx1"/>
-                </a:solidFill>
-              </a:rPr>
-              <a:t>1</a:t>
-            </a:r>
-            <a:r>
-              <a:rPr lang="ko-KR" altLang="en-US" dirty="0" smtClean="0">
-                <a:solidFill>
-                  <a:schemeClr val="tx1"/>
-                </a:solidFill>
-              </a:rPr>
-              <a:t>의 주소에 있는 녀석을 지우고</a:t>
-            </a:r>
-            <a:r>
-              <a:rPr lang="en-US" altLang="ko-KR" dirty="0" smtClean="0">
-                <a:solidFill>
-                  <a:schemeClr val="tx1"/>
-                </a:solidFill>
-              </a:rPr>
-              <a:t>, y</a:t>
-            </a:r>
-            <a:r>
-              <a:rPr lang="ko-KR" altLang="en-US" dirty="0" err="1" smtClean="0">
-                <a:solidFill>
-                  <a:schemeClr val="tx1"/>
-                </a:solidFill>
-              </a:rPr>
-              <a:t>를</a:t>
-            </a:r>
-            <a:r>
-              <a:rPr lang="ko-KR" altLang="en-US" dirty="0" smtClean="0">
-                <a:solidFill>
-                  <a:schemeClr val="tx1"/>
-                </a:solidFill>
-              </a:rPr>
-              <a:t> </a:t>
-            </a:r>
-            <a:r>
-              <a:rPr lang="ko-KR" altLang="en-US" dirty="0" err="1" smtClean="0">
-                <a:solidFill>
-                  <a:schemeClr val="tx1"/>
-                </a:solidFill>
-              </a:rPr>
-              <a:t>끼워넣고</a:t>
-            </a:r>
-            <a:r>
-              <a:rPr lang="en-US" altLang="ko-KR" dirty="0" smtClean="0">
-                <a:solidFill>
-                  <a:schemeClr val="tx1"/>
-                </a:solidFill>
-              </a:rPr>
-              <a:t>, 2</a:t>
-            </a:r>
-            <a:r>
-              <a:rPr lang="ko-KR" altLang="en-US" dirty="0" smtClean="0">
-                <a:solidFill>
-                  <a:schemeClr val="tx1"/>
-                </a:solidFill>
-              </a:rPr>
-              <a:t>의 주소부터 출력해주세요</a:t>
-            </a:r>
-            <a:endParaRPr lang="en-US" altLang="ko-KR" dirty="0" smtClean="0">
+            <a:endParaRPr lang="en-US" altLang="ko-KR" dirty="0">
               <a:solidFill>
                 <a:schemeClr val="tx1"/>
               </a:solidFill>
@@ -4031,7 +4098,7 @@
           <a:p>
             <a:pPr algn="ctr"/>
             <a:r>
-              <a:rPr lang="en-US" altLang="ko-KR" dirty="0" smtClean="0">
+              <a:rPr lang="en-US" altLang="ko-KR" dirty="0">
                 <a:solidFill>
                   <a:schemeClr val="tx1"/>
                 </a:solidFill>
@@ -4039,247 +4106,156 @@
               <a:t>B7</a:t>
             </a:r>
             <a:r>
-              <a:rPr lang="ko-KR" altLang="en-US" dirty="0" smtClean="0">
-                <a:solidFill>
-                  <a:schemeClr val="tx1"/>
-                </a:solidFill>
-              </a:rPr>
-              <a:t>에 담긴 걸 거꾸로 읽어주세요</a:t>
-            </a:r>
-            <a:endParaRPr lang="ko-KR" altLang="en-US" dirty="0">
+              <a:rPr lang="ko-KR" altLang="en-US" dirty="0">
+                <a:solidFill>
+                  <a:schemeClr val="tx1"/>
+                </a:solidFill>
+              </a:rPr>
+              <a:t>에는 </a:t>
+            </a:r>
+            <a:r>
+              <a:rPr lang="en-US" altLang="ko-KR" dirty="0">
+                <a:solidFill>
+                  <a:schemeClr val="tx1"/>
+                </a:solidFill>
+              </a:rPr>
+              <a:t>“pithon”</a:t>
+            </a:r>
+            <a:r>
+              <a:rPr lang="ko-KR" altLang="en-US" dirty="0">
+                <a:solidFill>
+                  <a:schemeClr val="tx1"/>
+                </a:solidFill>
+              </a:rPr>
+              <a:t>이라는 물건이 담겨있어요</a:t>
+            </a:r>
+            <a:endParaRPr lang="en-US" altLang="ko-KR" dirty="0">
               <a:solidFill>
                 <a:schemeClr val="tx1"/>
               </a:solidFill>
             </a:endParaRPr>
           </a:p>
+          <a:p>
+            <a:pPr algn="ctr"/>
+            <a:r>
+              <a:rPr lang="en-US" altLang="ko-KR" dirty="0">
+                <a:solidFill>
+                  <a:schemeClr val="tx1"/>
+                </a:solidFill>
+              </a:rPr>
+              <a:t>B7</a:t>
+            </a:r>
+            <a:r>
+              <a:rPr lang="ko-KR" altLang="en-US" dirty="0">
+                <a:solidFill>
+                  <a:schemeClr val="tx1"/>
+                </a:solidFill>
+              </a:rPr>
+              <a:t>의 </a:t>
+            </a:r>
+            <a:r>
+              <a:rPr lang="en-US" altLang="ko-KR" dirty="0">
+                <a:solidFill>
+                  <a:schemeClr val="tx1"/>
+                </a:solidFill>
+              </a:rPr>
+              <a:t>1</a:t>
+            </a:r>
+            <a:r>
+              <a:rPr lang="ko-KR" altLang="en-US" dirty="0">
+                <a:solidFill>
+                  <a:schemeClr val="tx1"/>
+                </a:solidFill>
+              </a:rPr>
+              <a:t>의 주소에 있는 녀석을 지우고</a:t>
+            </a:r>
+            <a:r>
+              <a:rPr lang="en-US" altLang="ko-KR" dirty="0">
+                <a:solidFill>
+                  <a:schemeClr val="tx1"/>
+                </a:solidFill>
+              </a:rPr>
+              <a:t>, y</a:t>
+            </a:r>
+            <a:r>
+              <a:rPr lang="ko-KR" altLang="en-US" dirty="0" err="1">
+                <a:solidFill>
+                  <a:schemeClr val="tx1"/>
+                </a:solidFill>
+              </a:rPr>
+              <a:t>를</a:t>
+            </a:r>
+            <a:r>
+              <a:rPr lang="ko-KR" altLang="en-US" dirty="0">
+                <a:solidFill>
+                  <a:schemeClr val="tx1"/>
+                </a:solidFill>
+              </a:rPr>
+              <a:t> </a:t>
+            </a:r>
+            <a:r>
+              <a:rPr lang="ko-KR" altLang="en-US" dirty="0" err="1">
+                <a:solidFill>
+                  <a:schemeClr val="tx1"/>
+                </a:solidFill>
+              </a:rPr>
+              <a:t>끼워넣고</a:t>
+            </a:r>
+            <a:r>
+              <a:rPr lang="en-US" altLang="ko-KR" dirty="0">
+                <a:solidFill>
+                  <a:schemeClr val="tx1"/>
+                </a:solidFill>
+              </a:rPr>
+              <a:t>, 2</a:t>
+            </a:r>
+            <a:r>
+              <a:rPr lang="ko-KR" altLang="en-US" dirty="0">
+                <a:solidFill>
+                  <a:schemeClr val="tx1"/>
+                </a:solidFill>
+              </a:rPr>
+              <a:t>의 주소부터 출력해주세요</a:t>
+            </a:r>
+            <a:endParaRPr lang="en-US" altLang="ko-KR" dirty="0">
+              <a:solidFill>
+                <a:schemeClr val="tx1"/>
+              </a:solidFill>
+            </a:endParaRPr>
+          </a:p>
+          <a:p>
+            <a:pPr algn="ctr"/>
+            <a:endParaRPr lang="en-US" altLang="ko-KR" dirty="0">
+              <a:solidFill>
+                <a:schemeClr val="tx1"/>
+              </a:solidFill>
+            </a:endParaRPr>
+          </a:p>
+          <a:p>
+            <a:pPr algn="ctr"/>
+            <a:r>
+              <a:rPr lang="en-US" altLang="ko-KR" dirty="0">
+                <a:solidFill>
+                  <a:schemeClr val="tx1"/>
+                </a:solidFill>
+              </a:rPr>
+              <a:t>B7</a:t>
+            </a:r>
+            <a:r>
+              <a:rPr lang="ko-KR" altLang="en-US" dirty="0">
+                <a:solidFill>
+                  <a:schemeClr val="tx1"/>
+                </a:solidFill>
+              </a:rPr>
+              <a:t>에 담긴 걸 거꾸로 읽어주세요</a:t>
+            </a:r>
+          </a:p>
         </p:txBody>
       </p:sp>
     </p:spTree>
     <p:extLst>
       <p:ext uri="{BB962C8B-B14F-4D97-AF65-F5344CB8AC3E}">
         <p14:creationId xmlns:p14="http://schemas.microsoft.com/office/powerpoint/2010/main" val="2056586764"/>
-      </p:ext>
-    </p:extLst>
-  </p:cSld>
-  <p:clrMapOvr>
-    <a:masterClrMapping/>
-  </p:clrMapOvr>
-</p:sld>
-</file>
-
-<file path=ppt/slides/slide13.xml><?xml version="1.0" encoding="utf-8"?>
-<p:sld xmlns:a="http://schemas.openxmlformats.org/drawingml/2006/main" xmlns:r="http://schemas.openxmlformats.org/officeDocument/2006/relationships" xmlns:p="http://schemas.openxmlformats.org/presentationml/2006/main">
-  <p:cSld>
-    <p:spTree>
-      <p:nvGrpSpPr>
-        <p:cNvPr id="1" name=""/>
-        <p:cNvGrpSpPr/>
-        <p:nvPr/>
-      </p:nvGrpSpPr>
-      <p:grpSpPr>
-        <a:xfrm>
-          <a:off x="0" y="0"/>
-          <a:ext cx="0" cy="0"/>
-          <a:chOff x="0" y="0"/>
-          <a:chExt cx="0" cy="0"/>
-        </a:xfrm>
-      </p:grpSpPr>
-      <p:sp>
-        <p:nvSpPr>
-          <p:cNvPr id="4" name="직사각형 3"/>
-          <p:cNvSpPr/>
-          <p:nvPr/>
-        </p:nvSpPr>
-        <p:spPr>
-          <a:xfrm>
-            <a:off x="851443" y="424225"/>
-            <a:ext cx="2865905" cy="736238"/>
-          </a:xfrm>
-          <a:prstGeom prst="rect">
-            <a:avLst/>
-          </a:prstGeom>
-          <a:solidFill>
-            <a:srgbClr val="00B0F0">
-              <a:alpha val="34000"/>
-            </a:srgbClr>
-          </a:solidFill>
-          <a:ln w="38100">
-            <a:noFill/>
-          </a:ln>
-        </p:spPr>
-        <p:style>
-          <a:lnRef idx="2">
-            <a:schemeClr val="accent1">
-              <a:shade val="50000"/>
-            </a:schemeClr>
-          </a:lnRef>
-          <a:fillRef idx="1">
-            <a:schemeClr val="accent1"/>
-          </a:fillRef>
-          <a:effectRef idx="0">
-            <a:schemeClr val="accent1"/>
-          </a:effectRef>
-          <a:fontRef idx="minor">
-            <a:schemeClr val="lt1"/>
-          </a:fontRef>
-        </p:style>
-        <p:txBody>
-          <a:bodyPr rtlCol="0" anchor="ctr"/>
-          <a:lstStyle/>
-          <a:p>
-            <a:pPr algn="ctr"/>
-            <a:r>
-              <a:rPr lang="ko-KR" altLang="en-US" dirty="0" err="1" smtClean="0">
-                <a:solidFill>
-                  <a:schemeClr val="tx1"/>
-                </a:solidFill>
-              </a:rPr>
-              <a:t>튜플</a:t>
-            </a:r>
-            <a:endParaRPr lang="ko-KR" altLang="en-US" dirty="0">
-              <a:solidFill>
-                <a:schemeClr val="tx1"/>
-              </a:solidFill>
-            </a:endParaRPr>
-          </a:p>
-        </p:txBody>
-      </p:sp>
-      <p:sp>
-        <p:nvSpPr>
-          <p:cNvPr id="6" name="직사각형 5"/>
-          <p:cNvSpPr/>
-          <p:nvPr/>
-        </p:nvSpPr>
-        <p:spPr>
-          <a:xfrm>
-            <a:off x="4464820" y="5844655"/>
-            <a:ext cx="3262359" cy="736238"/>
-          </a:xfrm>
-          <a:prstGeom prst="rect">
-            <a:avLst/>
-          </a:prstGeom>
-          <a:solidFill>
-            <a:srgbClr val="00B0F0">
-              <a:alpha val="34000"/>
-            </a:srgbClr>
-          </a:solidFill>
-          <a:ln w="38100">
-            <a:noFill/>
-          </a:ln>
-        </p:spPr>
-        <p:style>
-          <a:lnRef idx="2">
-            <a:schemeClr val="accent1">
-              <a:shade val="50000"/>
-            </a:schemeClr>
-          </a:lnRef>
-          <a:fillRef idx="1">
-            <a:schemeClr val="accent1"/>
-          </a:fillRef>
-          <a:effectRef idx="0">
-            <a:schemeClr val="accent1"/>
-          </a:effectRef>
-          <a:fontRef idx="minor">
-            <a:schemeClr val="lt1"/>
-          </a:fontRef>
-        </p:style>
-        <p:txBody>
-          <a:bodyPr rtlCol="0" anchor="ctr"/>
-          <a:lstStyle/>
-          <a:p>
-            <a:pPr algn="ctr"/>
-            <a:r>
-              <a:rPr lang="ko-KR" altLang="en-US" dirty="0" smtClean="0">
-                <a:solidFill>
-                  <a:schemeClr val="tx1"/>
-                </a:solidFill>
-              </a:rPr>
-              <a:t>리스트에 </a:t>
-            </a:r>
-            <a:r>
-              <a:rPr lang="en-US" altLang="ko-KR" dirty="0" smtClean="0">
-                <a:solidFill>
-                  <a:schemeClr val="tx1"/>
-                </a:solidFill>
-              </a:rPr>
-              <a:t>const </a:t>
-            </a:r>
-            <a:r>
-              <a:rPr lang="ko-KR" altLang="en-US" dirty="0" smtClean="0">
-                <a:solidFill>
-                  <a:schemeClr val="tx1"/>
-                </a:solidFill>
-              </a:rPr>
-              <a:t>걸어둔 형태</a:t>
-            </a:r>
-            <a:endParaRPr lang="en-US" altLang="ko-KR" dirty="0" smtClean="0">
-              <a:solidFill>
-                <a:schemeClr val="tx1"/>
-              </a:solidFill>
-            </a:endParaRPr>
-          </a:p>
-          <a:p>
-            <a:pPr algn="ctr"/>
-            <a:r>
-              <a:rPr lang="ko-KR" altLang="en-US" sz="1600" b="1" dirty="0" err="1" smtClean="0">
-                <a:solidFill>
-                  <a:srgbClr val="FF0000"/>
-                </a:solidFill>
-              </a:rPr>
-              <a:t>튜플</a:t>
-            </a:r>
-            <a:r>
-              <a:rPr lang="ko-KR" altLang="en-US" sz="1600" b="1" dirty="0" smtClean="0">
-                <a:solidFill>
-                  <a:srgbClr val="FF0000"/>
-                </a:solidFill>
-              </a:rPr>
-              <a:t> 안의 값은 수정되지 않는다</a:t>
-            </a:r>
-            <a:r>
-              <a:rPr lang="en-US" altLang="ko-KR" sz="1600" b="1" dirty="0" smtClean="0">
-                <a:solidFill>
-                  <a:srgbClr val="FF0000"/>
-                </a:solidFill>
-              </a:rPr>
-              <a:t>.</a:t>
-            </a:r>
-            <a:endParaRPr lang="ko-KR" altLang="en-US" sz="1600" b="1" dirty="0">
-              <a:solidFill>
-                <a:srgbClr val="FF0000"/>
-              </a:solidFill>
-            </a:endParaRPr>
-          </a:p>
-        </p:txBody>
-      </p:sp>
-      <p:pic>
-        <p:nvPicPr>
-          <p:cNvPr id="5" name="그림 4"/>
-          <p:cNvPicPr>
-            <a:picLocks noChangeAspect="1"/>
-          </p:cNvPicPr>
-          <p:nvPr/>
-        </p:nvPicPr>
-        <p:blipFill>
-          <a:blip r:embed="rId2"/>
-          <a:stretch>
-            <a:fillRect/>
-          </a:stretch>
-        </p:blipFill>
-        <p:spPr>
-          <a:xfrm>
-            <a:off x="4819472" y="1295102"/>
-            <a:ext cx="2553056" cy="4267796"/>
-          </a:xfrm>
-          <a:prstGeom prst="rect">
-            <a:avLst/>
-          </a:prstGeom>
-        </p:spPr>
-      </p:pic>
-    </p:spTree>
-    <p:extLst>
-      <p:ext uri="{BB962C8B-B14F-4D97-AF65-F5344CB8AC3E}">
-        <p14:creationId xmlns:p14="http://schemas.microsoft.com/office/powerpoint/2010/main" val="1692231020"/>
       </p:ext>
     </p:extLst>
   </p:cSld>
@@ -4351,7 +4327,229 @@
           <a:p>
             <a:pPr algn="ctr"/>
             <a:r>
-              <a:rPr lang="ko-KR" altLang="en-US" dirty="0" smtClean="0">
+              <a:rPr lang="ko-KR" altLang="en-US" dirty="0" err="1">
+                <a:solidFill>
+                  <a:schemeClr val="tx1"/>
+                </a:solidFill>
+              </a:rPr>
+              <a:t>튜플</a:t>
+            </a:r>
+            <a:endParaRPr lang="ko-KR" altLang="en-US" dirty="0">
+              <a:solidFill>
+                <a:schemeClr val="tx1"/>
+              </a:solidFill>
+            </a:endParaRPr>
+          </a:p>
+        </p:txBody>
+      </p:sp>
+      <p:sp>
+        <p:nvSpPr>
+          <p:cNvPr id="6" name="직사각형 5"/>
+          <p:cNvSpPr/>
+          <p:nvPr/>
+        </p:nvSpPr>
+        <p:spPr>
+          <a:xfrm>
+            <a:off x="4464820" y="5844655"/>
+            <a:ext cx="3262359" cy="736238"/>
+          </a:xfrm>
+          <a:prstGeom prst="rect">
+            <a:avLst/>
+          </a:prstGeom>
+          <a:solidFill>
+            <a:srgbClr val="00B0F0">
+              <a:alpha val="34000"/>
+            </a:srgbClr>
+          </a:solidFill>
+          <a:ln w="38100">
+            <a:noFill/>
+          </a:ln>
+        </p:spPr>
+        <p:style>
+          <a:lnRef idx="2">
+            <a:schemeClr val="accent1">
+              <a:shade val="50000"/>
+            </a:schemeClr>
+          </a:lnRef>
+          <a:fillRef idx="1">
+            <a:schemeClr val="accent1"/>
+          </a:fillRef>
+          <a:effectRef idx="0">
+            <a:schemeClr val="accent1"/>
+          </a:effectRef>
+          <a:fontRef idx="minor">
+            <a:schemeClr val="lt1"/>
+          </a:fontRef>
+        </p:style>
+        <p:txBody>
+          <a:bodyPr rtlCol="0" anchor="ctr"/>
+          <a:lstStyle/>
+          <a:p>
+            <a:pPr algn="ctr"/>
+            <a:r>
+              <a:rPr lang="ko-KR" altLang="en-US" dirty="0">
+                <a:solidFill>
+                  <a:schemeClr val="tx1"/>
+                </a:solidFill>
+              </a:rPr>
+              <a:t>리스트에 </a:t>
+            </a:r>
+            <a:r>
+              <a:rPr lang="en-US" altLang="ko-KR" dirty="0">
+                <a:solidFill>
+                  <a:schemeClr val="tx1"/>
+                </a:solidFill>
+              </a:rPr>
+              <a:t>const </a:t>
+            </a:r>
+            <a:r>
+              <a:rPr lang="ko-KR" altLang="en-US" dirty="0">
+                <a:solidFill>
+                  <a:schemeClr val="tx1"/>
+                </a:solidFill>
+              </a:rPr>
+              <a:t>걸어둔 형태</a:t>
+            </a:r>
+            <a:endParaRPr lang="en-US" altLang="ko-KR" dirty="0">
+              <a:solidFill>
+                <a:schemeClr val="tx1"/>
+              </a:solidFill>
+            </a:endParaRPr>
+          </a:p>
+          <a:p>
+            <a:pPr algn="ctr"/>
+            <a:r>
+              <a:rPr lang="ko-KR" altLang="en-US" sz="1600" b="1" dirty="0" err="1">
+                <a:solidFill>
+                  <a:srgbClr val="FF0000"/>
+                </a:solidFill>
+              </a:rPr>
+              <a:t>튜플</a:t>
+            </a:r>
+            <a:r>
+              <a:rPr lang="ko-KR" altLang="en-US" sz="1600" b="1" dirty="0">
+                <a:solidFill>
+                  <a:srgbClr val="FF0000"/>
+                </a:solidFill>
+              </a:rPr>
+              <a:t> 안의 값은 수정되지 않는다</a:t>
+            </a:r>
+            <a:r>
+              <a:rPr lang="en-US" altLang="ko-KR" sz="1600" b="1" dirty="0">
+                <a:solidFill>
+                  <a:srgbClr val="FF0000"/>
+                </a:solidFill>
+              </a:rPr>
+              <a:t>.</a:t>
+            </a:r>
+            <a:endParaRPr lang="ko-KR" altLang="en-US" sz="1600" b="1" dirty="0">
+              <a:solidFill>
+                <a:srgbClr val="FF0000"/>
+              </a:solidFill>
+            </a:endParaRPr>
+          </a:p>
+        </p:txBody>
+      </p:sp>
+      <p:pic>
+        <p:nvPicPr>
+          <p:cNvPr id="5" name="그림 4"/>
+          <p:cNvPicPr>
+            <a:picLocks noChangeAspect="1"/>
+          </p:cNvPicPr>
+          <p:nvPr/>
+        </p:nvPicPr>
+        <p:blipFill>
+          <a:blip r:embed="rId2"/>
+          <a:stretch>
+            <a:fillRect/>
+          </a:stretch>
+        </p:blipFill>
+        <p:spPr>
+          <a:xfrm>
+            <a:off x="4819472" y="1295102"/>
+            <a:ext cx="2553056" cy="4267796"/>
+          </a:xfrm>
+          <a:prstGeom prst="rect">
+            <a:avLst/>
+          </a:prstGeom>
+        </p:spPr>
+      </p:pic>
+    </p:spTree>
+    <p:extLst>
+      <p:ext uri="{BB962C8B-B14F-4D97-AF65-F5344CB8AC3E}">
+        <p14:creationId xmlns:p14="http://schemas.microsoft.com/office/powerpoint/2010/main" val="1692231020"/>
+      </p:ext>
+    </p:extLst>
+  </p:cSld>
+  <p:clrMapOvr>
+    <a:masterClrMapping/>
+  </p:clrMapOvr>
+</p:sld>
+</file>
+
+<file path=ppt/slides/slide15.xml><?xml version="1.0" encoding="utf-8"?>
+<p:sld xmlns:a="http://schemas.openxmlformats.org/drawingml/2006/main" xmlns:r="http://schemas.openxmlformats.org/officeDocument/2006/relationships" xmlns:p="http://schemas.openxmlformats.org/presentationml/2006/main">
+  <p:cSld>
+    <p:spTree>
+      <p:nvGrpSpPr>
+        <p:cNvPr id="1" name=""/>
+        <p:cNvGrpSpPr/>
+        <p:nvPr/>
+      </p:nvGrpSpPr>
+      <p:grpSpPr>
+        <a:xfrm>
+          <a:off x="0" y="0"/>
+          <a:ext cx="0" cy="0"/>
+          <a:chOff x="0" y="0"/>
+          <a:chExt cx="0" cy="0"/>
+        </a:xfrm>
+      </p:grpSpPr>
+      <p:sp>
+        <p:nvSpPr>
+          <p:cNvPr id="4" name="직사각형 3"/>
+          <p:cNvSpPr/>
+          <p:nvPr/>
+        </p:nvSpPr>
+        <p:spPr>
+          <a:xfrm>
+            <a:off x="851443" y="424225"/>
+            <a:ext cx="2865905" cy="736238"/>
+          </a:xfrm>
+          <a:prstGeom prst="rect">
+            <a:avLst/>
+          </a:prstGeom>
+          <a:solidFill>
+            <a:srgbClr val="00B0F0">
+              <a:alpha val="34000"/>
+            </a:srgbClr>
+          </a:solidFill>
+          <a:ln w="38100">
+            <a:noFill/>
+          </a:ln>
+        </p:spPr>
+        <p:style>
+          <a:lnRef idx="2">
+            <a:schemeClr val="accent1">
+              <a:shade val="50000"/>
+            </a:schemeClr>
+          </a:lnRef>
+          <a:fillRef idx="1">
+            <a:schemeClr val="accent1"/>
+          </a:fillRef>
+          <a:effectRef idx="0">
+            <a:schemeClr val="accent1"/>
+          </a:effectRef>
+          <a:fontRef idx="minor">
+            <a:schemeClr val="lt1"/>
+          </a:fontRef>
+        </p:style>
+        <p:txBody>
+          <a:bodyPr rtlCol="0" anchor="ctr"/>
+          <a:lstStyle/>
+          <a:p>
+            <a:pPr algn="ctr"/>
+            <a:r>
+              <a:rPr lang="ko-KR" altLang="en-US" dirty="0">
                 <a:solidFill>
                   <a:schemeClr val="tx1"/>
                 </a:solidFill>
@@ -4359,7 +4557,7 @@
               <a:t>집합 </a:t>
             </a:r>
             <a:r>
-              <a:rPr lang="en-US" altLang="ko-KR" dirty="0" smtClean="0">
+              <a:rPr lang="en-US" altLang="ko-KR" dirty="0">
                 <a:solidFill>
                   <a:schemeClr val="tx1"/>
                 </a:solidFill>
@@ -4482,7 +4680,7 @@
           <a:p>
             <a:pPr algn="ctr"/>
             <a:r>
-              <a:rPr lang="ko-KR" altLang="en-US" dirty="0" smtClean="0">
+              <a:rPr lang="ko-KR" altLang="en-US" dirty="0">
                 <a:solidFill>
                   <a:schemeClr val="tx1"/>
                 </a:solidFill>
@@ -4490,7 +4688,7 @@
               <a:t>중복을 허용하지 않는다</a:t>
             </a:r>
             <a:r>
-              <a:rPr lang="en-US" altLang="ko-KR" dirty="0" smtClean="0">
+              <a:rPr lang="en-US" altLang="ko-KR" dirty="0">
                 <a:solidFill>
                   <a:schemeClr val="tx1"/>
                 </a:solidFill>
@@ -4501,7 +4699,7 @@
           <a:p>
             <a:pPr algn="ctr"/>
             <a:r>
-              <a:rPr lang="ko-KR" altLang="en-US" sz="1600" b="1" dirty="0" smtClean="0">
+              <a:rPr lang="ko-KR" altLang="en-US" sz="1600" b="1" dirty="0">
                 <a:solidFill>
                   <a:schemeClr val="tx1"/>
                 </a:solidFill>
@@ -4509,7 +4707,7 @@
               <a:t>순서가 없다</a:t>
             </a:r>
             <a:r>
-              <a:rPr lang="en-US" altLang="ko-KR" sz="1600" b="1" dirty="0" smtClean="0">
+              <a:rPr lang="en-US" altLang="ko-KR" sz="1600" b="1" dirty="0">
                 <a:solidFill>
                   <a:schemeClr val="tx1"/>
                 </a:solidFill>
@@ -4537,7 +4735,7 @@
 </p:sld>
 </file>
 
-<file path=ppt/slides/slide15.xml><?xml version="1.0" encoding="utf-8"?>
+<file path=ppt/slides/slide16.xml><?xml version="1.0" encoding="utf-8"?>
 <p:sld xmlns:a="http://schemas.openxmlformats.org/drawingml/2006/main" xmlns:r="http://schemas.openxmlformats.org/officeDocument/2006/relationships" xmlns:p="http://schemas.openxmlformats.org/presentationml/2006/main">
   <p:cSld>
     <p:spTree>
@@ -4599,7 +4797,7 @@
           <a:p>
             <a:pPr algn="ctr"/>
             <a:r>
-              <a:rPr lang="ko-KR" altLang="en-US" dirty="0" err="1" smtClean="0">
+              <a:rPr lang="ko-KR" altLang="en-US" dirty="0" err="1">
                 <a:solidFill>
                   <a:schemeClr val="tx1"/>
                 </a:solidFill>
@@ -4607,7 +4805,7 @@
               <a:t>딕셔너리</a:t>
             </a:r>
             <a:r>
-              <a:rPr lang="ko-KR" altLang="en-US" dirty="0" smtClean="0">
+              <a:rPr lang="ko-KR" altLang="en-US" dirty="0">
                 <a:solidFill>
                   <a:schemeClr val="tx1"/>
                 </a:solidFill>
@@ -4615,7 +4813,7 @@
               <a:t> </a:t>
             </a:r>
             <a:r>
-              <a:rPr lang="en-US" altLang="ko-KR" dirty="0" smtClean="0">
+              <a:rPr lang="en-US" altLang="ko-KR" dirty="0">
                 <a:solidFill>
                   <a:schemeClr val="tx1"/>
                 </a:solidFill>
@@ -4675,7 +4873,7 @@
           <a:p>
             <a:pPr algn="ctr"/>
             <a:r>
-              <a:rPr lang="ko-KR" altLang="en-US" i="1" dirty="0" err="1" smtClean="0">
+              <a:rPr lang="ko-KR" altLang="en-US" i="1" dirty="0" err="1">
                 <a:solidFill>
                   <a:schemeClr val="tx1"/>
                 </a:solidFill>
@@ -4683,7 +4881,7 @@
               <a:t>키값은</a:t>
             </a:r>
             <a:r>
-              <a:rPr lang="ko-KR" altLang="en-US" i="1" dirty="0" smtClean="0">
+              <a:rPr lang="ko-KR" altLang="en-US" i="1" dirty="0">
                 <a:solidFill>
                   <a:schemeClr val="tx1"/>
                 </a:solidFill>
@@ -4691,7 +4889,7 @@
               <a:t> 다 쓸 수 있지만 </a:t>
             </a:r>
             <a:r>
-              <a:rPr lang="ko-KR" altLang="en-US" i="1" dirty="0" err="1" smtClean="0">
+              <a:rPr lang="ko-KR" altLang="en-US" i="1" dirty="0" err="1">
                 <a:solidFill>
                   <a:schemeClr val="tx1"/>
                 </a:solidFill>
@@ -4699,18 +4897,13 @@
               <a:t>튜플은</a:t>
             </a:r>
             <a:r>
-              <a:rPr lang="ko-KR" altLang="en-US" i="1" dirty="0" smtClean="0">
+              <a:rPr lang="ko-KR" altLang="en-US" i="1" dirty="0">
                 <a:solidFill>
                   <a:schemeClr val="tx1"/>
                 </a:solidFill>
               </a:rPr>
               <a:t> 쓰지 마</a:t>
             </a:r>
-            <a:endParaRPr lang="ko-KR" altLang="en-US" i="1" dirty="0">
-              <a:solidFill>
-                <a:schemeClr val="tx1"/>
-              </a:solidFill>
-            </a:endParaRPr>
           </a:p>
         </p:txBody>
       </p:sp>
@@ -4759,7 +4952,7 @@
           <a:p>
             <a:pPr algn="ctr"/>
             <a:r>
-              <a:rPr lang="ko-KR" altLang="en-US" i="1" dirty="0" err="1" smtClean="0">
+              <a:rPr lang="ko-KR" altLang="en-US" i="1" dirty="0" err="1">
                 <a:solidFill>
                   <a:schemeClr val="tx1"/>
                 </a:solidFill>
@@ -4767,7 +4960,7 @@
               <a:t>딕셔너리도</a:t>
             </a:r>
             <a:r>
-              <a:rPr lang="ko-KR" altLang="en-US" i="1" dirty="0" smtClean="0">
+              <a:rPr lang="ko-KR" altLang="en-US" i="1" dirty="0">
                 <a:solidFill>
                   <a:schemeClr val="tx1"/>
                 </a:solidFill>
@@ -4775,7 +4968,7 @@
               <a:t> 새 값이 있으면 그걸로 갖다 쓰는 성질이 있음</a:t>
             </a:r>
             <a:r>
-              <a:rPr lang="en-US" altLang="ko-KR" i="1" dirty="0" smtClean="0">
+              <a:rPr lang="en-US" altLang="ko-KR" i="1" dirty="0">
                 <a:solidFill>
                   <a:schemeClr val="tx1"/>
                 </a:solidFill>
@@ -4835,7 +5028,7 @@
           <a:p>
             <a:pPr algn="ctr"/>
             <a:r>
-              <a:rPr lang="ko-KR" altLang="en-US" i="1" dirty="0" err="1" smtClean="0">
+              <a:rPr lang="ko-KR" altLang="en-US" i="1" dirty="0" err="1">
                 <a:solidFill>
                   <a:schemeClr val="tx1"/>
                 </a:solidFill>
@@ -4843,7 +5036,7 @@
               <a:t>키값을</a:t>
             </a:r>
             <a:r>
-              <a:rPr lang="ko-KR" altLang="en-US" i="1" dirty="0" smtClean="0">
+              <a:rPr lang="ko-KR" altLang="en-US" i="1" dirty="0">
                 <a:solidFill>
                   <a:schemeClr val="tx1"/>
                 </a:solidFill>
@@ -4851,7 +5044,7 @@
               <a:t> 사용해서 인덱스에 접근 가능</a:t>
             </a:r>
             <a:r>
-              <a:rPr lang="en-US" altLang="ko-KR" i="1" dirty="0" smtClean="0">
+              <a:rPr lang="en-US" altLang="ko-KR" i="1" dirty="0">
                 <a:solidFill>
                   <a:schemeClr val="tx1"/>
                 </a:solidFill>
@@ -4903,7 +5096,7 @@
 </p:sld>
 </file>
 
-<file path=ppt/slides/slide16.xml><?xml version="1.0" encoding="utf-8"?>
+<file path=ppt/slides/slide17.xml><?xml version="1.0" encoding="utf-8"?>
 <p:sld xmlns:a="http://schemas.openxmlformats.org/drawingml/2006/main" xmlns:r="http://schemas.openxmlformats.org/officeDocument/2006/relationships" xmlns:p="http://schemas.openxmlformats.org/presentationml/2006/main">
   <p:cSld>
     <p:spTree>
@@ -5028,18 +5221,13 @@
           <a:p>
             <a:pPr algn="ctr"/>
             <a:r>
-              <a:rPr lang="ko-KR" altLang="en-US" dirty="0" smtClean="0">
+              <a:rPr lang="ko-KR" altLang="en-US" dirty="0">
                 <a:solidFill>
                   <a:schemeClr val="tx1"/>
                 </a:solidFill>
               </a:rPr>
               <a:t>아이디 연산자</a:t>
             </a:r>
-            <a:endParaRPr lang="ko-KR" altLang="en-US" dirty="0">
-              <a:solidFill>
-                <a:schemeClr val="tx1"/>
-              </a:solidFill>
-            </a:endParaRPr>
           </a:p>
         </p:txBody>
       </p:sp>
@@ -5088,7 +5276,7 @@
           <a:p>
             <a:pPr algn="ctr"/>
             <a:r>
-              <a:rPr lang="ko-KR" altLang="en-US" dirty="0" smtClean="0">
+              <a:rPr lang="ko-KR" altLang="en-US" dirty="0">
                 <a:solidFill>
                   <a:schemeClr val="tx1"/>
                 </a:solidFill>
@@ -5096,7 +5284,7 @@
               <a:t>변수는 객체</a:t>
             </a:r>
             <a:r>
-              <a:rPr lang="en-US" altLang="ko-KR" dirty="0" smtClean="0">
+              <a:rPr lang="en-US" altLang="ko-KR" dirty="0">
                 <a:solidFill>
                   <a:schemeClr val="tx1"/>
                 </a:solidFill>
@@ -5104,7 +5292,7 @@
               <a:t>. </a:t>
             </a:r>
             <a:r>
-              <a:rPr lang="ko-KR" altLang="en-US" dirty="0" smtClean="0">
+              <a:rPr lang="ko-KR" altLang="en-US" dirty="0">
                 <a:solidFill>
                   <a:schemeClr val="tx1"/>
                 </a:solidFill>
@@ -5112,7 +5300,7 @@
               <a:t>값이 같은 것끼리 주소의 주소를 공유한다</a:t>
             </a:r>
             <a:r>
-              <a:rPr lang="en-US" altLang="ko-KR" dirty="0" smtClean="0">
+              <a:rPr lang="en-US" altLang="ko-KR" dirty="0">
                 <a:solidFill>
                   <a:schemeClr val="tx1"/>
                 </a:solidFill>
@@ -5140,7 +5328,7 @@
 </p:sld>
 </file>
 
-<file path=ppt/slides/slide17.xml><?xml version="1.0" encoding="utf-8"?>
+<file path=ppt/slides/slide18.xml><?xml version="1.0" encoding="utf-8"?>
 <p:sld xmlns:a="http://schemas.openxmlformats.org/drawingml/2006/main" xmlns:r="http://schemas.openxmlformats.org/officeDocument/2006/relationships" xmlns:p="http://schemas.openxmlformats.org/presentationml/2006/main">
   <p:cSld>
     <p:spTree>
@@ -5265,7 +5453,7 @@
           <a:p>
             <a:pPr algn="ctr"/>
             <a:r>
-              <a:rPr lang="ko-KR" altLang="en-US" dirty="0" smtClean="0">
+              <a:rPr lang="ko-KR" altLang="en-US" dirty="0">
                 <a:solidFill>
                   <a:schemeClr val="tx1"/>
                 </a:solidFill>
@@ -5273,7 +5461,7 @@
               <a:t>값이 바뀐다면 사라진 것으로 간주하고 새 아이디를 내부에서 부여한다</a:t>
             </a:r>
             <a:r>
-              <a:rPr lang="en-US" altLang="ko-KR" dirty="0" smtClean="0">
+              <a:rPr lang="en-US" altLang="ko-KR" dirty="0">
                 <a:solidFill>
                   <a:schemeClr val="tx1"/>
                 </a:solidFill>
@@ -5301,7 +5489,7 @@
 </p:sld>
 </file>
 
-<file path=ppt/slides/slide18.xml><?xml version="1.0" encoding="utf-8"?>
+<file path=ppt/slides/slide19.xml><?xml version="1.0" encoding="utf-8"?>
 <p:sld xmlns:a="http://schemas.openxmlformats.org/drawingml/2006/main" xmlns:r="http://schemas.openxmlformats.org/officeDocument/2006/relationships" xmlns:p="http://schemas.openxmlformats.org/presentationml/2006/main">
   <p:cSld>
     <p:spTree>
@@ -5426,7 +5614,7 @@
           <a:p>
             <a:pPr algn="ctr"/>
             <a:r>
-              <a:rPr lang="ko-KR" altLang="en-US" dirty="0" err="1" smtClean="0">
+              <a:rPr lang="ko-KR" altLang="en-US" dirty="0" err="1">
                 <a:solidFill>
                   <a:schemeClr val="tx1"/>
                 </a:solidFill>
@@ -5434,7 +5622,7 @@
               <a:t>튜플은</a:t>
             </a:r>
             <a:r>
-              <a:rPr lang="ko-KR" altLang="en-US" dirty="0" smtClean="0">
+              <a:rPr lang="ko-KR" altLang="en-US" dirty="0">
                 <a:solidFill>
                   <a:schemeClr val="tx1"/>
                 </a:solidFill>
@@ -5442,7 +5630,7 @@
               <a:t> 같고</a:t>
             </a:r>
             <a:r>
-              <a:rPr lang="en-US" altLang="ko-KR" dirty="0" smtClean="0">
+              <a:rPr lang="en-US" altLang="ko-KR" dirty="0">
                 <a:solidFill>
                   <a:schemeClr val="tx1"/>
                 </a:solidFill>
@@ -5450,7 +5638,7 @@
               <a:t>, </a:t>
             </a:r>
             <a:r>
-              <a:rPr lang="ko-KR" altLang="en-US" dirty="0" err="1" smtClean="0">
+              <a:rPr lang="ko-KR" altLang="en-US" dirty="0" err="1">
                 <a:solidFill>
                   <a:schemeClr val="tx1"/>
                 </a:solidFill>
@@ -5458,7 +5646,7 @@
               <a:t>리스트랑</a:t>
             </a:r>
             <a:r>
-              <a:rPr lang="ko-KR" altLang="en-US" dirty="0" smtClean="0">
+              <a:rPr lang="ko-KR" altLang="en-US" dirty="0">
                 <a:solidFill>
                   <a:schemeClr val="tx1"/>
                 </a:solidFill>
@@ -5466,7 +5654,7 @@
               <a:t> 셋</a:t>
             </a:r>
             <a:r>
-              <a:rPr lang="en-US" altLang="ko-KR" dirty="0" smtClean="0">
+              <a:rPr lang="en-US" altLang="ko-KR" dirty="0">
                 <a:solidFill>
                   <a:schemeClr val="tx1"/>
                 </a:solidFill>
@@ -5474,7 +5662,7 @@
               <a:t>, </a:t>
             </a:r>
             <a:r>
-              <a:rPr lang="ko-KR" altLang="en-US" dirty="0" smtClean="0">
+              <a:rPr lang="ko-KR" altLang="en-US" dirty="0">
                 <a:solidFill>
                   <a:schemeClr val="tx1"/>
                 </a:solidFill>
@@ -5482,7 +5670,7 @@
               <a:t>배열은 다르게 아이디를 발급함</a:t>
             </a:r>
             <a:r>
-              <a:rPr lang="en-US" altLang="ko-KR" dirty="0" smtClean="0">
+              <a:rPr lang="en-US" altLang="ko-KR" dirty="0">
                 <a:solidFill>
                   <a:schemeClr val="tx1"/>
                 </a:solidFill>
@@ -5510,7 +5698,105 @@
 </p:sld>
 </file>
 
-<file path=ppt/slides/slide19.xml><?xml version="1.0" encoding="utf-8"?>
+<file path=ppt/slides/slide2.xml><?xml version="1.0" encoding="utf-8"?>
+<p:sld xmlns:a="http://schemas.openxmlformats.org/drawingml/2006/main" xmlns:r="http://schemas.openxmlformats.org/officeDocument/2006/relationships" xmlns:p="http://schemas.openxmlformats.org/presentationml/2006/main">
+  <p:cSld>
+    <p:spTree>
+      <p:nvGrpSpPr>
+        <p:cNvPr id="1" name=""/>
+        <p:cNvGrpSpPr/>
+        <p:nvPr/>
+      </p:nvGrpSpPr>
+      <p:grpSpPr>
+        <a:xfrm>
+          <a:off x="0" y="0"/>
+          <a:ext cx="0" cy="0"/>
+          <a:chOff x="0" y="0"/>
+          <a:chExt cx="0" cy="0"/>
+        </a:xfrm>
+      </p:grpSpPr>
+      <p:sp>
+        <p:nvSpPr>
+          <p:cNvPr id="4" name="직사각형 3"/>
+          <p:cNvSpPr/>
+          <p:nvPr/>
+        </p:nvSpPr>
+        <p:spPr>
+          <a:xfrm>
+            <a:off x="4663046" y="3097394"/>
+            <a:ext cx="2865905" cy="736238"/>
+          </a:xfrm>
+          <a:prstGeom prst="rect">
+            <a:avLst/>
+          </a:prstGeom>
+          <a:solidFill>
+            <a:srgbClr val="00B0F0">
+              <a:alpha val="34000"/>
+            </a:srgbClr>
+          </a:solidFill>
+          <a:ln w="38100">
+            <a:noFill/>
+          </a:ln>
+        </p:spPr>
+        <p:style>
+          <a:lnRef idx="2">
+            <a:schemeClr val="accent1">
+              <a:shade val="50000"/>
+            </a:schemeClr>
+          </a:lnRef>
+          <a:fillRef idx="1">
+            <a:schemeClr val="accent1"/>
+          </a:fillRef>
+          <a:effectRef idx="0">
+            <a:schemeClr val="accent1"/>
+          </a:effectRef>
+          <a:fontRef idx="minor">
+            <a:schemeClr val="lt1"/>
+          </a:fontRef>
+        </p:style>
+        <p:txBody>
+          <a:bodyPr rtlCol="0" anchor="ctr"/>
+          <a:lstStyle/>
+          <a:p>
+            <a:pPr algn="ctr"/>
+            <a:r>
+              <a:rPr lang="ko-KR" altLang="en-US" dirty="0">
+                <a:solidFill>
+                  <a:schemeClr val="tx1"/>
+                </a:solidFill>
+              </a:rPr>
+              <a:t>변수 및 </a:t>
+            </a:r>
+            <a:r>
+              <a:rPr lang="ko-KR" altLang="en-US" dirty="0" err="1">
+                <a:solidFill>
+                  <a:schemeClr val="tx1"/>
+                </a:solidFill>
+              </a:rPr>
+              <a:t>자료형</a:t>
+            </a:r>
+            <a:endParaRPr lang="ko-KR" altLang="en-US" dirty="0">
+              <a:solidFill>
+                <a:schemeClr val="tx1"/>
+              </a:solidFill>
+            </a:endParaRPr>
+          </a:p>
+        </p:txBody>
+      </p:sp>
+    </p:spTree>
+    <p:extLst>
+      <p:ext uri="{BB962C8B-B14F-4D97-AF65-F5344CB8AC3E}">
+        <p14:creationId xmlns:p14="http://schemas.microsoft.com/office/powerpoint/2010/main" val="2853416864"/>
+      </p:ext>
+    </p:extLst>
+  </p:cSld>
+  <p:clrMapOvr>
+    <a:masterClrMapping/>
+  </p:clrMapOvr>
+</p:sld>
+</file>
+
+<file path=ppt/slides/slide20.xml><?xml version="1.0" encoding="utf-8"?>
 <p:sld xmlns:a="http://schemas.openxmlformats.org/drawingml/2006/main" xmlns:r="http://schemas.openxmlformats.org/officeDocument/2006/relationships" xmlns:p="http://schemas.openxmlformats.org/presentationml/2006/main">
   <p:cSld>
     <p:spTree>
@@ -5620,7 +5906,7 @@
           <a:p>
             <a:pPr algn="ctr"/>
             <a:r>
-              <a:rPr lang="ko-KR" altLang="en-US" dirty="0" err="1" smtClean="0">
+              <a:rPr lang="ko-KR" altLang="en-US" dirty="0" err="1">
                 <a:solidFill>
                   <a:schemeClr val="tx1"/>
                 </a:solidFill>
@@ -5628,7 +5914,7 @@
               <a:t>튜플은</a:t>
             </a:r>
             <a:r>
-              <a:rPr lang="ko-KR" altLang="en-US" dirty="0" smtClean="0">
+              <a:rPr lang="ko-KR" altLang="en-US" dirty="0">
                 <a:solidFill>
                   <a:schemeClr val="tx1"/>
                 </a:solidFill>
@@ -5636,7 +5922,7 @@
               <a:t> 같고</a:t>
             </a:r>
             <a:r>
-              <a:rPr lang="en-US" altLang="ko-KR" dirty="0" smtClean="0">
+              <a:rPr lang="en-US" altLang="ko-KR" dirty="0">
                 <a:solidFill>
                   <a:schemeClr val="tx1"/>
                 </a:solidFill>
@@ -5644,7 +5930,7 @@
               <a:t>, </a:t>
             </a:r>
             <a:r>
-              <a:rPr lang="ko-KR" altLang="en-US" dirty="0" err="1" smtClean="0">
+              <a:rPr lang="ko-KR" altLang="en-US" dirty="0" err="1">
                 <a:solidFill>
                   <a:schemeClr val="tx1"/>
                 </a:solidFill>
@@ -5652,7 +5938,7 @@
               <a:t>리스트랑</a:t>
             </a:r>
             <a:r>
-              <a:rPr lang="ko-KR" altLang="en-US" dirty="0" smtClean="0">
+              <a:rPr lang="ko-KR" altLang="en-US" dirty="0">
                 <a:solidFill>
                   <a:schemeClr val="tx1"/>
                 </a:solidFill>
@@ -5660,7 +5946,7 @@
               <a:t> 셋</a:t>
             </a:r>
             <a:r>
-              <a:rPr lang="en-US" altLang="ko-KR" dirty="0" smtClean="0">
+              <a:rPr lang="en-US" altLang="ko-KR" dirty="0">
                 <a:solidFill>
                   <a:schemeClr val="tx1"/>
                 </a:solidFill>
@@ -5668,7 +5954,7 @@
               <a:t>, </a:t>
             </a:r>
             <a:r>
-              <a:rPr lang="ko-KR" altLang="en-US" dirty="0" smtClean="0">
+              <a:rPr lang="ko-KR" altLang="en-US" dirty="0">
                 <a:solidFill>
                   <a:schemeClr val="tx1"/>
                 </a:solidFill>
@@ -5676,7 +5962,7 @@
               <a:t>배열은 다르게 아이디를 발급함</a:t>
             </a:r>
             <a:r>
-              <a:rPr lang="en-US" altLang="ko-KR" dirty="0" smtClean="0">
+              <a:rPr lang="en-US" altLang="ko-KR" dirty="0">
                 <a:solidFill>
                   <a:schemeClr val="tx1"/>
                 </a:solidFill>
@@ -5704,7 +5990,7 @@
 </p:sld>
 </file>
 
-<file path=ppt/slides/slide2.xml><?xml version="1.0" encoding="utf-8"?>
+<file path=ppt/slides/slide21.xml><?xml version="1.0" encoding="utf-8"?>
 <p:sld xmlns:a="http://schemas.openxmlformats.org/drawingml/2006/main" xmlns:r="http://schemas.openxmlformats.org/officeDocument/2006/relationships" xmlns:p="http://schemas.openxmlformats.org/presentationml/2006/main">
   <p:cSld>
     <p:spTree>
@@ -5729,7 +6015,7 @@
         </p:nvSpPr>
         <p:spPr>
           <a:xfrm>
-            <a:off x="4663046" y="3097394"/>
+            <a:off x="851443" y="424225"/>
             <a:ext cx="2865905" cy="736238"/>
           </a:xfrm>
           <a:prstGeom prst="rect">
@@ -5766,20 +6052,28 @@
           <a:p>
             <a:pPr algn="ctr"/>
             <a:r>
-              <a:rPr lang="ko-KR" altLang="en-US" dirty="0" smtClean="0">
-                <a:solidFill>
-                  <a:schemeClr val="tx1"/>
-                </a:solidFill>
-              </a:rPr>
-              <a:t>변수 및 </a:t>
-            </a:r>
-            <a:r>
-              <a:rPr lang="ko-KR" altLang="en-US" dirty="0" err="1" smtClean="0">
-                <a:solidFill>
-                  <a:schemeClr val="tx1"/>
-                </a:solidFill>
-              </a:rPr>
-              <a:t>자료형</a:t>
+              <a:rPr lang="ko-KR" altLang="en-US" dirty="0" err="1">
+                <a:solidFill>
+                  <a:schemeClr val="tx1"/>
+                </a:solidFill>
+              </a:rPr>
+              <a:t>조건문</a:t>
+            </a:r>
+            <a:r>
+              <a:rPr lang="ko-KR" altLang="en-US" dirty="0">
+                <a:solidFill>
+                  <a:schemeClr val="tx1"/>
+                </a:solidFill>
+              </a:rPr>
+              <a:t> </a:t>
+            </a:r>
+            <a:r>
+              <a:rPr lang="en-US" altLang="ko-KR" dirty="0">
+                <a:solidFill>
+                  <a:schemeClr val="tx1"/>
+                </a:solidFill>
+              </a:rPr>
+              <a:t>- if</a:t>
             </a:r>
             <a:endParaRPr lang="ko-KR" altLang="en-US" dirty="0">
               <a:solidFill>
@@ -5789,46 +6083,16 @@
           </a:p>
         </p:txBody>
       </p:sp>
-    </p:spTree>
-    <p:extLst>
-      <p:ext uri="{BB962C8B-B14F-4D97-AF65-F5344CB8AC3E}">
-        <p14:creationId xmlns:p14="http://schemas.microsoft.com/office/powerpoint/2010/main" val="2853416864"/>
-      </p:ext>
-    </p:extLst>
-  </p:cSld>
-  <p:clrMapOvr>
-    <a:masterClrMapping/>
-  </p:clrMapOvr>
-</p:sld>
-</file>
-
-<file path=ppt/slides/slide20.xml><?xml version="1.0" encoding="utf-8"?>
-<p:sld xmlns:a="http://schemas.openxmlformats.org/drawingml/2006/main" xmlns:r="http://schemas.openxmlformats.org/officeDocument/2006/relationships" xmlns:p="http://schemas.openxmlformats.org/presentationml/2006/main">
-  <p:cSld>
-    <p:spTree>
-      <p:nvGrpSpPr>
-        <p:cNvPr id="1" name=""/>
-        <p:cNvGrpSpPr/>
-        <p:nvPr/>
-      </p:nvGrpSpPr>
-      <p:grpSpPr>
-        <a:xfrm>
-          <a:off x="0" y="0"/>
-          <a:ext cx="0" cy="0"/>
-          <a:chOff x="0" y="0"/>
-          <a:chExt cx="0" cy="0"/>
-        </a:xfrm>
-      </p:grpSpPr>
-      <p:sp>
-        <p:nvSpPr>
-          <p:cNvPr id="4" name="직사각형 3"/>
+      <p:sp>
+        <p:nvSpPr>
+          <p:cNvPr id="6" name="직사각형 5"/>
           <p:cNvSpPr/>
           <p:nvPr/>
         </p:nvSpPr>
         <p:spPr>
           <a:xfrm>
-            <a:off x="851443" y="424225"/>
-            <a:ext cx="2865905" cy="736238"/>
+            <a:off x="4437851" y="5641117"/>
+            <a:ext cx="3316297" cy="736238"/>
           </a:xfrm>
           <a:prstGeom prst="rect">
             <a:avLst/>
@@ -5864,83 +6128,7 @@
           <a:p>
             <a:pPr algn="ctr"/>
             <a:r>
-              <a:rPr lang="ko-KR" altLang="en-US" dirty="0" err="1" smtClean="0">
-                <a:solidFill>
-                  <a:schemeClr val="tx1"/>
-                </a:solidFill>
-              </a:rPr>
-              <a:t>조건문</a:t>
-            </a:r>
-            <a:r>
-              <a:rPr lang="ko-KR" altLang="en-US" dirty="0" smtClean="0">
-                <a:solidFill>
-                  <a:schemeClr val="tx1"/>
-                </a:solidFill>
-              </a:rPr>
-              <a:t> </a:t>
-            </a:r>
-            <a:r>
-              <a:rPr lang="en-US" altLang="ko-KR" dirty="0" smtClean="0">
-                <a:solidFill>
-                  <a:schemeClr val="tx1"/>
-                </a:solidFill>
-              </a:rPr>
-              <a:t>- if</a:t>
-            </a:r>
-            <a:endParaRPr lang="ko-KR" altLang="en-US" dirty="0">
-              <a:solidFill>
-                <a:schemeClr val="tx1"/>
-              </a:solidFill>
-            </a:endParaRPr>
-          </a:p>
-        </p:txBody>
-      </p:sp>
-      <p:sp>
-        <p:nvSpPr>
-          <p:cNvPr id="6" name="직사각형 5"/>
-          <p:cNvSpPr/>
-          <p:nvPr/>
-        </p:nvSpPr>
-        <p:spPr>
-          <a:xfrm>
-            <a:off x="4437851" y="5641117"/>
-            <a:ext cx="3316297" cy="736238"/>
-          </a:xfrm>
-          <a:prstGeom prst="rect">
-            <a:avLst/>
-          </a:prstGeom>
-          <a:solidFill>
-            <a:srgbClr val="00B0F0">
-              <a:alpha val="34000"/>
-            </a:srgbClr>
-          </a:solidFill>
-          <a:ln w="38100">
-            <a:noFill/>
-          </a:ln>
-        </p:spPr>
-        <p:style>
-          <a:lnRef idx="2">
-            <a:schemeClr val="accent1">
-              <a:shade val="50000"/>
-            </a:schemeClr>
-          </a:lnRef>
-          <a:fillRef idx="1">
-            <a:schemeClr val="accent1"/>
-          </a:fillRef>
-          <a:effectRef idx="0">
-            <a:schemeClr val="accent1"/>
-          </a:effectRef>
-          <a:fontRef idx="minor">
-            <a:schemeClr val="lt1"/>
-          </a:fontRef>
-        </p:style>
-        <p:txBody>
-          <a:bodyPr rtlCol="0" anchor="ctr"/>
-          <a:lstStyle/>
-          <a:p>
-            <a:pPr algn="ctr"/>
-            <a:r>
-              <a:rPr lang="ko-KR" altLang="en-US" dirty="0" smtClean="0">
+              <a:rPr lang="ko-KR" altLang="en-US" dirty="0">
                 <a:solidFill>
                   <a:schemeClr val="tx1"/>
                 </a:solidFill>
@@ -5948,7 +6136,7 @@
               <a:t>모든 차이는 코드 </a:t>
             </a:r>
             <a:r>
-              <a:rPr lang="ko-KR" altLang="en-US" dirty="0" err="1" smtClean="0">
+              <a:rPr lang="ko-KR" altLang="en-US" dirty="0" err="1">
                 <a:solidFill>
                   <a:schemeClr val="tx1"/>
                 </a:solidFill>
@@ -5956,7 +6144,7 @@
               <a:t>블럭을</a:t>
             </a:r>
             <a:r>
-              <a:rPr lang="ko-KR" altLang="en-US" dirty="0" smtClean="0">
+              <a:rPr lang="ko-KR" altLang="en-US" dirty="0">
                 <a:solidFill>
                   <a:schemeClr val="tx1"/>
                 </a:solidFill>
@@ -5964,7 +6152,7 @@
               <a:t> 공백으로 규정하는 것에서 온다</a:t>
             </a:r>
             <a:r>
-              <a:rPr lang="en-US" altLang="ko-KR" dirty="0" smtClean="0">
+              <a:rPr lang="en-US" altLang="ko-KR" dirty="0">
                 <a:solidFill>
                   <a:schemeClr val="tx1"/>
                 </a:solidFill>
@@ -6055,7 +6243,7 @@
 </p:sld>
 </file>
 
-<file path=ppt/slides/slide21.xml><?xml version="1.0" encoding="utf-8"?>
+<file path=ppt/slides/slide22.xml><?xml version="1.0" encoding="utf-8"?>
 <p:sld xmlns:a="http://schemas.openxmlformats.org/drawingml/2006/main" xmlns:r="http://schemas.openxmlformats.org/officeDocument/2006/relationships" xmlns:p="http://schemas.openxmlformats.org/presentationml/2006/main">
   <p:cSld>
     <p:spTree>
@@ -6261,7 +6449,7 @@
           <a:p>
             <a:pPr algn="ctr"/>
             <a:r>
-              <a:rPr lang="ko-KR" altLang="en-US" dirty="0" err="1" smtClean="0">
+              <a:rPr lang="ko-KR" altLang="en-US" dirty="0" err="1">
                 <a:solidFill>
                   <a:schemeClr val="tx1"/>
                 </a:solidFill>
@@ -6269,18 +6457,13 @@
               <a:t>시행문</a:t>
             </a:r>
             <a:r>
-              <a:rPr lang="ko-KR" altLang="en-US" dirty="0" smtClean="0">
+              <a:rPr lang="ko-KR" altLang="en-US" dirty="0">
                 <a:solidFill>
                   <a:schemeClr val="tx1"/>
                 </a:solidFill>
               </a:rPr>
               <a:t> 없을 때</a:t>
             </a:r>
-            <a:endParaRPr lang="ko-KR" altLang="en-US" dirty="0">
-              <a:solidFill>
-                <a:schemeClr val="tx1"/>
-              </a:solidFill>
-            </a:endParaRPr>
           </a:p>
         </p:txBody>
       </p:sp>
@@ -6329,7 +6512,7 @@
           <a:p>
             <a:pPr algn="ctr"/>
             <a:r>
-              <a:rPr lang="ko-KR" altLang="en-US" smtClean="0">
+              <a:rPr lang="ko-KR" altLang="en-US">
                 <a:solidFill>
                   <a:schemeClr val="tx1"/>
                 </a:solidFill>
@@ -6337,7 +6520,7 @@
               <a:t>들여쓰기 </a:t>
             </a:r>
             <a:r>
-              <a:rPr lang="ko-KR" altLang="en-US" dirty="0" err="1" smtClean="0">
+              <a:rPr lang="ko-KR" altLang="en-US" dirty="0" err="1">
                 <a:solidFill>
                   <a:schemeClr val="tx1"/>
                 </a:solidFill>
@@ -6345,18 +6528,13 @@
               <a:t>안맞을</a:t>
             </a:r>
             <a:r>
-              <a:rPr lang="ko-KR" altLang="en-US" dirty="0" smtClean="0">
+              <a:rPr lang="ko-KR" altLang="en-US" dirty="0">
                 <a:solidFill>
                   <a:schemeClr val="tx1"/>
                 </a:solidFill>
               </a:rPr>
               <a:t> 때</a:t>
             </a:r>
-            <a:endParaRPr lang="ko-KR" altLang="en-US" dirty="0">
-              <a:solidFill>
-                <a:schemeClr val="tx1"/>
-              </a:solidFill>
-            </a:endParaRPr>
           </a:p>
         </p:txBody>
       </p:sp>
@@ -6405,18 +6583,13 @@
           <a:p>
             <a:pPr algn="ctr"/>
             <a:r>
-              <a:rPr lang="ko-KR" altLang="en-US" dirty="0" smtClean="0">
+              <a:rPr lang="ko-KR" altLang="en-US" dirty="0">
                 <a:solidFill>
                   <a:schemeClr val="tx1"/>
                 </a:solidFill>
               </a:rPr>
               <a:t>저 둘을 다 통과한 경우</a:t>
             </a:r>
-            <a:endParaRPr lang="ko-KR" altLang="en-US" dirty="0">
-              <a:solidFill>
-                <a:schemeClr val="tx1"/>
-              </a:solidFill>
-            </a:endParaRPr>
           </a:p>
         </p:txBody>
       </p:sp>
@@ -6465,7 +6638,7 @@
           <a:p>
             <a:pPr algn="ctr"/>
             <a:r>
-              <a:rPr lang="en-US" altLang="ko-KR" dirty="0" smtClean="0">
+              <a:rPr lang="en-US" altLang="ko-KR" dirty="0">
                 <a:solidFill>
                   <a:schemeClr val="tx1"/>
                 </a:solidFill>
@@ -6473,7 +6646,7 @@
               <a:t>If </a:t>
             </a:r>
             <a:r>
-              <a:rPr lang="ko-KR" altLang="en-US" dirty="0" smtClean="0">
+              <a:rPr lang="ko-KR" altLang="en-US" dirty="0">
                 <a:solidFill>
                   <a:schemeClr val="tx1"/>
                 </a:solidFill>
@@ -6481,7 +6654,7 @@
               <a:t>에서 </a:t>
             </a:r>
             <a:r>
-              <a:rPr lang="ko-KR" altLang="en-US" dirty="0" err="1" smtClean="0">
+              <a:rPr lang="ko-KR" altLang="en-US" dirty="0" err="1">
                 <a:solidFill>
                   <a:schemeClr val="tx1"/>
                 </a:solidFill>
@@ -6489,18 +6662,13 @@
               <a:t>에러나는</a:t>
             </a:r>
             <a:r>
-              <a:rPr lang="ko-KR" altLang="en-US" dirty="0" smtClean="0">
+              <a:rPr lang="ko-KR" altLang="en-US" dirty="0">
                 <a:solidFill>
                   <a:schemeClr val="tx1"/>
                 </a:solidFill>
               </a:rPr>
               <a:t> 유형</a:t>
             </a:r>
-            <a:endParaRPr lang="ko-KR" altLang="en-US" dirty="0">
-              <a:solidFill>
-                <a:schemeClr val="tx1"/>
-              </a:solidFill>
-            </a:endParaRPr>
           </a:p>
         </p:txBody>
       </p:sp>
@@ -6508,340 +6676,6 @@
     <p:extLst>
       <p:ext uri="{BB962C8B-B14F-4D97-AF65-F5344CB8AC3E}">
         <p14:creationId xmlns:p14="http://schemas.microsoft.com/office/powerpoint/2010/main" val="2710617930"/>
-      </p:ext>
-    </p:extLst>
-  </p:cSld>
-  <p:clrMapOvr>
-    <a:masterClrMapping/>
-  </p:clrMapOvr>
-</p:sld>
-</file>
-
-<file path=ppt/slides/slide22.xml><?xml version="1.0" encoding="utf-8"?>
-<p:sld xmlns:a="http://schemas.openxmlformats.org/drawingml/2006/main" xmlns:r="http://schemas.openxmlformats.org/officeDocument/2006/relationships" xmlns:p="http://schemas.openxmlformats.org/presentationml/2006/main">
-  <p:cSld>
-    <p:spTree>
-      <p:nvGrpSpPr>
-        <p:cNvPr id="1" name=""/>
-        <p:cNvGrpSpPr/>
-        <p:nvPr/>
-      </p:nvGrpSpPr>
-      <p:grpSpPr>
-        <a:xfrm>
-          <a:off x="0" y="0"/>
-          <a:ext cx="0" cy="0"/>
-          <a:chOff x="0" y="0"/>
-          <a:chExt cx="0" cy="0"/>
-        </a:xfrm>
-      </p:grpSpPr>
-      <p:sp>
-        <p:nvSpPr>
-          <p:cNvPr id="4" name="직사각형 3"/>
-          <p:cNvSpPr/>
-          <p:nvPr/>
-        </p:nvSpPr>
-        <p:spPr>
-          <a:xfrm>
-            <a:off x="851443" y="424225"/>
-            <a:ext cx="2865905" cy="736238"/>
-          </a:xfrm>
-          <a:prstGeom prst="rect">
-            <a:avLst/>
-          </a:prstGeom>
-          <a:solidFill>
-            <a:srgbClr val="00B0F0">
-              <a:alpha val="34000"/>
-            </a:srgbClr>
-          </a:solidFill>
-          <a:ln w="38100">
-            <a:noFill/>
-          </a:ln>
-        </p:spPr>
-        <p:style>
-          <a:lnRef idx="2">
-            <a:schemeClr val="accent1">
-              <a:shade val="50000"/>
-            </a:schemeClr>
-          </a:lnRef>
-          <a:fillRef idx="1">
-            <a:schemeClr val="accent1"/>
-          </a:fillRef>
-          <a:effectRef idx="0">
-            <a:schemeClr val="accent1"/>
-          </a:effectRef>
-          <a:fontRef idx="minor">
-            <a:schemeClr val="lt1"/>
-          </a:fontRef>
-        </p:style>
-        <p:txBody>
-          <a:bodyPr rtlCol="0" anchor="ctr"/>
-          <a:lstStyle/>
-          <a:p>
-            <a:pPr algn="ctr"/>
-            <a:r>
-              <a:rPr lang="ko-KR" altLang="en-US" dirty="0" err="1" smtClean="0">
-                <a:solidFill>
-                  <a:schemeClr val="tx1"/>
-                </a:solidFill>
-              </a:rPr>
-              <a:t>조건문</a:t>
-            </a:r>
-            <a:r>
-              <a:rPr lang="ko-KR" altLang="en-US" dirty="0" smtClean="0">
-                <a:solidFill>
-                  <a:schemeClr val="tx1"/>
-                </a:solidFill>
-              </a:rPr>
-              <a:t> </a:t>
-            </a:r>
-            <a:r>
-              <a:rPr lang="en-US" altLang="ko-KR" dirty="0" smtClean="0">
-                <a:solidFill>
-                  <a:schemeClr val="tx1"/>
-                </a:solidFill>
-              </a:rPr>
-              <a:t>– </a:t>
-            </a:r>
-            <a:r>
-              <a:rPr lang="en-US" altLang="ko-KR" dirty="0" smtClean="0">
-                <a:solidFill>
-                  <a:schemeClr val="tx1"/>
-                </a:solidFill>
-              </a:rPr>
-              <a:t>for</a:t>
-            </a:r>
-            <a:endParaRPr lang="ko-KR" altLang="en-US" dirty="0">
-              <a:solidFill>
-                <a:schemeClr val="tx1"/>
-              </a:solidFill>
-            </a:endParaRPr>
-          </a:p>
-        </p:txBody>
-      </p:sp>
-      <p:pic>
-        <p:nvPicPr>
-          <p:cNvPr id="5" name="그림 4"/>
-          <p:cNvPicPr>
-            <a:picLocks noChangeAspect="1"/>
-          </p:cNvPicPr>
-          <p:nvPr/>
-        </p:nvPicPr>
-        <p:blipFill>
-          <a:blip r:embed="rId2"/>
-          <a:stretch>
-            <a:fillRect/>
-          </a:stretch>
-        </p:blipFill>
-        <p:spPr>
-          <a:xfrm>
-            <a:off x="1431365" y="1595181"/>
-            <a:ext cx="3477110" cy="3667637"/>
-          </a:xfrm>
-          <a:prstGeom prst="rect">
-            <a:avLst/>
-          </a:prstGeom>
-        </p:spPr>
-      </p:pic>
-      <p:sp>
-        <p:nvSpPr>
-          <p:cNvPr id="6" name="직사각형 5"/>
-          <p:cNvSpPr/>
-          <p:nvPr/>
-        </p:nvSpPr>
-        <p:spPr>
-          <a:xfrm>
-            <a:off x="6713228" y="2076444"/>
-            <a:ext cx="3999690" cy="736238"/>
-          </a:xfrm>
-          <a:prstGeom prst="rect">
-            <a:avLst/>
-          </a:prstGeom>
-          <a:solidFill>
-            <a:srgbClr val="00B0F0">
-              <a:alpha val="34000"/>
-            </a:srgbClr>
-          </a:solidFill>
-          <a:ln w="38100">
-            <a:noFill/>
-          </a:ln>
-        </p:spPr>
-        <p:style>
-          <a:lnRef idx="2">
-            <a:schemeClr val="accent1">
-              <a:shade val="50000"/>
-            </a:schemeClr>
-          </a:lnRef>
-          <a:fillRef idx="1">
-            <a:schemeClr val="accent1"/>
-          </a:fillRef>
-          <a:effectRef idx="0">
-            <a:schemeClr val="accent1"/>
-          </a:effectRef>
-          <a:fontRef idx="minor">
-            <a:schemeClr val="lt1"/>
-          </a:fontRef>
-        </p:style>
-        <p:txBody>
-          <a:bodyPr rtlCol="0" anchor="ctr"/>
-          <a:lstStyle/>
-          <a:p>
-            <a:pPr algn="ctr"/>
-            <a:r>
-              <a:rPr lang="en-US" altLang="ko-KR" dirty="0" smtClean="0">
-                <a:solidFill>
-                  <a:schemeClr val="tx1"/>
-                </a:solidFill>
-              </a:rPr>
-              <a:t>for sth in range(x,y)</a:t>
-            </a:r>
-            <a:endParaRPr lang="ko-KR" altLang="en-US" dirty="0">
-              <a:solidFill>
-                <a:schemeClr val="tx1"/>
-              </a:solidFill>
-            </a:endParaRPr>
-          </a:p>
-        </p:txBody>
-      </p:sp>
-      <p:sp>
-        <p:nvSpPr>
-          <p:cNvPr id="7" name="직사각형 6"/>
-          <p:cNvSpPr/>
-          <p:nvPr/>
-        </p:nvSpPr>
-        <p:spPr>
-          <a:xfrm>
-            <a:off x="6713228" y="3087097"/>
-            <a:ext cx="3999690" cy="736238"/>
-          </a:xfrm>
-          <a:prstGeom prst="rect">
-            <a:avLst/>
-          </a:prstGeom>
-          <a:solidFill>
-            <a:srgbClr val="00B0F0">
-              <a:alpha val="34000"/>
-            </a:srgbClr>
-          </a:solidFill>
-          <a:ln w="38100">
-            <a:noFill/>
-          </a:ln>
-        </p:spPr>
-        <p:style>
-          <a:lnRef idx="2">
-            <a:schemeClr val="accent1">
-              <a:shade val="50000"/>
-            </a:schemeClr>
-          </a:lnRef>
-          <a:fillRef idx="1">
-            <a:schemeClr val="accent1"/>
-          </a:fillRef>
-          <a:effectRef idx="0">
-            <a:schemeClr val="accent1"/>
-          </a:effectRef>
-          <a:fontRef idx="minor">
-            <a:schemeClr val="lt1"/>
-          </a:fontRef>
-        </p:style>
-        <p:txBody>
-          <a:bodyPr rtlCol="0" anchor="ctr"/>
-          <a:lstStyle/>
-          <a:p>
-            <a:pPr algn="ctr"/>
-            <a:r>
-              <a:rPr lang="ko-KR" altLang="en-US" dirty="0" smtClean="0">
-                <a:solidFill>
-                  <a:schemeClr val="tx1"/>
-                </a:solidFill>
-              </a:rPr>
-              <a:t>다소 기묘한 형식을 띈다</a:t>
-            </a:r>
-            <a:r>
-              <a:rPr lang="en-US" altLang="ko-KR" dirty="0" smtClean="0">
-                <a:solidFill>
-                  <a:schemeClr val="tx1"/>
-                </a:solidFill>
-              </a:rPr>
-              <a:t>.</a:t>
-            </a:r>
-            <a:endParaRPr lang="ko-KR" altLang="en-US" dirty="0">
-              <a:solidFill>
-                <a:schemeClr val="tx1"/>
-              </a:solidFill>
-            </a:endParaRPr>
-          </a:p>
-        </p:txBody>
-      </p:sp>
-      <p:sp>
-        <p:nvSpPr>
-          <p:cNvPr id="8" name="직사각형 7"/>
-          <p:cNvSpPr/>
-          <p:nvPr/>
-        </p:nvSpPr>
-        <p:spPr>
-          <a:xfrm>
-            <a:off x="6713228" y="4097750"/>
-            <a:ext cx="3999690" cy="736238"/>
-          </a:xfrm>
-          <a:prstGeom prst="rect">
-            <a:avLst/>
-          </a:prstGeom>
-          <a:solidFill>
-            <a:srgbClr val="00B0F0">
-              <a:alpha val="34000"/>
-            </a:srgbClr>
-          </a:solidFill>
-          <a:ln w="38100">
-            <a:noFill/>
-          </a:ln>
-        </p:spPr>
-        <p:style>
-          <a:lnRef idx="2">
-            <a:schemeClr val="accent1">
-              <a:shade val="50000"/>
-            </a:schemeClr>
-          </a:lnRef>
-          <a:fillRef idx="1">
-            <a:schemeClr val="accent1"/>
-          </a:fillRef>
-          <a:effectRef idx="0">
-            <a:schemeClr val="accent1"/>
-          </a:effectRef>
-          <a:fontRef idx="minor">
-            <a:schemeClr val="lt1"/>
-          </a:fontRef>
-        </p:style>
-        <p:txBody>
-          <a:bodyPr rtlCol="0" anchor="ctr"/>
-          <a:lstStyle/>
-          <a:p>
-            <a:pPr algn="ctr"/>
-            <a:r>
-              <a:rPr lang="ko-KR" altLang="en-US" sz="1600" dirty="0" smtClean="0">
-                <a:solidFill>
-                  <a:schemeClr val="tx1"/>
-                </a:solidFill>
-              </a:rPr>
-              <a:t>하지만 이렇게 될 수 밖에 없는 이유는</a:t>
-            </a:r>
-            <a:r>
-              <a:rPr lang="en-US" altLang="ko-KR" sz="1600" dirty="0" smtClean="0">
-                <a:solidFill>
-                  <a:schemeClr val="tx1"/>
-                </a:solidFill>
-              </a:rPr>
-              <a:t>...</a:t>
-            </a:r>
-            <a:endParaRPr lang="ko-KR" altLang="en-US" sz="1600" dirty="0">
-              <a:solidFill>
-                <a:schemeClr val="tx1"/>
-              </a:solidFill>
-            </a:endParaRPr>
-          </a:p>
-        </p:txBody>
-      </p:sp>
-    </p:spTree>
-    <p:extLst>
-      <p:ext uri="{BB962C8B-B14F-4D97-AF65-F5344CB8AC3E}">
-        <p14:creationId xmlns:p14="http://schemas.microsoft.com/office/powerpoint/2010/main" val="942442305"/>
       </p:ext>
     </p:extLst>
   </p:cSld>
@@ -6876,8 +6710,8 @@
         </p:nvSpPr>
         <p:spPr>
           <a:xfrm>
-            <a:off x="4663046" y="5056335"/>
-            <a:ext cx="2865905" cy="1305963"/>
+            <a:off x="851443" y="424225"/>
+            <a:ext cx="2865905" cy="736238"/>
           </a:xfrm>
           <a:prstGeom prst="rect">
             <a:avLst/>
@@ -6913,84 +6747,28 @@
           <a:p>
             <a:pPr algn="ctr"/>
             <a:r>
-              <a:rPr lang="ko-KR" altLang="en-US" b="1" dirty="0" err="1" smtClean="0">
-                <a:solidFill>
-                  <a:srgbClr val="FF0000"/>
-                </a:solidFill>
-              </a:rPr>
-              <a:t>파이썬은</a:t>
-            </a:r>
-            <a:r>
-              <a:rPr lang="ko-KR" altLang="en-US" b="1" dirty="0" smtClean="0">
-                <a:solidFill>
-                  <a:srgbClr val="FF0000"/>
-                </a:solidFill>
-              </a:rPr>
-              <a:t> 모든 </a:t>
-            </a:r>
-            <a:r>
-              <a:rPr lang="ko-KR" altLang="en-US" b="1" dirty="0" err="1" smtClean="0">
-                <a:solidFill>
-                  <a:srgbClr val="FF0000"/>
-                </a:solidFill>
-              </a:rPr>
-              <a:t>자료형이</a:t>
-            </a:r>
-            <a:r>
-              <a:rPr lang="ko-KR" altLang="en-US" b="1" dirty="0" smtClean="0">
-                <a:solidFill>
-                  <a:srgbClr val="FF0000"/>
-                </a:solidFill>
-              </a:rPr>
-              <a:t> 레퍼런스 </a:t>
-            </a:r>
-            <a:r>
-              <a:rPr lang="ko-KR" altLang="en-US" b="1" dirty="0" smtClean="0">
-                <a:solidFill>
-                  <a:srgbClr val="FF0000"/>
-                </a:solidFill>
-              </a:rPr>
-              <a:t>타입</a:t>
-            </a:r>
-            <a:endParaRPr lang="en-US" altLang="ko-KR" b="1" dirty="0" smtClean="0">
-              <a:solidFill>
-                <a:srgbClr val="FF0000"/>
-              </a:solidFill>
-            </a:endParaRPr>
-          </a:p>
-          <a:p>
-            <a:pPr algn="ctr"/>
-            <a:endParaRPr lang="en-US" altLang="ko-KR" dirty="0" smtClean="0">
-              <a:solidFill>
-                <a:schemeClr val="tx1"/>
-              </a:solidFill>
-            </a:endParaRPr>
-          </a:p>
-          <a:p>
-            <a:pPr algn="ctr"/>
-            <a:r>
-              <a:rPr lang="ko-KR" altLang="en-US" dirty="0" smtClean="0">
-                <a:solidFill>
-                  <a:schemeClr val="tx1"/>
-                </a:solidFill>
-              </a:rPr>
-              <a:t>그렇다</a:t>
-            </a:r>
-            <a:r>
-              <a:rPr lang="en-US" altLang="ko-KR" dirty="0" smtClean="0">
-                <a:solidFill>
-                  <a:schemeClr val="tx1"/>
-                </a:solidFill>
-              </a:rPr>
-              <a:t>. </a:t>
-            </a:r>
-            <a:r>
-              <a:rPr lang="ko-KR" altLang="en-US" dirty="0" smtClean="0">
-                <a:solidFill>
-                  <a:schemeClr val="tx1"/>
-                </a:solidFill>
-              </a:rPr>
-              <a:t>또 이 이유다</a:t>
+              <a:rPr lang="ko-KR" altLang="en-US" dirty="0" err="1">
+                <a:solidFill>
+                  <a:schemeClr val="tx1"/>
+                </a:solidFill>
+              </a:rPr>
+              <a:t>조건문</a:t>
+            </a:r>
+            <a:r>
+              <a:rPr lang="ko-KR" altLang="en-US" dirty="0">
+                <a:solidFill>
+                  <a:schemeClr val="tx1"/>
+                </a:solidFill>
+              </a:rPr>
+              <a:t> </a:t>
+            </a:r>
+            <a:r>
+              <a:rPr lang="en-US" altLang="ko-KR" dirty="0">
+                <a:solidFill>
+                  <a:schemeClr val="tx1"/>
+                </a:solidFill>
+              </a:rPr>
+              <a:t>– for</a:t>
             </a:r>
             <a:endParaRPr lang="ko-KR" altLang="en-US" dirty="0">
               <a:solidFill>
@@ -7002,49 +6780,228 @@
       </p:sp>
       <p:pic>
         <p:nvPicPr>
-          <p:cNvPr id="5" name="Picture 2" descr="You Just Activated My Trap Card! | Meme birthday card, Funny ..."/>
+          <p:cNvPr id="5" name="그림 4"/>
           <p:cNvPicPr>
-            <a:picLocks noChangeAspect="1" noChangeArrowheads="1"/>
+            <a:picLocks noChangeAspect="1"/>
           </p:cNvPicPr>
           <p:nvPr/>
         </p:nvPicPr>
         <p:blipFill>
-          <a:blip r:embed="rId2">
-            <a:extLst>
-              <a:ext uri="{28A0092B-C50C-407E-A947-70E740481C1C}">
-                <a14:useLocalDpi xmlns:a14="http://schemas.microsoft.com/office/drawing/2010/main" val="0"/>
-              </a:ext>
-            </a:extLst>
-          </a:blip>
-          <a:srcRect/>
+          <a:blip r:embed="rId2"/>
           <a:stretch>
             <a:fillRect/>
           </a:stretch>
         </p:blipFill>
-        <p:spPr bwMode="auto">
-          <a:xfrm>
-            <a:off x="4345804" y="1821582"/>
-            <a:ext cx="3500387" cy="2625290"/>
+        <p:spPr>
+          <a:xfrm>
+            <a:off x="1431365" y="1595181"/>
+            <a:ext cx="3477110" cy="3667637"/>
           </a:xfrm>
           <a:prstGeom prst="rect">
             <a:avLst/>
           </a:prstGeom>
-          <a:noFill/>
-          <a:extLst>
-            <a:ext uri="{909E8E84-426E-40DD-AFC4-6F175D3DCCD1}">
-              <a14:hiddenFill xmlns:a14="http://schemas.microsoft.com/office/drawing/2010/main">
-                <a:solidFill>
-                  <a:srgbClr val="FFFFFF"/>
-                </a:solidFill>
-              </a14:hiddenFill>
-            </a:ext>
-          </a:extLst>
         </p:spPr>
       </p:pic>
+      <p:sp>
+        <p:nvSpPr>
+          <p:cNvPr id="6" name="직사각형 5"/>
+          <p:cNvSpPr/>
+          <p:nvPr/>
+        </p:nvSpPr>
+        <p:spPr>
+          <a:xfrm>
+            <a:off x="6713228" y="2076444"/>
+            <a:ext cx="3999690" cy="736238"/>
+          </a:xfrm>
+          <a:prstGeom prst="rect">
+            <a:avLst/>
+          </a:prstGeom>
+          <a:solidFill>
+            <a:srgbClr val="00B0F0">
+              <a:alpha val="34000"/>
+            </a:srgbClr>
+          </a:solidFill>
+          <a:ln w="38100">
+            <a:noFill/>
+          </a:ln>
+        </p:spPr>
+        <p:style>
+          <a:lnRef idx="2">
+            <a:schemeClr val="accent1">
+              <a:shade val="50000"/>
+            </a:schemeClr>
+          </a:lnRef>
+          <a:fillRef idx="1">
+            <a:schemeClr val="accent1"/>
+          </a:fillRef>
+          <a:effectRef idx="0">
+            <a:schemeClr val="accent1"/>
+          </a:effectRef>
+          <a:fontRef idx="minor">
+            <a:schemeClr val="lt1"/>
+          </a:fontRef>
+        </p:style>
+        <p:txBody>
+          <a:bodyPr rtlCol="0" anchor="ctr"/>
+          <a:lstStyle/>
+          <a:p>
+            <a:pPr algn="ctr"/>
+            <a:r>
+              <a:rPr lang="en-US" altLang="ko-KR" dirty="0">
+                <a:solidFill>
+                  <a:schemeClr val="tx1"/>
+                </a:solidFill>
+              </a:rPr>
+              <a:t>for sth in range(x,y)</a:t>
+            </a:r>
+            <a:endParaRPr lang="ko-KR" altLang="en-US" dirty="0">
+              <a:solidFill>
+                <a:schemeClr val="tx1"/>
+              </a:solidFill>
+            </a:endParaRPr>
+          </a:p>
+        </p:txBody>
+      </p:sp>
+      <p:sp>
+        <p:nvSpPr>
+          <p:cNvPr id="7" name="직사각형 6"/>
+          <p:cNvSpPr/>
+          <p:nvPr/>
+        </p:nvSpPr>
+        <p:spPr>
+          <a:xfrm>
+            <a:off x="6713228" y="3087097"/>
+            <a:ext cx="3999690" cy="736238"/>
+          </a:xfrm>
+          <a:prstGeom prst="rect">
+            <a:avLst/>
+          </a:prstGeom>
+          <a:solidFill>
+            <a:srgbClr val="00B0F0">
+              <a:alpha val="34000"/>
+            </a:srgbClr>
+          </a:solidFill>
+          <a:ln w="38100">
+            <a:noFill/>
+          </a:ln>
+        </p:spPr>
+        <p:style>
+          <a:lnRef idx="2">
+            <a:schemeClr val="accent1">
+              <a:shade val="50000"/>
+            </a:schemeClr>
+          </a:lnRef>
+          <a:fillRef idx="1">
+            <a:schemeClr val="accent1"/>
+          </a:fillRef>
+          <a:effectRef idx="0">
+            <a:schemeClr val="accent1"/>
+          </a:effectRef>
+          <a:fontRef idx="minor">
+            <a:schemeClr val="lt1"/>
+          </a:fontRef>
+        </p:style>
+        <p:txBody>
+          <a:bodyPr rtlCol="0" anchor="ctr"/>
+          <a:lstStyle/>
+          <a:p>
+            <a:pPr algn="ctr"/>
+            <a:r>
+              <a:rPr lang="ko-KR" altLang="en-US" dirty="0">
+                <a:solidFill>
+                  <a:schemeClr val="tx1"/>
+                </a:solidFill>
+              </a:rPr>
+              <a:t>다소 기묘한 형식을 띈다</a:t>
+            </a:r>
+            <a:r>
+              <a:rPr lang="en-US" altLang="ko-KR" dirty="0">
+                <a:solidFill>
+                  <a:schemeClr val="tx1"/>
+                </a:solidFill>
+              </a:rPr>
+              <a:t>.</a:t>
+            </a:r>
+            <a:endParaRPr lang="ko-KR" altLang="en-US" dirty="0">
+              <a:solidFill>
+                <a:schemeClr val="tx1"/>
+              </a:solidFill>
+            </a:endParaRPr>
+          </a:p>
+        </p:txBody>
+      </p:sp>
+      <p:sp>
+        <p:nvSpPr>
+          <p:cNvPr id="8" name="직사각형 7"/>
+          <p:cNvSpPr/>
+          <p:nvPr/>
+        </p:nvSpPr>
+        <p:spPr>
+          <a:xfrm>
+            <a:off x="6713228" y="4097750"/>
+            <a:ext cx="3999690" cy="736238"/>
+          </a:xfrm>
+          <a:prstGeom prst="rect">
+            <a:avLst/>
+          </a:prstGeom>
+          <a:solidFill>
+            <a:srgbClr val="00B0F0">
+              <a:alpha val="34000"/>
+            </a:srgbClr>
+          </a:solidFill>
+          <a:ln w="38100">
+            <a:noFill/>
+          </a:ln>
+        </p:spPr>
+        <p:style>
+          <a:lnRef idx="2">
+            <a:schemeClr val="accent1">
+              <a:shade val="50000"/>
+            </a:schemeClr>
+          </a:lnRef>
+          <a:fillRef idx="1">
+            <a:schemeClr val="accent1"/>
+          </a:fillRef>
+          <a:effectRef idx="0">
+            <a:schemeClr val="accent1"/>
+          </a:effectRef>
+          <a:fontRef idx="minor">
+            <a:schemeClr val="lt1"/>
+          </a:fontRef>
+        </p:style>
+        <p:txBody>
+          <a:bodyPr rtlCol="0" anchor="ctr"/>
+          <a:lstStyle/>
+          <a:p>
+            <a:pPr algn="ctr"/>
+            <a:r>
+              <a:rPr lang="ko-KR" altLang="en-US" sz="1600" dirty="0">
+                <a:solidFill>
+                  <a:schemeClr val="tx1"/>
+                </a:solidFill>
+              </a:rPr>
+              <a:t>하지만 이렇게 될 수 밖에 없는 이유는</a:t>
+            </a:r>
+            <a:r>
+              <a:rPr lang="en-US" altLang="ko-KR" sz="1600" dirty="0">
+                <a:solidFill>
+                  <a:schemeClr val="tx1"/>
+                </a:solidFill>
+              </a:rPr>
+              <a:t>...</a:t>
+            </a:r>
+            <a:endParaRPr lang="ko-KR" altLang="en-US" sz="1600" dirty="0">
+              <a:solidFill>
+                <a:schemeClr val="tx1"/>
+              </a:solidFill>
+            </a:endParaRPr>
+          </a:p>
+        </p:txBody>
+      </p:sp>
     </p:spTree>
     <p:extLst>
       <p:ext uri="{BB962C8B-B14F-4D97-AF65-F5344CB8AC3E}">
-        <p14:creationId xmlns:p14="http://schemas.microsoft.com/office/powerpoint/2010/main" val="3965343898"/>
+        <p14:creationId xmlns:p14="http://schemas.microsoft.com/office/powerpoint/2010/main" val="942442305"/>
       </p:ext>
     </p:extLst>
   </p:cSld>
@@ -7079,8 +7036,8 @@
         </p:nvSpPr>
         <p:spPr>
           <a:xfrm>
-            <a:off x="938071" y="2105320"/>
-            <a:ext cx="3999690" cy="736238"/>
+            <a:off x="4663046" y="5056335"/>
+            <a:ext cx="2865905" cy="1305963"/>
           </a:xfrm>
           <a:prstGeom prst="rect">
             <a:avLst/>
@@ -7116,1068 +7073,125 @@
           <a:p>
             <a:pPr algn="ctr"/>
             <a:r>
-              <a:rPr lang="en-US" altLang="ko-KR" dirty="0" smtClean="0">
-                <a:solidFill>
-                  <a:schemeClr val="tx1"/>
-                </a:solidFill>
-              </a:rPr>
-              <a:t>memory</a:t>
-            </a:r>
-            <a:endParaRPr lang="ko-KR" altLang="en-US" dirty="0">
+              <a:rPr lang="ko-KR" altLang="en-US" b="1" dirty="0" err="1">
+                <a:solidFill>
+                  <a:srgbClr val="FF0000"/>
+                </a:solidFill>
+              </a:rPr>
+              <a:t>파이썬은</a:t>
+            </a:r>
+            <a:r>
+              <a:rPr lang="ko-KR" altLang="en-US" b="1" dirty="0">
+                <a:solidFill>
+                  <a:srgbClr val="FF0000"/>
+                </a:solidFill>
+              </a:rPr>
+              <a:t> 모든 </a:t>
+            </a:r>
+            <a:r>
+              <a:rPr lang="ko-KR" altLang="en-US" b="1" dirty="0" err="1">
+                <a:solidFill>
+                  <a:srgbClr val="FF0000"/>
+                </a:solidFill>
+              </a:rPr>
+              <a:t>자료형이</a:t>
+            </a:r>
+            <a:r>
+              <a:rPr lang="ko-KR" altLang="en-US" b="1" dirty="0">
+                <a:solidFill>
+                  <a:srgbClr val="FF0000"/>
+                </a:solidFill>
+              </a:rPr>
+              <a:t> 레퍼런스 타입</a:t>
+            </a:r>
+            <a:endParaRPr lang="en-US" altLang="ko-KR" b="1" dirty="0">
+              <a:solidFill>
+                <a:srgbClr val="FF0000"/>
+              </a:solidFill>
+            </a:endParaRPr>
+          </a:p>
+          <a:p>
+            <a:pPr algn="ctr"/>
+            <a:endParaRPr lang="en-US" altLang="ko-KR" dirty="0">
               <a:solidFill>
                 <a:schemeClr val="tx1"/>
               </a:solidFill>
             </a:endParaRPr>
           </a:p>
-        </p:txBody>
-      </p:sp>
-      <p:sp>
-        <p:nvSpPr>
-          <p:cNvPr id="5" name="직사각형 4"/>
-          <p:cNvSpPr/>
+          <a:p>
+            <a:pPr algn="ctr"/>
+            <a:r>
+              <a:rPr lang="ko-KR" altLang="en-US" dirty="0">
+                <a:solidFill>
+                  <a:schemeClr val="tx1"/>
+                </a:solidFill>
+              </a:rPr>
+              <a:t>그렇다</a:t>
+            </a:r>
+            <a:r>
+              <a:rPr lang="en-US" altLang="ko-KR" dirty="0">
+                <a:solidFill>
+                  <a:schemeClr val="tx1"/>
+                </a:solidFill>
+              </a:rPr>
+              <a:t>. </a:t>
+            </a:r>
+            <a:r>
+              <a:rPr lang="ko-KR" altLang="en-US" dirty="0">
+                <a:solidFill>
+                  <a:schemeClr val="tx1"/>
+                </a:solidFill>
+              </a:rPr>
+              <a:t>또 이 녀석이다</a:t>
+            </a:r>
+          </a:p>
+        </p:txBody>
+      </p:sp>
+      <p:pic>
+        <p:nvPicPr>
+          <p:cNvPr id="5" name="Picture 2" descr="You Just Activated My Trap Card! | Meme birthday card, Funny ..."/>
+          <p:cNvPicPr>
+            <a:picLocks noChangeAspect="1" noChangeArrowheads="1"/>
+          </p:cNvPicPr>
           <p:nvPr/>
-        </p:nvSpPr>
-        <p:spPr>
-          <a:xfrm>
-            <a:off x="938071" y="979165"/>
-            <a:ext cx="3999690" cy="736238"/>
+        </p:nvPicPr>
+        <p:blipFill>
+          <a:blip r:embed="rId2">
+            <a:extLst>
+              <a:ext uri="{28A0092B-C50C-407E-A947-70E740481C1C}">
+                <a14:useLocalDpi xmlns:a14="http://schemas.microsoft.com/office/drawing/2010/main" val="0"/>
+              </a:ext>
+            </a:extLst>
+          </a:blip>
+          <a:srcRect/>
+          <a:stretch>
+            <a:fillRect/>
+          </a:stretch>
+        </p:blipFill>
+        <p:spPr bwMode="auto">
+          <a:xfrm>
+            <a:off x="4345804" y="1821582"/>
+            <a:ext cx="3500387" cy="2625290"/>
           </a:xfrm>
           <a:prstGeom prst="rect">
             <a:avLst/>
           </a:prstGeom>
-          <a:solidFill>
-            <a:srgbClr val="00B0F0">
-              <a:alpha val="34000"/>
-            </a:srgbClr>
-          </a:solidFill>
-          <a:ln w="38100">
-            <a:noFill/>
-          </a:ln>
-        </p:spPr>
-        <p:style>
-          <a:lnRef idx="2">
-            <a:schemeClr val="accent1">
-              <a:shade val="50000"/>
-            </a:schemeClr>
-          </a:lnRef>
-          <a:fillRef idx="1">
-            <a:schemeClr val="accent1"/>
-          </a:fillRef>
-          <a:effectRef idx="0">
-            <a:schemeClr val="accent1"/>
-          </a:effectRef>
-          <a:fontRef idx="minor">
-            <a:schemeClr val="lt1"/>
-          </a:fontRef>
-        </p:style>
-        <p:txBody>
-          <a:bodyPr rtlCol="0" anchor="ctr"/>
-          <a:lstStyle/>
-          <a:p>
-            <a:pPr algn="ctr"/>
-            <a:r>
-              <a:rPr lang="en-US" altLang="ko-KR" dirty="0" smtClean="0">
-                <a:solidFill>
-                  <a:schemeClr val="tx1"/>
-                </a:solidFill>
-              </a:rPr>
-              <a:t>Primitive type</a:t>
-            </a:r>
-            <a:endParaRPr lang="ko-KR" altLang="en-US" dirty="0">
-              <a:solidFill>
-                <a:schemeClr val="tx1"/>
-              </a:solidFill>
-            </a:endParaRPr>
-          </a:p>
-        </p:txBody>
-      </p:sp>
-      <p:sp>
-        <p:nvSpPr>
-          <p:cNvPr id="6" name="직사각형 5"/>
-          <p:cNvSpPr/>
-          <p:nvPr/>
-        </p:nvSpPr>
-        <p:spPr>
-          <a:xfrm>
-            <a:off x="7011612" y="2105320"/>
-            <a:ext cx="3999690" cy="736238"/>
-          </a:xfrm>
-          <a:prstGeom prst="rect">
-            <a:avLst/>
-          </a:prstGeom>
-          <a:solidFill>
-            <a:srgbClr val="FF0000">
-              <a:alpha val="34000"/>
-            </a:srgbClr>
-          </a:solidFill>
-          <a:ln w="38100">
-            <a:noFill/>
-          </a:ln>
-        </p:spPr>
-        <p:style>
-          <a:lnRef idx="2">
-            <a:schemeClr val="accent1">
-              <a:shade val="50000"/>
-            </a:schemeClr>
-          </a:lnRef>
-          <a:fillRef idx="1">
-            <a:schemeClr val="accent1"/>
-          </a:fillRef>
-          <a:effectRef idx="0">
-            <a:schemeClr val="accent1"/>
-          </a:effectRef>
-          <a:fontRef idx="minor">
-            <a:schemeClr val="lt1"/>
-          </a:fontRef>
-        </p:style>
-        <p:txBody>
-          <a:bodyPr rtlCol="0" anchor="ctr"/>
-          <a:lstStyle/>
-          <a:p>
-            <a:pPr algn="ctr"/>
-            <a:r>
-              <a:rPr lang="en-US" altLang="ko-KR" dirty="0" smtClean="0">
-                <a:solidFill>
-                  <a:schemeClr val="tx1"/>
-                </a:solidFill>
-              </a:rPr>
-              <a:t>memory</a:t>
-            </a:r>
-            <a:endParaRPr lang="ko-KR" altLang="en-US" dirty="0">
-              <a:solidFill>
-                <a:schemeClr val="tx1"/>
-              </a:solidFill>
-            </a:endParaRPr>
-          </a:p>
-        </p:txBody>
-      </p:sp>
-      <p:sp>
-        <p:nvSpPr>
-          <p:cNvPr id="7" name="직사각형 6"/>
-          <p:cNvSpPr/>
-          <p:nvPr/>
-        </p:nvSpPr>
-        <p:spPr>
-          <a:xfrm>
-            <a:off x="7011612" y="979165"/>
-            <a:ext cx="3999690" cy="736238"/>
-          </a:xfrm>
-          <a:prstGeom prst="rect">
-            <a:avLst/>
-          </a:prstGeom>
-          <a:solidFill>
-            <a:srgbClr val="FF0000">
-              <a:alpha val="34000"/>
-            </a:srgbClr>
-          </a:solidFill>
-          <a:ln w="38100">
-            <a:noFill/>
-          </a:ln>
-        </p:spPr>
-        <p:style>
-          <a:lnRef idx="2">
-            <a:schemeClr val="accent1">
-              <a:shade val="50000"/>
-            </a:schemeClr>
-          </a:lnRef>
-          <a:fillRef idx="1">
-            <a:schemeClr val="accent1"/>
-          </a:fillRef>
-          <a:effectRef idx="0">
-            <a:schemeClr val="accent1"/>
-          </a:effectRef>
-          <a:fontRef idx="minor">
-            <a:schemeClr val="lt1"/>
-          </a:fontRef>
-        </p:style>
-        <p:txBody>
-          <a:bodyPr rtlCol="0" anchor="ctr"/>
-          <a:lstStyle/>
-          <a:p>
-            <a:pPr algn="ctr"/>
-            <a:r>
-              <a:rPr lang="en-US" altLang="ko-KR" dirty="0" smtClean="0">
-                <a:solidFill>
-                  <a:schemeClr val="tx1"/>
-                </a:solidFill>
-              </a:rPr>
-              <a:t>Non Primitive type</a:t>
-            </a:r>
-            <a:endParaRPr lang="ko-KR" altLang="en-US" dirty="0">
-              <a:solidFill>
-                <a:schemeClr val="tx1"/>
-              </a:solidFill>
-            </a:endParaRPr>
-          </a:p>
-        </p:txBody>
-      </p:sp>
-      <p:sp>
-        <p:nvSpPr>
-          <p:cNvPr id="8" name="직사각형 7"/>
-          <p:cNvSpPr/>
-          <p:nvPr/>
-        </p:nvSpPr>
-        <p:spPr>
-          <a:xfrm>
-            <a:off x="938071" y="4887067"/>
-            <a:ext cx="3999690" cy="736238"/>
-          </a:xfrm>
-          <a:prstGeom prst="rect">
-            <a:avLst/>
-          </a:prstGeom>
-          <a:solidFill>
-            <a:srgbClr val="00B0F0">
-              <a:alpha val="34000"/>
-            </a:srgbClr>
-          </a:solidFill>
-          <a:ln w="38100">
-            <a:noFill/>
-          </a:ln>
-        </p:spPr>
-        <p:style>
-          <a:lnRef idx="2">
-            <a:schemeClr val="accent1">
-              <a:shade val="50000"/>
-            </a:schemeClr>
-          </a:lnRef>
-          <a:fillRef idx="1">
-            <a:schemeClr val="accent1"/>
-          </a:fillRef>
-          <a:effectRef idx="0">
-            <a:schemeClr val="accent1"/>
-          </a:effectRef>
-          <a:fontRef idx="minor">
-            <a:schemeClr val="lt1"/>
-          </a:fontRef>
-        </p:style>
-        <p:txBody>
-          <a:bodyPr rtlCol="0" anchor="ctr"/>
-          <a:lstStyle/>
-          <a:p>
-            <a:pPr algn="ctr"/>
-            <a:r>
-              <a:rPr lang="en-US" altLang="ko-KR" sz="1600" dirty="0" smtClean="0">
-                <a:solidFill>
-                  <a:schemeClr val="tx1"/>
-                </a:solidFill>
-              </a:rPr>
-              <a:t>‘for (i=0, i&lt;100, i++) ...</a:t>
-            </a:r>
-          </a:p>
-        </p:txBody>
-      </p:sp>
-      <p:sp>
-        <p:nvSpPr>
-          <p:cNvPr id="9" name="직사각형 8"/>
-          <p:cNvSpPr/>
-          <p:nvPr/>
-        </p:nvSpPr>
-        <p:spPr>
-          <a:xfrm>
-            <a:off x="938071" y="6013222"/>
-            <a:ext cx="3999690" cy="736238"/>
-          </a:xfrm>
-          <a:prstGeom prst="rect">
-            <a:avLst/>
-          </a:prstGeom>
-          <a:solidFill>
-            <a:srgbClr val="00B0F0">
-              <a:alpha val="34000"/>
-            </a:srgbClr>
-          </a:solidFill>
-          <a:ln w="38100">
-            <a:noFill/>
-          </a:ln>
-        </p:spPr>
-        <p:style>
-          <a:lnRef idx="2">
-            <a:schemeClr val="accent1">
-              <a:shade val="50000"/>
-            </a:schemeClr>
-          </a:lnRef>
-          <a:fillRef idx="1">
-            <a:schemeClr val="accent1"/>
-          </a:fillRef>
-          <a:effectRef idx="0">
-            <a:schemeClr val="accent1"/>
-          </a:effectRef>
-          <a:fontRef idx="minor">
-            <a:schemeClr val="lt1"/>
-          </a:fontRef>
-        </p:style>
-        <p:txBody>
-          <a:bodyPr rtlCol="0" anchor="ctr"/>
-          <a:lstStyle/>
-          <a:p>
-            <a:pPr algn="ctr"/>
-            <a:r>
-              <a:rPr lang="ko-KR" altLang="en-US" sz="1600" dirty="0" smtClean="0">
-                <a:solidFill>
-                  <a:schemeClr val="tx1"/>
-                </a:solidFill>
-              </a:rPr>
-              <a:t>직접 접근이 가능하니 빠르게 처리 가능</a:t>
-            </a:r>
-            <a:endParaRPr lang="ko-KR" altLang="en-US" sz="1600" dirty="0">
-              <a:solidFill>
-                <a:schemeClr val="tx1"/>
-              </a:solidFill>
-            </a:endParaRPr>
-          </a:p>
-        </p:txBody>
-      </p:sp>
-      <p:sp>
-        <p:nvSpPr>
-          <p:cNvPr id="10" name="직사각형 9"/>
-          <p:cNvSpPr/>
-          <p:nvPr/>
-        </p:nvSpPr>
-        <p:spPr>
-          <a:xfrm>
-            <a:off x="7011612" y="4887067"/>
-            <a:ext cx="3999690" cy="736238"/>
-          </a:xfrm>
-          <a:prstGeom prst="rect">
-            <a:avLst/>
-          </a:prstGeom>
-          <a:solidFill>
-            <a:srgbClr val="FF0000">
-              <a:alpha val="34000"/>
-            </a:srgbClr>
-          </a:solidFill>
-          <a:ln w="38100">
-            <a:noFill/>
-          </a:ln>
-        </p:spPr>
-        <p:style>
-          <a:lnRef idx="2">
-            <a:schemeClr val="accent1">
-              <a:shade val="50000"/>
-            </a:schemeClr>
-          </a:lnRef>
-          <a:fillRef idx="1">
-            <a:schemeClr val="accent1"/>
-          </a:fillRef>
-          <a:effectRef idx="0">
-            <a:schemeClr val="accent1"/>
-          </a:effectRef>
-          <a:fontRef idx="minor">
-            <a:schemeClr val="lt1"/>
-          </a:fontRef>
-        </p:style>
-        <p:txBody>
-          <a:bodyPr rtlCol="0" anchor="ctr"/>
-          <a:lstStyle/>
-          <a:p>
-            <a:pPr algn="ctr"/>
-            <a:r>
-              <a:rPr lang="en-US" altLang="ko-KR" sz="1600" dirty="0" smtClean="0">
-                <a:solidFill>
-                  <a:schemeClr val="tx1"/>
-                </a:solidFill>
-              </a:rPr>
-              <a:t>For sth in range (x,y)</a:t>
-            </a:r>
-          </a:p>
-        </p:txBody>
-      </p:sp>
-      <p:sp>
-        <p:nvSpPr>
-          <p:cNvPr id="11" name="직사각형 10"/>
-          <p:cNvSpPr/>
-          <p:nvPr/>
-        </p:nvSpPr>
-        <p:spPr>
-          <a:xfrm>
-            <a:off x="7011612" y="6013222"/>
-            <a:ext cx="3999690" cy="736238"/>
-          </a:xfrm>
-          <a:prstGeom prst="rect">
-            <a:avLst/>
-          </a:prstGeom>
-          <a:solidFill>
-            <a:srgbClr val="FF0000">
-              <a:alpha val="34000"/>
-            </a:srgbClr>
-          </a:solidFill>
-          <a:ln w="38100">
-            <a:noFill/>
-          </a:ln>
-        </p:spPr>
-        <p:style>
-          <a:lnRef idx="2">
-            <a:schemeClr val="accent1">
-              <a:shade val="50000"/>
-            </a:schemeClr>
-          </a:lnRef>
-          <a:fillRef idx="1">
-            <a:schemeClr val="accent1"/>
-          </a:fillRef>
-          <a:effectRef idx="0">
-            <a:schemeClr val="accent1"/>
-          </a:effectRef>
-          <a:fontRef idx="minor">
-            <a:schemeClr val="lt1"/>
-          </a:fontRef>
-        </p:style>
-        <p:txBody>
-          <a:bodyPr rtlCol="0" anchor="ctr"/>
-          <a:lstStyle/>
-          <a:p>
-            <a:pPr algn="ctr"/>
-            <a:r>
-              <a:rPr lang="en-US" altLang="ko-KR" sz="1600" dirty="0" smtClean="0">
-                <a:solidFill>
-                  <a:schemeClr val="tx1"/>
-                </a:solidFill>
-              </a:rPr>
-              <a:t>‘</a:t>
-            </a:r>
-            <a:r>
-              <a:rPr lang="en-US" altLang="ko-KR" sz="1600" dirty="0">
-                <a:solidFill>
-                  <a:schemeClr val="tx1"/>
-                </a:solidFill>
-              </a:rPr>
-              <a:t>x</a:t>
-            </a:r>
-            <a:r>
-              <a:rPr lang="ko-KR" altLang="en-US" sz="1600" dirty="0" smtClean="0">
-                <a:solidFill>
-                  <a:schemeClr val="tx1"/>
-                </a:solidFill>
-              </a:rPr>
-              <a:t>와 </a:t>
-            </a:r>
-            <a:r>
-              <a:rPr lang="en-US" altLang="ko-KR" sz="1600" dirty="0" smtClean="0">
-                <a:solidFill>
-                  <a:schemeClr val="tx1"/>
-                </a:solidFill>
-              </a:rPr>
-              <a:t>y</a:t>
-            </a:r>
-            <a:r>
-              <a:rPr lang="ko-KR" altLang="en-US" sz="1600" dirty="0" err="1" smtClean="0">
-                <a:solidFill>
-                  <a:schemeClr val="tx1"/>
-                </a:solidFill>
-              </a:rPr>
-              <a:t>를</a:t>
-            </a:r>
-            <a:r>
-              <a:rPr lang="ko-KR" altLang="en-US" sz="1600" dirty="0" smtClean="0">
-                <a:solidFill>
-                  <a:schemeClr val="tx1"/>
-                </a:solidFill>
-              </a:rPr>
-              <a:t> 배열로 잡고 반복함</a:t>
-            </a:r>
-            <a:r>
-              <a:rPr lang="en-US" altLang="ko-KR" sz="1600" dirty="0" smtClean="0">
-                <a:solidFill>
-                  <a:schemeClr val="tx1"/>
-                </a:solidFill>
-              </a:rPr>
-              <a:t>.</a:t>
-            </a:r>
-          </a:p>
-          <a:p>
-            <a:pPr algn="ctr"/>
-            <a:r>
-              <a:rPr lang="ko-KR" altLang="en-US" sz="1600" dirty="0" smtClean="0">
-                <a:solidFill>
-                  <a:schemeClr val="tx1"/>
-                </a:solidFill>
-              </a:rPr>
-              <a:t>느릴 수 밖에 없음</a:t>
-            </a:r>
-            <a:endParaRPr lang="ko-KR" altLang="en-US" sz="1600" dirty="0">
-              <a:solidFill>
-                <a:schemeClr val="tx1"/>
-              </a:solidFill>
-            </a:endParaRPr>
-          </a:p>
-        </p:txBody>
-      </p:sp>
-      <p:cxnSp>
-        <p:nvCxnSpPr>
-          <p:cNvPr id="13" name="직선 화살표 연결선 12"/>
-          <p:cNvCxnSpPr>
-            <a:stCxn id="19" idx="0"/>
-            <a:endCxn id="4" idx="2"/>
-          </p:cNvCxnSpPr>
-          <p:nvPr/>
-        </p:nvCxnSpPr>
-        <p:spPr>
-          <a:xfrm flipV="1">
-            <a:off x="2937916" y="2841558"/>
-            <a:ext cx="0" cy="736238"/>
-          </a:xfrm>
-          <a:prstGeom prst="straightConnector1">
-            <a:avLst/>
-          </a:prstGeom>
-          <a:ln w="57150">
-            <a:solidFill>
-              <a:srgbClr val="FF0000"/>
-            </a:solidFill>
-            <a:tailEnd type="triangle"/>
-          </a:ln>
-        </p:spPr>
-        <p:style>
-          <a:lnRef idx="1">
-            <a:schemeClr val="accent1"/>
-          </a:lnRef>
-          <a:fillRef idx="0">
-            <a:schemeClr val="accent1"/>
-          </a:fillRef>
-          <a:effectRef idx="0">
-            <a:schemeClr val="accent1"/>
-          </a:effectRef>
-          <a:fontRef idx="minor">
-            <a:schemeClr val="tx1"/>
-          </a:fontRef>
-        </p:style>
-      </p:cxnSp>
-      <p:sp>
-        <p:nvSpPr>
-          <p:cNvPr id="19" name="직사각형 18"/>
-          <p:cNvSpPr/>
-          <p:nvPr/>
-        </p:nvSpPr>
-        <p:spPr>
-          <a:xfrm>
-            <a:off x="1635903" y="3577796"/>
-            <a:ext cx="2604026" cy="479333"/>
-          </a:xfrm>
-          <a:prstGeom prst="rect">
-            <a:avLst/>
-          </a:prstGeom>
-          <a:solidFill>
-            <a:srgbClr val="00B0F0">
-              <a:alpha val="34000"/>
-            </a:srgbClr>
-          </a:solidFill>
-          <a:ln w="38100">
-            <a:noFill/>
-          </a:ln>
-        </p:spPr>
-        <p:style>
-          <a:lnRef idx="2">
-            <a:schemeClr val="accent1">
-              <a:shade val="50000"/>
-            </a:schemeClr>
-          </a:lnRef>
-          <a:fillRef idx="1">
-            <a:schemeClr val="accent1"/>
-          </a:fillRef>
-          <a:effectRef idx="0">
-            <a:schemeClr val="accent1"/>
-          </a:effectRef>
-          <a:fontRef idx="minor">
-            <a:schemeClr val="lt1"/>
-          </a:fontRef>
-        </p:style>
-        <p:txBody>
-          <a:bodyPr rtlCol="0" anchor="ctr"/>
-          <a:lstStyle/>
-          <a:p>
-            <a:pPr algn="ctr"/>
-            <a:r>
-              <a:rPr lang="en-US" altLang="ko-KR" sz="1600" dirty="0" smtClean="0">
-                <a:solidFill>
-                  <a:schemeClr val="tx1"/>
-                </a:solidFill>
-              </a:rPr>
-              <a:t>I</a:t>
-            </a:r>
-            <a:r>
-              <a:rPr lang="ko-KR" altLang="en-US" sz="1600" dirty="0" smtClean="0">
-                <a:solidFill>
-                  <a:schemeClr val="tx1"/>
-                </a:solidFill>
-              </a:rPr>
-              <a:t>의 값</a:t>
-            </a:r>
-            <a:r>
-              <a:rPr lang="en-US" altLang="ko-KR" sz="1600" dirty="0" smtClean="0">
-                <a:solidFill>
-                  <a:schemeClr val="tx1"/>
-                </a:solidFill>
-              </a:rPr>
-              <a:t>: </a:t>
-            </a:r>
-            <a:r>
-              <a:rPr lang="ko-KR" altLang="en-US" sz="1600" dirty="0" smtClean="0">
-                <a:solidFill>
-                  <a:schemeClr val="tx1"/>
-                </a:solidFill>
-              </a:rPr>
-              <a:t>직접 접속</a:t>
-            </a:r>
-            <a:endParaRPr lang="en-US" altLang="ko-KR" sz="1600" dirty="0" smtClean="0">
-              <a:solidFill>
-                <a:schemeClr val="tx1"/>
-              </a:solidFill>
-            </a:endParaRPr>
-          </a:p>
-        </p:txBody>
-      </p:sp>
-      <p:sp>
-        <p:nvSpPr>
-          <p:cNvPr id="23" name="직사각형 22"/>
-          <p:cNvSpPr/>
-          <p:nvPr/>
-        </p:nvSpPr>
-        <p:spPr>
-          <a:xfrm>
-            <a:off x="7709444" y="4257483"/>
-            <a:ext cx="2604026" cy="479333"/>
-          </a:xfrm>
-          <a:prstGeom prst="rect">
-            <a:avLst/>
-          </a:prstGeom>
-          <a:solidFill>
-            <a:srgbClr val="FF0000">
-              <a:alpha val="34000"/>
-            </a:srgbClr>
-          </a:solidFill>
-          <a:ln w="38100">
-            <a:noFill/>
-          </a:ln>
-        </p:spPr>
-        <p:style>
-          <a:lnRef idx="2">
-            <a:schemeClr val="accent1">
-              <a:shade val="50000"/>
-            </a:schemeClr>
-          </a:lnRef>
-          <a:fillRef idx="1">
-            <a:schemeClr val="accent1"/>
-          </a:fillRef>
-          <a:effectRef idx="0">
-            <a:schemeClr val="accent1"/>
-          </a:effectRef>
-          <a:fontRef idx="minor">
-            <a:schemeClr val="lt1"/>
-          </a:fontRef>
-        </p:style>
-        <p:txBody>
-          <a:bodyPr rtlCol="0" anchor="ctr"/>
-          <a:lstStyle/>
-          <a:p>
-            <a:pPr algn="ctr"/>
-            <a:r>
-              <a:rPr lang="en-US" altLang="ko-KR" sz="1600" smtClean="0">
-                <a:solidFill>
-                  <a:schemeClr val="tx1"/>
-                </a:solidFill>
-              </a:rPr>
-              <a:t>‘x, y </a:t>
-            </a:r>
-            <a:r>
-              <a:rPr lang="ko-KR" altLang="en-US" sz="1600" dirty="0" smtClean="0">
-                <a:solidFill>
-                  <a:schemeClr val="tx1"/>
-                </a:solidFill>
-              </a:rPr>
-              <a:t>배열</a:t>
-            </a:r>
-            <a:endParaRPr lang="en-US" altLang="ko-KR" sz="1600" dirty="0" smtClean="0">
-              <a:solidFill>
-                <a:schemeClr val="tx1"/>
-              </a:solidFill>
-            </a:endParaRPr>
-          </a:p>
-        </p:txBody>
-      </p:sp>
-      <p:sp>
-        <p:nvSpPr>
-          <p:cNvPr id="24" name="직사각형 23"/>
-          <p:cNvSpPr/>
-          <p:nvPr/>
-        </p:nvSpPr>
-        <p:spPr>
-          <a:xfrm>
-            <a:off x="7709444" y="3627899"/>
-            <a:ext cx="2604026" cy="479333"/>
-          </a:xfrm>
-          <a:prstGeom prst="rect">
-            <a:avLst/>
-          </a:prstGeom>
-          <a:solidFill>
-            <a:srgbClr val="FF0000">
-              <a:alpha val="34000"/>
-            </a:srgbClr>
-          </a:solidFill>
-          <a:ln w="38100">
-            <a:noFill/>
-          </a:ln>
-        </p:spPr>
-        <p:style>
-          <a:lnRef idx="2">
-            <a:schemeClr val="accent1">
-              <a:shade val="50000"/>
-            </a:schemeClr>
-          </a:lnRef>
-          <a:fillRef idx="1">
-            <a:schemeClr val="accent1"/>
-          </a:fillRef>
-          <a:effectRef idx="0">
-            <a:schemeClr val="accent1"/>
-          </a:effectRef>
-          <a:fontRef idx="minor">
-            <a:schemeClr val="lt1"/>
-          </a:fontRef>
-        </p:style>
-        <p:txBody>
-          <a:bodyPr rtlCol="0" anchor="ctr"/>
-          <a:lstStyle/>
-          <a:p>
-            <a:pPr algn="ctr"/>
-            <a:r>
-              <a:rPr lang="en-US" altLang="ko-KR" sz="1600" dirty="0" smtClean="0">
-                <a:solidFill>
-                  <a:schemeClr val="tx1"/>
-                </a:solidFill>
-              </a:rPr>
-              <a:t>‘</a:t>
-            </a:r>
-            <a:r>
-              <a:rPr lang="en-US" altLang="ko-KR" sz="1600" dirty="0" smtClean="0">
-                <a:solidFill>
-                  <a:schemeClr val="tx1"/>
-                </a:solidFill>
-              </a:rPr>
-              <a:t>array</a:t>
-            </a:r>
-            <a:endParaRPr lang="en-US" altLang="ko-KR" sz="1600" dirty="0" smtClean="0">
-              <a:solidFill>
-                <a:schemeClr val="tx1"/>
-              </a:solidFill>
-            </a:endParaRPr>
-          </a:p>
-        </p:txBody>
-      </p:sp>
-      <p:sp>
-        <p:nvSpPr>
-          <p:cNvPr id="25" name="직사각형 24"/>
-          <p:cNvSpPr/>
-          <p:nvPr/>
-        </p:nvSpPr>
-        <p:spPr>
-          <a:xfrm>
-            <a:off x="7709444" y="2991809"/>
-            <a:ext cx="2604026" cy="479333"/>
-          </a:xfrm>
-          <a:prstGeom prst="rect">
-            <a:avLst/>
-          </a:prstGeom>
-          <a:solidFill>
-            <a:srgbClr val="FF0000">
-              <a:alpha val="34000"/>
-            </a:srgbClr>
-          </a:solidFill>
-          <a:ln w="38100">
-            <a:noFill/>
-          </a:ln>
-        </p:spPr>
-        <p:style>
-          <a:lnRef idx="2">
-            <a:schemeClr val="accent1">
-              <a:shade val="50000"/>
-            </a:schemeClr>
-          </a:lnRef>
-          <a:fillRef idx="1">
-            <a:schemeClr val="accent1"/>
-          </a:fillRef>
-          <a:effectRef idx="0">
-            <a:schemeClr val="accent1"/>
-          </a:effectRef>
-          <a:fontRef idx="minor">
-            <a:schemeClr val="lt1"/>
-          </a:fontRef>
-        </p:style>
-        <p:txBody>
-          <a:bodyPr rtlCol="0" anchor="ctr"/>
-          <a:lstStyle/>
-          <a:p>
-            <a:pPr algn="ctr"/>
-            <a:r>
-              <a:rPr lang="en-US" altLang="ko-KR" sz="1400" dirty="0" smtClean="0">
-                <a:solidFill>
-                  <a:schemeClr val="tx1"/>
-                </a:solidFill>
-              </a:rPr>
-              <a:t>(</a:t>
-            </a:r>
-            <a:r>
-              <a:rPr lang="ko-KR" altLang="en-US" sz="1400" dirty="0" smtClean="0">
-                <a:solidFill>
-                  <a:schemeClr val="tx1"/>
-                </a:solidFill>
-              </a:rPr>
-              <a:t>메모리에 접근하기 위해 필요</a:t>
-            </a:r>
-            <a:r>
-              <a:rPr lang="ko-KR" altLang="en-US" sz="1400" dirty="0" smtClean="0">
-                <a:solidFill>
-                  <a:schemeClr val="tx1"/>
-                </a:solidFill>
-              </a:rPr>
-              <a:t>할지도 모르는</a:t>
-            </a:r>
-            <a:r>
-              <a:rPr lang="ko-KR" altLang="en-US" sz="1400" dirty="0" smtClean="0">
-                <a:solidFill>
-                  <a:schemeClr val="tx1"/>
-                </a:solidFill>
-              </a:rPr>
-              <a:t> 기타 클래스</a:t>
-            </a:r>
-            <a:r>
-              <a:rPr lang="en-US" altLang="ko-KR" sz="1400" dirty="0" smtClean="0">
-                <a:solidFill>
-                  <a:schemeClr val="tx1"/>
-                </a:solidFill>
-              </a:rPr>
-              <a:t>)</a:t>
-            </a:r>
-          </a:p>
-        </p:txBody>
-      </p:sp>
-      <p:cxnSp>
-        <p:nvCxnSpPr>
-          <p:cNvPr id="26" name="직선 화살표 연결선 25"/>
-          <p:cNvCxnSpPr/>
-          <p:nvPr/>
-        </p:nvCxnSpPr>
-        <p:spPr>
-          <a:xfrm flipV="1">
-            <a:off x="9011457" y="3382837"/>
-            <a:ext cx="0" cy="389917"/>
-          </a:xfrm>
-          <a:prstGeom prst="straightConnector1">
-            <a:avLst/>
-          </a:prstGeom>
-          <a:ln w="57150">
-            <a:solidFill>
-              <a:srgbClr val="FF0000"/>
-            </a:solidFill>
-            <a:tailEnd type="triangle"/>
-          </a:ln>
-        </p:spPr>
-        <p:style>
-          <a:lnRef idx="1">
-            <a:schemeClr val="accent1"/>
-          </a:lnRef>
-          <a:fillRef idx="0">
-            <a:schemeClr val="accent1"/>
-          </a:fillRef>
-          <a:effectRef idx="0">
-            <a:schemeClr val="accent1"/>
-          </a:effectRef>
-          <a:fontRef idx="minor">
-            <a:schemeClr val="tx1"/>
-          </a:fontRef>
-        </p:style>
-      </p:cxnSp>
-      <p:cxnSp>
-        <p:nvCxnSpPr>
-          <p:cNvPr id="28" name="직선 화살표 연결선 27"/>
-          <p:cNvCxnSpPr/>
-          <p:nvPr/>
-        </p:nvCxnSpPr>
-        <p:spPr>
-          <a:xfrm flipV="1">
-            <a:off x="9011457" y="4030846"/>
-            <a:ext cx="0" cy="389917"/>
-          </a:xfrm>
-          <a:prstGeom prst="straightConnector1">
-            <a:avLst/>
-          </a:prstGeom>
-          <a:ln w="57150">
-            <a:solidFill>
-              <a:srgbClr val="FF0000"/>
-            </a:solidFill>
-            <a:tailEnd type="triangle"/>
-          </a:ln>
-        </p:spPr>
-        <p:style>
-          <a:lnRef idx="1">
-            <a:schemeClr val="accent1"/>
-          </a:lnRef>
-          <a:fillRef idx="0">
-            <a:schemeClr val="accent1"/>
-          </a:fillRef>
-          <a:effectRef idx="0">
-            <a:schemeClr val="accent1"/>
-          </a:effectRef>
-          <a:fontRef idx="minor">
-            <a:schemeClr val="tx1"/>
-          </a:fontRef>
-        </p:style>
-      </p:cxnSp>
-      <p:sp>
-        <p:nvSpPr>
-          <p:cNvPr id="29" name="직사각형 28"/>
-          <p:cNvSpPr/>
-          <p:nvPr/>
-        </p:nvSpPr>
-        <p:spPr>
-          <a:xfrm>
-            <a:off x="1609629" y="239886"/>
-            <a:ext cx="2656574" cy="489006"/>
-          </a:xfrm>
-          <a:prstGeom prst="rect">
-            <a:avLst/>
-          </a:prstGeom>
-          <a:solidFill>
-            <a:srgbClr val="00B0F0">
-              <a:alpha val="34000"/>
-            </a:srgbClr>
-          </a:solidFill>
-          <a:ln w="38100">
-            <a:noFill/>
-          </a:ln>
-        </p:spPr>
-        <p:style>
-          <a:lnRef idx="2">
-            <a:schemeClr val="accent1">
-              <a:shade val="50000"/>
-            </a:schemeClr>
-          </a:lnRef>
-          <a:fillRef idx="1">
-            <a:schemeClr val="accent1"/>
-          </a:fillRef>
-          <a:effectRef idx="0">
-            <a:schemeClr val="accent1"/>
-          </a:effectRef>
-          <a:fontRef idx="minor">
-            <a:schemeClr val="lt1"/>
-          </a:fontRef>
-        </p:style>
-        <p:txBody>
-          <a:bodyPr rtlCol="0" anchor="ctr"/>
-          <a:lstStyle/>
-          <a:p>
-            <a:pPr algn="ctr"/>
-            <a:r>
-              <a:rPr lang="en-US" altLang="ko-KR" dirty="0" smtClean="0">
-                <a:solidFill>
-                  <a:schemeClr val="tx1"/>
-                </a:solidFill>
-              </a:rPr>
-              <a:t>JS</a:t>
-            </a:r>
-            <a:endParaRPr lang="ko-KR" altLang="en-US" dirty="0">
-              <a:solidFill>
-                <a:schemeClr val="tx1"/>
-              </a:solidFill>
-            </a:endParaRPr>
-          </a:p>
-        </p:txBody>
-      </p:sp>
-      <p:sp>
-        <p:nvSpPr>
-          <p:cNvPr id="30" name="직사각형 29"/>
-          <p:cNvSpPr/>
-          <p:nvPr/>
-        </p:nvSpPr>
-        <p:spPr>
-          <a:xfrm>
-            <a:off x="7692795" y="243430"/>
-            <a:ext cx="2637323" cy="485462"/>
-          </a:xfrm>
-          <a:prstGeom prst="rect">
-            <a:avLst/>
-          </a:prstGeom>
-          <a:solidFill>
-            <a:srgbClr val="FF0000">
-              <a:alpha val="34000"/>
-            </a:srgbClr>
-          </a:solidFill>
-          <a:ln w="38100">
-            <a:noFill/>
-          </a:ln>
-        </p:spPr>
-        <p:style>
-          <a:lnRef idx="2">
-            <a:schemeClr val="accent1">
-              <a:shade val="50000"/>
-            </a:schemeClr>
-          </a:lnRef>
-          <a:fillRef idx="1">
-            <a:schemeClr val="accent1"/>
-          </a:fillRef>
-          <a:effectRef idx="0">
-            <a:schemeClr val="accent1"/>
-          </a:effectRef>
-          <a:fontRef idx="minor">
-            <a:schemeClr val="lt1"/>
-          </a:fontRef>
-        </p:style>
-        <p:txBody>
-          <a:bodyPr rtlCol="0" anchor="ctr"/>
-          <a:lstStyle/>
-          <a:p>
-            <a:pPr algn="ctr"/>
-            <a:r>
-              <a:rPr lang="en-US" altLang="ko-KR" dirty="0" smtClean="0">
-                <a:solidFill>
-                  <a:schemeClr val="tx1"/>
-                </a:solidFill>
-              </a:rPr>
-              <a:t>Py</a:t>
-            </a:r>
-            <a:endParaRPr lang="ko-KR" altLang="en-US" dirty="0">
-              <a:solidFill>
-                <a:schemeClr val="tx1"/>
-              </a:solidFill>
-            </a:endParaRPr>
-          </a:p>
-        </p:txBody>
-      </p:sp>
-      <p:cxnSp>
-        <p:nvCxnSpPr>
-          <p:cNvPr id="15" name="직선 화살표 연결선 14"/>
-          <p:cNvCxnSpPr/>
-          <p:nvPr/>
-        </p:nvCxnSpPr>
-        <p:spPr>
-          <a:xfrm flipV="1">
-            <a:off x="9011457" y="2670294"/>
-            <a:ext cx="0" cy="342527"/>
-          </a:xfrm>
-          <a:prstGeom prst="straightConnector1">
-            <a:avLst/>
-          </a:prstGeom>
-          <a:ln w="57150">
-            <a:solidFill>
-              <a:srgbClr val="FF0000"/>
-            </a:solidFill>
-            <a:tailEnd type="triangle"/>
-          </a:ln>
-        </p:spPr>
-        <p:style>
-          <a:lnRef idx="1">
-            <a:schemeClr val="accent1"/>
-          </a:lnRef>
-          <a:fillRef idx="0">
-            <a:schemeClr val="accent1"/>
-          </a:fillRef>
-          <a:effectRef idx="0">
-            <a:schemeClr val="accent1"/>
-          </a:effectRef>
-          <a:fontRef idx="minor">
-            <a:schemeClr val="tx1"/>
-          </a:fontRef>
-        </p:style>
-      </p:cxnSp>
+          <a:noFill/>
+          <a:extLst>
+            <a:ext uri="{909E8E84-426E-40DD-AFC4-6F175D3DCCD1}">
+              <a14:hiddenFill xmlns:a14="http://schemas.microsoft.com/office/drawing/2010/main">
+                <a:solidFill>
+                  <a:srgbClr val="FFFFFF"/>
+                </a:solidFill>
+              </a14:hiddenFill>
+            </a:ext>
+          </a:extLst>
+        </p:spPr>
+      </p:pic>
     </p:spTree>
     <p:extLst>
       <p:ext uri="{BB962C8B-B14F-4D97-AF65-F5344CB8AC3E}">
-        <p14:creationId xmlns:p14="http://schemas.microsoft.com/office/powerpoint/2010/main" val="2420513837"/>
+        <p14:creationId xmlns:p14="http://schemas.microsoft.com/office/powerpoint/2010/main" val="3965343898"/>
       </p:ext>
     </p:extLst>
   </p:cSld>
@@ -8204,40 +7218,16 @@
           <a:chExt cx="0" cy="0"/>
         </a:xfrm>
       </p:grpSpPr>
-      <p:pic>
-        <p:nvPicPr>
-          <p:cNvPr id="4" name="그림 3"/>
-          <p:cNvPicPr>
-            <a:picLocks noChangeAspect="1"/>
-          </p:cNvPicPr>
-          <p:nvPr/>
-        </p:nvPicPr>
-        <p:blipFill>
-          <a:blip r:embed="rId2"/>
-          <a:stretch>
-            <a:fillRect/>
-          </a:stretch>
-        </p:blipFill>
-        <p:spPr>
-          <a:xfrm>
-            <a:off x="380856" y="1794487"/>
-            <a:ext cx="5443377" cy="3269025"/>
-          </a:xfrm>
-          <a:prstGeom prst="rect">
-            <a:avLst/>
-          </a:prstGeom>
-        </p:spPr>
-      </p:pic>
-      <p:sp>
-        <p:nvSpPr>
-          <p:cNvPr id="5" name="직사각형 4"/>
+      <p:sp>
+        <p:nvSpPr>
+          <p:cNvPr id="4" name="직사각형 3"/>
           <p:cNvSpPr/>
           <p:nvPr/>
         </p:nvSpPr>
         <p:spPr>
           <a:xfrm>
-            <a:off x="6989154" y="792344"/>
-            <a:ext cx="3637137" cy="736238"/>
+            <a:off x="938071" y="2105320"/>
+            <a:ext cx="3999690" cy="736238"/>
           </a:xfrm>
           <a:prstGeom prst="rect">
             <a:avLst/>
@@ -8273,44 +7263,12 @@
           <a:p>
             <a:pPr algn="ctr"/>
             <a:r>
-              <a:rPr lang="en-US" altLang="ko-KR" dirty="0" smtClean="0">
-                <a:solidFill>
-                  <a:schemeClr val="tx1"/>
-                </a:solidFill>
-              </a:rPr>
-              <a:t>List</a:t>
-            </a:r>
-            <a:r>
-              <a:rPr lang="ko-KR" altLang="en-US" dirty="0" smtClean="0">
-                <a:solidFill>
-                  <a:schemeClr val="tx1"/>
-                </a:solidFill>
-              </a:rPr>
-              <a:t>에 </a:t>
-            </a:r>
-            <a:r>
-              <a:rPr lang="en-US" altLang="ko-KR" dirty="0" smtClean="0">
-                <a:solidFill>
-                  <a:schemeClr val="tx1"/>
-                </a:solidFill>
-              </a:rPr>
-              <a:t>for</a:t>
-            </a:r>
-            <a:r>
-              <a:rPr lang="ko-KR" altLang="en-US" dirty="0" smtClean="0">
-                <a:solidFill>
-                  <a:schemeClr val="tx1"/>
-                </a:solidFill>
-              </a:rPr>
-              <a:t>문의 결과값을 넣는 것이 가능하다</a:t>
-            </a:r>
-            <a:r>
-              <a:rPr lang="en-US" altLang="ko-KR" dirty="0" smtClean="0">
-                <a:solidFill>
-                  <a:schemeClr val="tx1"/>
-                </a:solidFill>
-              </a:rPr>
-              <a:t>.</a:t>
+              <a:rPr lang="en-US" altLang="ko-KR" dirty="0">
+                <a:solidFill>
+                  <a:schemeClr val="tx1"/>
+                </a:solidFill>
+              </a:rPr>
+              <a:t>memory</a:t>
             </a:r>
             <a:endParaRPr lang="ko-KR" altLang="en-US" dirty="0">
               <a:solidFill>
@@ -8322,14 +7280,14 @@
       </p:sp>
       <p:sp>
         <p:nvSpPr>
-          <p:cNvPr id="6" name="직사각형 5"/>
+          <p:cNvPr id="5" name="직사각형 4"/>
           <p:cNvSpPr/>
           <p:nvPr/>
         </p:nvSpPr>
         <p:spPr>
           <a:xfrm>
-            <a:off x="6989154" y="1879999"/>
-            <a:ext cx="3637137" cy="736238"/>
+            <a:off x="938071" y="979165"/>
+            <a:ext cx="3999690" cy="736238"/>
           </a:xfrm>
           <a:prstGeom prst="rect">
             <a:avLst/>
@@ -8365,28 +7323,12 @@
           <a:p>
             <a:pPr algn="ctr"/>
             <a:r>
-              <a:rPr lang="en-US" altLang="ko-KR" dirty="0" smtClean="0">
-                <a:solidFill>
-                  <a:schemeClr val="tx1"/>
-                </a:solidFill>
-              </a:rPr>
-              <a:t>1~6</a:t>
-            </a:r>
-            <a:r>
-              <a:rPr lang="ko-KR" altLang="en-US" dirty="0" smtClean="0">
-                <a:solidFill>
-                  <a:schemeClr val="tx1"/>
-                </a:solidFill>
-              </a:rPr>
-              <a:t>까지 순회할 때 해당 값을 제곱하세요</a:t>
-            </a:r>
-            <a:r>
-              <a:rPr lang="en-US" altLang="ko-KR" dirty="0" smtClean="0">
-                <a:solidFill>
-                  <a:schemeClr val="tx1"/>
-                </a:solidFill>
-              </a:rPr>
-              <a:t>.</a:t>
+              <a:rPr lang="en-US" altLang="ko-KR" dirty="0">
+                <a:solidFill>
+                  <a:schemeClr val="tx1"/>
+                </a:solidFill>
+              </a:rPr>
+              <a:t>Primitive type</a:t>
             </a:r>
             <a:endParaRPr lang="ko-KR" altLang="en-US" dirty="0">
               <a:solidFill>
@@ -8398,14 +7340,134 @@
       </p:sp>
       <p:sp>
         <p:nvSpPr>
+          <p:cNvPr id="6" name="직사각형 5"/>
+          <p:cNvSpPr/>
+          <p:nvPr/>
+        </p:nvSpPr>
+        <p:spPr>
+          <a:xfrm>
+            <a:off x="7011612" y="2105320"/>
+            <a:ext cx="3999690" cy="736238"/>
+          </a:xfrm>
+          <a:prstGeom prst="rect">
+            <a:avLst/>
+          </a:prstGeom>
+          <a:solidFill>
+            <a:srgbClr val="FF0000">
+              <a:alpha val="34000"/>
+            </a:srgbClr>
+          </a:solidFill>
+          <a:ln w="38100">
+            <a:noFill/>
+          </a:ln>
+        </p:spPr>
+        <p:style>
+          <a:lnRef idx="2">
+            <a:schemeClr val="accent1">
+              <a:shade val="50000"/>
+            </a:schemeClr>
+          </a:lnRef>
+          <a:fillRef idx="1">
+            <a:schemeClr val="accent1"/>
+          </a:fillRef>
+          <a:effectRef idx="0">
+            <a:schemeClr val="accent1"/>
+          </a:effectRef>
+          <a:fontRef idx="minor">
+            <a:schemeClr val="lt1"/>
+          </a:fontRef>
+        </p:style>
+        <p:txBody>
+          <a:bodyPr rtlCol="0" anchor="ctr"/>
+          <a:lstStyle/>
+          <a:p>
+            <a:pPr algn="ctr"/>
+            <a:r>
+              <a:rPr lang="en-US" altLang="ko-KR" dirty="0">
+                <a:solidFill>
+                  <a:schemeClr val="tx1"/>
+                </a:solidFill>
+              </a:rPr>
+              <a:t>memory</a:t>
+            </a:r>
+            <a:endParaRPr lang="ko-KR" altLang="en-US" dirty="0">
+              <a:solidFill>
+                <a:schemeClr val="tx1"/>
+              </a:solidFill>
+            </a:endParaRPr>
+          </a:p>
+        </p:txBody>
+      </p:sp>
+      <p:sp>
+        <p:nvSpPr>
           <p:cNvPr id="7" name="직사각형 6"/>
           <p:cNvSpPr/>
           <p:nvPr/>
         </p:nvSpPr>
         <p:spPr>
           <a:xfrm>
-            <a:off x="6989154" y="2967654"/>
-            <a:ext cx="3637137" cy="901702"/>
+            <a:off x="7011612" y="979165"/>
+            <a:ext cx="3999690" cy="736238"/>
+          </a:xfrm>
+          <a:prstGeom prst="rect">
+            <a:avLst/>
+          </a:prstGeom>
+          <a:solidFill>
+            <a:srgbClr val="FF0000">
+              <a:alpha val="34000"/>
+            </a:srgbClr>
+          </a:solidFill>
+          <a:ln w="38100">
+            <a:noFill/>
+          </a:ln>
+        </p:spPr>
+        <p:style>
+          <a:lnRef idx="2">
+            <a:schemeClr val="accent1">
+              <a:shade val="50000"/>
+            </a:schemeClr>
+          </a:lnRef>
+          <a:fillRef idx="1">
+            <a:schemeClr val="accent1"/>
+          </a:fillRef>
+          <a:effectRef idx="0">
+            <a:schemeClr val="accent1"/>
+          </a:effectRef>
+          <a:fontRef idx="minor">
+            <a:schemeClr val="lt1"/>
+          </a:fontRef>
+        </p:style>
+        <p:txBody>
+          <a:bodyPr rtlCol="0" anchor="ctr"/>
+          <a:lstStyle/>
+          <a:p>
+            <a:pPr algn="ctr"/>
+            <a:r>
+              <a:rPr lang="en-US" altLang="ko-KR" dirty="0">
+                <a:solidFill>
+                  <a:schemeClr val="tx1"/>
+                </a:solidFill>
+              </a:rPr>
+              <a:t>Non Primitive type</a:t>
+            </a:r>
+            <a:endParaRPr lang="ko-KR" altLang="en-US" dirty="0">
+              <a:solidFill>
+                <a:schemeClr val="tx1"/>
+              </a:solidFill>
+            </a:endParaRPr>
+          </a:p>
+        </p:txBody>
+      </p:sp>
+      <p:sp>
+        <p:nvSpPr>
+          <p:cNvPr id="8" name="직사각형 7"/>
+          <p:cNvSpPr/>
+          <p:nvPr/>
+        </p:nvSpPr>
+        <p:spPr>
+          <a:xfrm>
+            <a:off x="938071" y="4887067"/>
+            <a:ext cx="3999690" cy="736238"/>
           </a:xfrm>
           <a:prstGeom prst="rect">
             <a:avLst/>
@@ -8441,133 +7503,26 @@
           <a:p>
             <a:pPr algn="ctr"/>
             <a:r>
-              <a:rPr lang="en-US" altLang="ko-KR" sz="1600" dirty="0" smtClean="0">
-                <a:solidFill>
-                  <a:schemeClr val="tx1"/>
-                </a:solidFill>
-              </a:rPr>
-              <a:t>1</a:t>
-            </a:r>
-            <a:r>
-              <a:rPr lang="ko-KR" altLang="en-US" sz="1600" dirty="0" smtClean="0">
-                <a:solidFill>
-                  <a:schemeClr val="tx1"/>
-                </a:solidFill>
-              </a:rPr>
-              <a:t>에서 </a:t>
-            </a:r>
-            <a:r>
-              <a:rPr lang="en-US" altLang="ko-KR" sz="1600" dirty="0" smtClean="0">
-                <a:solidFill>
-                  <a:schemeClr val="tx1"/>
-                </a:solidFill>
-              </a:rPr>
-              <a:t>11</a:t>
-            </a:r>
-            <a:r>
-              <a:rPr lang="ko-KR" altLang="en-US" sz="1600" dirty="0" smtClean="0">
-                <a:solidFill>
-                  <a:schemeClr val="tx1"/>
-                </a:solidFill>
-              </a:rPr>
-              <a:t>까지 순회할 때</a:t>
-            </a:r>
-            <a:r>
-              <a:rPr lang="en-US" altLang="ko-KR" sz="1600" dirty="0" smtClean="0">
-                <a:solidFill>
-                  <a:schemeClr val="tx1"/>
-                </a:solidFill>
-              </a:rPr>
-              <a:t>,</a:t>
-            </a:r>
-          </a:p>
-          <a:p>
-            <a:pPr algn="ctr"/>
-            <a:r>
-              <a:rPr lang="ko-KR" altLang="en-US" sz="1600" dirty="0" smtClean="0">
-                <a:solidFill>
-                  <a:schemeClr val="tx1"/>
-                </a:solidFill>
-              </a:rPr>
-              <a:t>만약 </a:t>
-            </a:r>
-            <a:r>
-              <a:rPr lang="en-US" altLang="ko-KR" sz="1600" dirty="0" smtClean="0">
-                <a:solidFill>
-                  <a:schemeClr val="tx1"/>
-                </a:solidFill>
-              </a:rPr>
-              <a:t>‘i’</a:t>
-            </a:r>
-            <a:r>
-              <a:rPr lang="ko-KR" altLang="en-US" sz="1600" dirty="0" err="1" smtClean="0">
-                <a:solidFill>
-                  <a:schemeClr val="tx1"/>
-                </a:solidFill>
-              </a:rPr>
-              <a:t>를</a:t>
-            </a:r>
-            <a:r>
-              <a:rPr lang="ko-KR" altLang="en-US" sz="1600" dirty="0" smtClean="0">
-                <a:solidFill>
-                  <a:schemeClr val="tx1"/>
-                </a:solidFill>
-              </a:rPr>
-              <a:t> </a:t>
-            </a:r>
-            <a:r>
-              <a:rPr lang="en-US" altLang="ko-KR" sz="1600" dirty="0" smtClean="0">
-                <a:solidFill>
-                  <a:schemeClr val="tx1"/>
-                </a:solidFill>
-              </a:rPr>
-              <a:t>2</a:t>
-            </a:r>
-            <a:r>
-              <a:rPr lang="ko-KR" altLang="en-US" sz="1600" dirty="0" smtClean="0">
-                <a:solidFill>
-                  <a:schemeClr val="tx1"/>
-                </a:solidFill>
-              </a:rPr>
-              <a:t>로 나누었을 때</a:t>
-            </a:r>
-            <a:r>
-              <a:rPr lang="en-US" altLang="ko-KR" sz="1600" dirty="0" smtClean="0">
-                <a:solidFill>
-                  <a:schemeClr val="tx1"/>
-                </a:solidFill>
-              </a:rPr>
-              <a:t>,</a:t>
-            </a:r>
-          </a:p>
-          <a:p>
-            <a:pPr algn="ctr"/>
-            <a:r>
-              <a:rPr lang="ko-KR" altLang="en-US" sz="1600" dirty="0" smtClean="0">
-                <a:solidFill>
-                  <a:schemeClr val="tx1"/>
-                </a:solidFill>
-              </a:rPr>
-              <a:t>나머지가 있다면 값을 반환해주세요</a:t>
-            </a:r>
-            <a:endParaRPr lang="ko-KR" altLang="en-US" sz="1600" dirty="0">
-              <a:solidFill>
-                <a:schemeClr val="tx1"/>
-              </a:solidFill>
-            </a:endParaRPr>
-          </a:p>
-        </p:txBody>
-      </p:sp>
-      <p:sp>
-        <p:nvSpPr>
-          <p:cNvPr id="8" name="직사각형 7"/>
+              <a:rPr lang="en-US" altLang="ko-KR" sz="1600" dirty="0">
+                <a:solidFill>
+                  <a:schemeClr val="tx1"/>
+                </a:solidFill>
+              </a:rPr>
+              <a:t>‘for (i=0, i&lt;100, i++) ...</a:t>
+            </a:r>
+          </a:p>
+        </p:txBody>
+      </p:sp>
+      <p:sp>
+        <p:nvSpPr>
+          <p:cNvPr id="9" name="직사각형 8"/>
           <p:cNvSpPr/>
           <p:nvPr/>
         </p:nvSpPr>
         <p:spPr>
           <a:xfrm>
-            <a:off x="6989154" y="4220773"/>
-            <a:ext cx="3637137" cy="901702"/>
+            <a:off x="938071" y="6013222"/>
+            <a:ext cx="3999690" cy="736238"/>
           </a:xfrm>
           <a:prstGeom prst="rect">
             <a:avLst/>
@@ -8603,167 +7558,226 @@
           <a:p>
             <a:pPr algn="ctr"/>
             <a:r>
-              <a:rPr lang="en-US" altLang="ko-KR" sz="1600" dirty="0" smtClean="0">
-                <a:solidFill>
-                  <a:schemeClr val="tx1"/>
-                </a:solidFill>
-              </a:rPr>
-              <a:t>1</a:t>
-            </a:r>
-            <a:r>
-              <a:rPr lang="ko-KR" altLang="en-US" sz="1600" dirty="0" smtClean="0">
-                <a:solidFill>
-                  <a:schemeClr val="tx1"/>
-                </a:solidFill>
-              </a:rPr>
-              <a:t>에서 </a:t>
-            </a:r>
-            <a:r>
-              <a:rPr lang="en-US" altLang="ko-KR" sz="1600" dirty="0" smtClean="0">
-                <a:solidFill>
-                  <a:schemeClr val="tx1"/>
-                </a:solidFill>
-              </a:rPr>
-              <a:t>11</a:t>
-            </a:r>
-            <a:r>
-              <a:rPr lang="ko-KR" altLang="en-US" sz="1600" dirty="0" smtClean="0">
-                <a:solidFill>
-                  <a:schemeClr val="tx1"/>
-                </a:solidFill>
-              </a:rPr>
-              <a:t>까지 순회할 때</a:t>
-            </a:r>
-            <a:endParaRPr lang="en-US" altLang="ko-KR" sz="1600" dirty="0" smtClean="0">
-              <a:solidFill>
-                <a:schemeClr val="tx1"/>
-              </a:solidFill>
-            </a:endParaRPr>
-          </a:p>
-          <a:p>
-            <a:pPr algn="ctr"/>
-            <a:r>
-              <a:rPr lang="ko-KR" altLang="en-US" sz="1600" dirty="0" smtClean="0">
-                <a:solidFill>
-                  <a:schemeClr val="tx1"/>
-                </a:solidFill>
-              </a:rPr>
-              <a:t>만약 </a:t>
-            </a:r>
-            <a:r>
-              <a:rPr lang="en-US" altLang="ko-KR" sz="1600" dirty="0" smtClean="0">
-                <a:solidFill>
-                  <a:schemeClr val="tx1"/>
-                </a:solidFill>
-              </a:rPr>
-              <a:t>‘i’</a:t>
-            </a:r>
-            <a:r>
-              <a:rPr lang="ko-KR" altLang="en-US" sz="1600" dirty="0" err="1" smtClean="0">
-                <a:solidFill>
-                  <a:schemeClr val="tx1"/>
-                </a:solidFill>
-              </a:rPr>
-              <a:t>를</a:t>
-            </a:r>
-            <a:r>
-              <a:rPr lang="ko-KR" altLang="en-US" sz="1600" dirty="0" smtClean="0">
-                <a:solidFill>
-                  <a:schemeClr val="tx1"/>
-                </a:solidFill>
-              </a:rPr>
-              <a:t> </a:t>
-            </a:r>
-            <a:r>
-              <a:rPr lang="en-US" altLang="ko-KR" sz="1600" dirty="0" smtClean="0">
-                <a:solidFill>
-                  <a:schemeClr val="tx1"/>
-                </a:solidFill>
-              </a:rPr>
-              <a:t>2</a:t>
-            </a:r>
-            <a:r>
-              <a:rPr lang="ko-KR" altLang="en-US" sz="1600" dirty="0" smtClean="0">
-                <a:solidFill>
-                  <a:schemeClr val="tx1"/>
-                </a:solidFill>
-              </a:rPr>
-              <a:t>로 나누었을 </a:t>
-            </a:r>
-            <a:r>
-              <a:rPr lang="ko-KR" altLang="en-US" sz="1600" dirty="0" smtClean="0">
-                <a:solidFill>
-                  <a:schemeClr val="tx1"/>
-                </a:solidFill>
-              </a:rPr>
-              <a:t>때</a:t>
-            </a:r>
-            <a:endParaRPr lang="en-US" altLang="ko-KR" sz="1600" dirty="0" smtClean="0">
-              <a:solidFill>
-                <a:schemeClr val="tx1"/>
-              </a:solidFill>
-            </a:endParaRPr>
-          </a:p>
-          <a:p>
-            <a:pPr algn="ctr"/>
-            <a:r>
-              <a:rPr lang="ko-KR" altLang="en-US" sz="1600" dirty="0" smtClean="0">
-                <a:solidFill>
-                  <a:schemeClr val="tx1"/>
-                </a:solidFill>
-              </a:rPr>
-              <a:t>나머지가 없다면</a:t>
-            </a:r>
-            <a:r>
-              <a:rPr lang="en-US" altLang="ko-KR" sz="1600" dirty="0">
-                <a:solidFill>
-                  <a:schemeClr val="tx1"/>
-                </a:solidFill>
-              </a:rPr>
-              <a:t> </a:t>
-            </a:r>
-            <a:r>
-              <a:rPr lang="ko-KR" altLang="en-US" sz="1600" dirty="0" smtClean="0">
-                <a:solidFill>
-                  <a:schemeClr val="tx1"/>
-                </a:solidFill>
-              </a:rPr>
-              <a:t>값을 </a:t>
-            </a:r>
-            <a:r>
-              <a:rPr lang="ko-KR" altLang="en-US" sz="1600" dirty="0" smtClean="0">
-                <a:solidFill>
-                  <a:schemeClr val="tx1"/>
-                </a:solidFill>
-              </a:rPr>
-              <a:t>반환해주세요</a:t>
-            </a:r>
-            <a:r>
-              <a:rPr lang="en-US" altLang="ko-KR" sz="1600" dirty="0" smtClean="0">
-                <a:solidFill>
-                  <a:schemeClr val="tx1"/>
-                </a:solidFill>
-              </a:rPr>
-              <a:t>.</a:t>
-            </a:r>
-            <a:endParaRPr lang="ko-KR" altLang="en-US" sz="1600" dirty="0">
-              <a:solidFill>
-                <a:schemeClr val="tx1"/>
-              </a:solidFill>
-            </a:endParaRPr>
-          </a:p>
-        </p:txBody>
-      </p:sp>
-      <p:sp>
-        <p:nvSpPr>
-          <p:cNvPr id="9" name="직사각형 8"/>
+              <a:rPr lang="ko-KR" altLang="en-US" sz="1600" dirty="0">
+                <a:solidFill>
+                  <a:schemeClr val="tx1"/>
+                </a:solidFill>
+              </a:rPr>
+              <a:t>직접 접근이 가능하니 빠르게 처리 가능</a:t>
+            </a:r>
+          </a:p>
+        </p:txBody>
+      </p:sp>
+      <p:sp>
+        <p:nvSpPr>
+          <p:cNvPr id="10" name="직사각형 9"/>
           <p:cNvSpPr/>
           <p:nvPr/>
         </p:nvSpPr>
         <p:spPr>
           <a:xfrm>
-            <a:off x="6989154" y="5473892"/>
-            <a:ext cx="3637137" cy="901702"/>
+            <a:off x="7011612" y="4887067"/>
+            <a:ext cx="3999690" cy="736238"/>
+          </a:xfrm>
+          <a:prstGeom prst="rect">
+            <a:avLst/>
+          </a:prstGeom>
+          <a:solidFill>
+            <a:srgbClr val="FF0000">
+              <a:alpha val="34000"/>
+            </a:srgbClr>
+          </a:solidFill>
+          <a:ln w="38100">
+            <a:noFill/>
+          </a:ln>
+        </p:spPr>
+        <p:style>
+          <a:lnRef idx="2">
+            <a:schemeClr val="accent1">
+              <a:shade val="50000"/>
+            </a:schemeClr>
+          </a:lnRef>
+          <a:fillRef idx="1">
+            <a:schemeClr val="accent1"/>
+          </a:fillRef>
+          <a:effectRef idx="0">
+            <a:schemeClr val="accent1"/>
+          </a:effectRef>
+          <a:fontRef idx="minor">
+            <a:schemeClr val="lt1"/>
+          </a:fontRef>
+        </p:style>
+        <p:txBody>
+          <a:bodyPr rtlCol="0" anchor="ctr"/>
+          <a:lstStyle/>
+          <a:p>
+            <a:pPr algn="ctr"/>
+            <a:r>
+              <a:rPr lang="en-US" altLang="ko-KR" sz="1600" dirty="0">
+                <a:solidFill>
+                  <a:schemeClr val="tx1"/>
+                </a:solidFill>
+              </a:rPr>
+              <a:t>For sth in range (x,y)</a:t>
+            </a:r>
+          </a:p>
+        </p:txBody>
+      </p:sp>
+      <p:sp>
+        <p:nvSpPr>
+          <p:cNvPr id="11" name="직사각형 10"/>
+          <p:cNvSpPr/>
+          <p:nvPr/>
+        </p:nvSpPr>
+        <p:spPr>
+          <a:xfrm>
+            <a:off x="7011612" y="6013222"/>
+            <a:ext cx="3999690" cy="736238"/>
+          </a:xfrm>
+          <a:prstGeom prst="rect">
+            <a:avLst/>
+          </a:prstGeom>
+          <a:solidFill>
+            <a:srgbClr val="FF0000">
+              <a:alpha val="34000"/>
+            </a:srgbClr>
+          </a:solidFill>
+          <a:ln w="38100">
+            <a:noFill/>
+          </a:ln>
+        </p:spPr>
+        <p:style>
+          <a:lnRef idx="2">
+            <a:schemeClr val="accent1">
+              <a:shade val="50000"/>
+            </a:schemeClr>
+          </a:lnRef>
+          <a:fillRef idx="1">
+            <a:schemeClr val="accent1"/>
+          </a:fillRef>
+          <a:effectRef idx="0">
+            <a:schemeClr val="accent1"/>
+          </a:effectRef>
+          <a:fontRef idx="minor">
+            <a:schemeClr val="lt1"/>
+          </a:fontRef>
+        </p:style>
+        <p:txBody>
+          <a:bodyPr rtlCol="0" anchor="ctr"/>
+          <a:lstStyle/>
+          <a:p>
+            <a:pPr algn="ctr"/>
+            <a:r>
+              <a:rPr lang="en-US" altLang="ko-KR" sz="1600" dirty="0">
+                <a:solidFill>
+                  <a:schemeClr val="tx1"/>
+                </a:solidFill>
+              </a:rPr>
+              <a:t>‘x</a:t>
+            </a:r>
+            <a:r>
+              <a:rPr lang="ko-KR" altLang="en-US" sz="1600" dirty="0">
+                <a:solidFill>
+                  <a:schemeClr val="tx1"/>
+                </a:solidFill>
+              </a:rPr>
+              <a:t>와 </a:t>
+            </a:r>
+            <a:r>
+              <a:rPr lang="en-US" altLang="ko-KR" sz="1600" dirty="0">
+                <a:solidFill>
+                  <a:schemeClr val="tx1"/>
+                </a:solidFill>
+              </a:rPr>
+              <a:t>y</a:t>
+            </a:r>
+            <a:r>
+              <a:rPr lang="ko-KR" altLang="en-US" sz="1600" dirty="0" err="1">
+                <a:solidFill>
+                  <a:schemeClr val="tx1"/>
+                </a:solidFill>
+              </a:rPr>
+              <a:t>를</a:t>
+            </a:r>
+            <a:r>
+              <a:rPr lang="ko-KR" altLang="en-US" sz="1600" dirty="0">
+                <a:solidFill>
+                  <a:schemeClr val="tx1"/>
+                </a:solidFill>
+              </a:rPr>
+              <a:t> 배열로 잡고 반복함</a:t>
+            </a:r>
+            <a:r>
+              <a:rPr lang="en-US" altLang="ko-KR" sz="1600" dirty="0">
+                <a:solidFill>
+                  <a:schemeClr val="tx1"/>
+                </a:solidFill>
+              </a:rPr>
+              <a:t>.</a:t>
+            </a:r>
+          </a:p>
+          <a:p>
+            <a:pPr algn="ctr"/>
+            <a:r>
+              <a:rPr lang="ko-KR" altLang="en-US" sz="1600" dirty="0">
+                <a:solidFill>
+                  <a:schemeClr val="tx1"/>
+                </a:solidFill>
+              </a:rPr>
+              <a:t>느릴 수 밖에 없음</a:t>
+            </a:r>
+          </a:p>
+        </p:txBody>
+      </p:sp>
+      <p:cxnSp>
+        <p:nvCxnSpPr>
+          <p:cNvPr id="13" name="직선 화살표 연결선 12"/>
+          <p:cNvCxnSpPr>
+            <a:stCxn id="19" idx="0"/>
+            <a:endCxn id="4" idx="2"/>
+          </p:cNvCxnSpPr>
+          <p:nvPr/>
+        </p:nvCxnSpPr>
+        <p:spPr>
+          <a:xfrm flipV="1">
+            <a:off x="2937916" y="2841558"/>
+            <a:ext cx="0" cy="736238"/>
+          </a:xfrm>
+          <a:prstGeom prst="straightConnector1">
+            <a:avLst/>
+          </a:prstGeom>
+          <a:ln w="57150">
+            <a:solidFill>
+              <a:srgbClr val="FF0000"/>
+            </a:solidFill>
+            <a:tailEnd type="triangle"/>
+          </a:ln>
+        </p:spPr>
+        <p:style>
+          <a:lnRef idx="1">
+            <a:schemeClr val="accent1"/>
+          </a:lnRef>
+          <a:fillRef idx="0">
+            <a:schemeClr val="accent1"/>
+          </a:fillRef>
+          <a:effectRef idx="0">
+            <a:schemeClr val="accent1"/>
+          </a:effectRef>
+          <a:fontRef idx="minor">
+            <a:schemeClr val="tx1"/>
+          </a:fontRef>
+        </p:style>
+      </p:cxnSp>
+      <p:sp>
+        <p:nvSpPr>
+          <p:cNvPr id="19" name="직사각형 18"/>
+          <p:cNvSpPr/>
+          <p:nvPr/>
+        </p:nvSpPr>
+        <p:spPr>
+          <a:xfrm>
+            <a:off x="1635903" y="3577796"/>
+            <a:ext cx="2604026" cy="479333"/>
           </a:xfrm>
           <a:prstGeom prst="rect">
             <a:avLst/>
@@ -8799,54 +7813,106 @@
           <a:p>
             <a:pPr algn="ctr"/>
             <a:r>
-              <a:rPr lang="ko-KR" altLang="en-US" sz="1600" dirty="0" smtClean="0">
-                <a:solidFill>
-                  <a:schemeClr val="tx1"/>
-                </a:solidFill>
-              </a:rPr>
-              <a:t>위의 방법은</a:t>
-            </a:r>
-            <a:r>
-              <a:rPr lang="en-US" altLang="ko-KR" sz="1600" dirty="0" smtClean="0">
-                <a:solidFill>
-                  <a:schemeClr val="tx1"/>
-                </a:solidFill>
-              </a:rPr>
-              <a:t>,</a:t>
-            </a:r>
-            <a:r>
-              <a:rPr lang="ko-KR" altLang="en-US" sz="1600" dirty="0" smtClean="0">
-                <a:solidFill>
-                  <a:schemeClr val="tx1"/>
-                </a:solidFill>
-              </a:rPr>
-              <a:t>홀수 짝수를 판별하는</a:t>
-            </a:r>
-            <a:endParaRPr lang="en-US" altLang="ko-KR" sz="1600" dirty="0" smtClean="0">
+              <a:rPr lang="en-US" altLang="ko-KR" sz="1600" dirty="0">
+                <a:solidFill>
+                  <a:schemeClr val="tx1"/>
+                </a:solidFill>
+              </a:rPr>
+              <a:t>I</a:t>
+            </a:r>
+            <a:r>
+              <a:rPr lang="ko-KR" altLang="en-US" sz="1600" dirty="0">
+                <a:solidFill>
+                  <a:schemeClr val="tx1"/>
+                </a:solidFill>
+              </a:rPr>
+              <a:t>의 값</a:t>
+            </a:r>
+            <a:r>
+              <a:rPr lang="en-US" altLang="ko-KR" sz="1600" dirty="0">
+                <a:solidFill>
+                  <a:schemeClr val="tx1"/>
+                </a:solidFill>
+              </a:rPr>
+              <a:t>: </a:t>
+            </a:r>
+            <a:r>
+              <a:rPr lang="ko-KR" altLang="en-US" sz="1600" dirty="0">
+                <a:solidFill>
+                  <a:schemeClr val="tx1"/>
+                </a:solidFill>
+              </a:rPr>
+              <a:t>직접 접속</a:t>
+            </a:r>
+            <a:endParaRPr lang="en-US" altLang="ko-KR" sz="1600" dirty="0">
               <a:solidFill>
                 <a:schemeClr val="tx1"/>
               </a:solidFill>
             </a:endParaRPr>
           </a:p>
+        </p:txBody>
+      </p:sp>
+      <p:sp>
+        <p:nvSpPr>
+          <p:cNvPr id="23" name="직사각형 22"/>
+          <p:cNvSpPr/>
+          <p:nvPr/>
+        </p:nvSpPr>
+        <p:spPr>
+          <a:xfrm>
+            <a:off x="7709444" y="4257483"/>
+            <a:ext cx="2604026" cy="479333"/>
+          </a:xfrm>
+          <a:prstGeom prst="rect">
+            <a:avLst/>
+          </a:prstGeom>
+          <a:solidFill>
+            <a:srgbClr val="FF0000">
+              <a:alpha val="34000"/>
+            </a:srgbClr>
+          </a:solidFill>
+          <a:ln w="38100">
+            <a:noFill/>
+          </a:ln>
+        </p:spPr>
+        <p:style>
+          <a:lnRef idx="2">
+            <a:schemeClr val="accent1">
+              <a:shade val="50000"/>
+            </a:schemeClr>
+          </a:lnRef>
+          <a:fillRef idx="1">
+            <a:schemeClr val="accent1"/>
+          </a:fillRef>
+          <a:effectRef idx="0">
+            <a:schemeClr val="accent1"/>
+          </a:effectRef>
+          <a:fontRef idx="minor">
+            <a:schemeClr val="lt1"/>
+          </a:fontRef>
+        </p:style>
+        <p:txBody>
+          <a:bodyPr rtlCol="0" anchor="ctr"/>
+          <a:lstStyle/>
           <a:p>
             <a:pPr algn="ctr"/>
             <a:r>
-              <a:rPr lang="ko-KR" altLang="en-US" sz="1600" dirty="0" smtClean="0">
-                <a:solidFill>
-                  <a:schemeClr val="tx1"/>
-                </a:solidFill>
-              </a:rPr>
-              <a:t>대표적인</a:t>
-            </a:r>
-            <a:r>
-              <a:rPr lang="ko-KR" altLang="en-US" sz="1600" dirty="0" smtClean="0">
-                <a:solidFill>
-                  <a:schemeClr val="tx1"/>
-                </a:solidFill>
-              </a:rPr>
-              <a:t> 방법</a:t>
-            </a:r>
-            <a:endParaRPr lang="ko-KR" altLang="en-US" sz="1600" dirty="0">
+              <a:rPr lang="en-US" altLang="ko-KR" sz="1600">
+                <a:solidFill>
+                  <a:schemeClr val="tx1"/>
+                </a:solidFill>
+              </a:rPr>
+              <a:t>‘x, y </a:t>
+            </a:r>
+            <a:r>
+              <a:rPr lang="ko-KR" altLang="en-US" sz="1600" dirty="0">
+                <a:solidFill>
+                  <a:schemeClr val="tx1"/>
+                </a:solidFill>
+              </a:rPr>
+              <a:t>배열</a:t>
+            </a:r>
+            <a:endParaRPr lang="en-US" altLang="ko-KR" sz="1600" dirty="0">
               <a:solidFill>
                 <a:schemeClr val="tx1"/>
               </a:solidFill>
@@ -8854,10 +7920,364 @@
           </a:p>
         </p:txBody>
       </p:sp>
+      <p:sp>
+        <p:nvSpPr>
+          <p:cNvPr id="24" name="직사각형 23"/>
+          <p:cNvSpPr/>
+          <p:nvPr/>
+        </p:nvSpPr>
+        <p:spPr>
+          <a:xfrm>
+            <a:off x="7709444" y="3627899"/>
+            <a:ext cx="2604026" cy="479333"/>
+          </a:xfrm>
+          <a:prstGeom prst="rect">
+            <a:avLst/>
+          </a:prstGeom>
+          <a:solidFill>
+            <a:srgbClr val="FF0000">
+              <a:alpha val="34000"/>
+            </a:srgbClr>
+          </a:solidFill>
+          <a:ln w="38100">
+            <a:noFill/>
+          </a:ln>
+        </p:spPr>
+        <p:style>
+          <a:lnRef idx="2">
+            <a:schemeClr val="accent1">
+              <a:shade val="50000"/>
+            </a:schemeClr>
+          </a:lnRef>
+          <a:fillRef idx="1">
+            <a:schemeClr val="accent1"/>
+          </a:fillRef>
+          <a:effectRef idx="0">
+            <a:schemeClr val="accent1"/>
+          </a:effectRef>
+          <a:fontRef idx="minor">
+            <a:schemeClr val="lt1"/>
+          </a:fontRef>
+        </p:style>
+        <p:txBody>
+          <a:bodyPr rtlCol="0" anchor="ctr"/>
+          <a:lstStyle/>
+          <a:p>
+            <a:pPr algn="ctr"/>
+            <a:r>
+              <a:rPr lang="en-US" altLang="ko-KR" sz="1600" dirty="0">
+                <a:solidFill>
+                  <a:schemeClr val="tx1"/>
+                </a:solidFill>
+              </a:rPr>
+              <a:t>‘array</a:t>
+            </a:r>
+          </a:p>
+        </p:txBody>
+      </p:sp>
+      <p:sp>
+        <p:nvSpPr>
+          <p:cNvPr id="25" name="직사각형 24"/>
+          <p:cNvSpPr/>
+          <p:nvPr/>
+        </p:nvSpPr>
+        <p:spPr>
+          <a:xfrm>
+            <a:off x="7709444" y="2991809"/>
+            <a:ext cx="2604026" cy="479333"/>
+          </a:xfrm>
+          <a:prstGeom prst="rect">
+            <a:avLst/>
+          </a:prstGeom>
+          <a:solidFill>
+            <a:srgbClr val="FF0000">
+              <a:alpha val="34000"/>
+            </a:srgbClr>
+          </a:solidFill>
+          <a:ln w="38100">
+            <a:noFill/>
+          </a:ln>
+        </p:spPr>
+        <p:style>
+          <a:lnRef idx="2">
+            <a:schemeClr val="accent1">
+              <a:shade val="50000"/>
+            </a:schemeClr>
+          </a:lnRef>
+          <a:fillRef idx="1">
+            <a:schemeClr val="accent1"/>
+          </a:fillRef>
+          <a:effectRef idx="0">
+            <a:schemeClr val="accent1"/>
+          </a:effectRef>
+          <a:fontRef idx="minor">
+            <a:schemeClr val="lt1"/>
+          </a:fontRef>
+        </p:style>
+        <p:txBody>
+          <a:bodyPr rtlCol="0" anchor="ctr"/>
+          <a:lstStyle/>
+          <a:p>
+            <a:pPr algn="ctr"/>
+            <a:r>
+              <a:rPr lang="en-US" altLang="ko-KR" sz="1400" dirty="0">
+                <a:solidFill>
+                  <a:schemeClr val="tx1"/>
+                </a:solidFill>
+              </a:rPr>
+              <a:t>(</a:t>
+            </a:r>
+            <a:r>
+              <a:rPr lang="ko-KR" altLang="en-US" sz="1400" dirty="0">
+                <a:solidFill>
+                  <a:schemeClr val="tx1"/>
+                </a:solidFill>
+              </a:rPr>
+              <a:t>메모리에 접근하기 위해 필요할지도 모르는 기타 클래스</a:t>
+            </a:r>
+            <a:r>
+              <a:rPr lang="en-US" altLang="ko-KR" sz="1400" dirty="0">
+                <a:solidFill>
+                  <a:schemeClr val="tx1"/>
+                </a:solidFill>
+              </a:rPr>
+              <a:t>)</a:t>
+            </a:r>
+          </a:p>
+        </p:txBody>
+      </p:sp>
+      <p:cxnSp>
+        <p:nvCxnSpPr>
+          <p:cNvPr id="26" name="직선 화살표 연결선 25"/>
+          <p:cNvCxnSpPr/>
+          <p:nvPr/>
+        </p:nvCxnSpPr>
+        <p:spPr>
+          <a:xfrm flipV="1">
+            <a:off x="9011457" y="3382837"/>
+            <a:ext cx="0" cy="389917"/>
+          </a:xfrm>
+          <a:prstGeom prst="straightConnector1">
+            <a:avLst/>
+          </a:prstGeom>
+          <a:ln w="57150">
+            <a:solidFill>
+              <a:srgbClr val="FF0000"/>
+            </a:solidFill>
+            <a:tailEnd type="triangle"/>
+          </a:ln>
+        </p:spPr>
+        <p:style>
+          <a:lnRef idx="1">
+            <a:schemeClr val="accent1"/>
+          </a:lnRef>
+          <a:fillRef idx="0">
+            <a:schemeClr val="accent1"/>
+          </a:fillRef>
+          <a:effectRef idx="0">
+            <a:schemeClr val="accent1"/>
+          </a:effectRef>
+          <a:fontRef idx="minor">
+            <a:schemeClr val="tx1"/>
+          </a:fontRef>
+        </p:style>
+      </p:cxnSp>
+      <p:cxnSp>
+        <p:nvCxnSpPr>
+          <p:cNvPr id="28" name="직선 화살표 연결선 27"/>
+          <p:cNvCxnSpPr/>
+          <p:nvPr/>
+        </p:nvCxnSpPr>
+        <p:spPr>
+          <a:xfrm flipV="1">
+            <a:off x="9011457" y="4030846"/>
+            <a:ext cx="0" cy="389917"/>
+          </a:xfrm>
+          <a:prstGeom prst="straightConnector1">
+            <a:avLst/>
+          </a:prstGeom>
+          <a:ln w="57150">
+            <a:solidFill>
+              <a:srgbClr val="FF0000"/>
+            </a:solidFill>
+            <a:tailEnd type="triangle"/>
+          </a:ln>
+        </p:spPr>
+        <p:style>
+          <a:lnRef idx="1">
+            <a:schemeClr val="accent1"/>
+          </a:lnRef>
+          <a:fillRef idx="0">
+            <a:schemeClr val="accent1"/>
+          </a:fillRef>
+          <a:effectRef idx="0">
+            <a:schemeClr val="accent1"/>
+          </a:effectRef>
+          <a:fontRef idx="minor">
+            <a:schemeClr val="tx1"/>
+          </a:fontRef>
+        </p:style>
+      </p:cxnSp>
+      <p:sp>
+        <p:nvSpPr>
+          <p:cNvPr id="29" name="직사각형 28"/>
+          <p:cNvSpPr/>
+          <p:nvPr/>
+        </p:nvSpPr>
+        <p:spPr>
+          <a:xfrm>
+            <a:off x="1609629" y="239886"/>
+            <a:ext cx="2656574" cy="489006"/>
+          </a:xfrm>
+          <a:prstGeom prst="rect">
+            <a:avLst/>
+          </a:prstGeom>
+          <a:solidFill>
+            <a:srgbClr val="00B0F0">
+              <a:alpha val="34000"/>
+            </a:srgbClr>
+          </a:solidFill>
+          <a:ln w="38100">
+            <a:noFill/>
+          </a:ln>
+        </p:spPr>
+        <p:style>
+          <a:lnRef idx="2">
+            <a:schemeClr val="accent1">
+              <a:shade val="50000"/>
+            </a:schemeClr>
+          </a:lnRef>
+          <a:fillRef idx="1">
+            <a:schemeClr val="accent1"/>
+          </a:fillRef>
+          <a:effectRef idx="0">
+            <a:schemeClr val="accent1"/>
+          </a:effectRef>
+          <a:fontRef idx="minor">
+            <a:schemeClr val="lt1"/>
+          </a:fontRef>
+        </p:style>
+        <p:txBody>
+          <a:bodyPr rtlCol="0" anchor="ctr"/>
+          <a:lstStyle/>
+          <a:p>
+            <a:pPr algn="ctr"/>
+            <a:r>
+              <a:rPr lang="en-US" altLang="ko-KR" dirty="0">
+                <a:solidFill>
+                  <a:schemeClr val="tx1"/>
+                </a:solidFill>
+              </a:rPr>
+              <a:t>JS</a:t>
+            </a:r>
+            <a:endParaRPr lang="ko-KR" altLang="en-US" dirty="0">
+              <a:solidFill>
+                <a:schemeClr val="tx1"/>
+              </a:solidFill>
+            </a:endParaRPr>
+          </a:p>
+        </p:txBody>
+      </p:sp>
+      <p:sp>
+        <p:nvSpPr>
+          <p:cNvPr id="30" name="직사각형 29"/>
+          <p:cNvSpPr/>
+          <p:nvPr/>
+        </p:nvSpPr>
+        <p:spPr>
+          <a:xfrm>
+            <a:off x="7692795" y="243430"/>
+            <a:ext cx="2637323" cy="485462"/>
+          </a:xfrm>
+          <a:prstGeom prst="rect">
+            <a:avLst/>
+          </a:prstGeom>
+          <a:solidFill>
+            <a:srgbClr val="FF0000">
+              <a:alpha val="34000"/>
+            </a:srgbClr>
+          </a:solidFill>
+          <a:ln w="38100">
+            <a:noFill/>
+          </a:ln>
+        </p:spPr>
+        <p:style>
+          <a:lnRef idx="2">
+            <a:schemeClr val="accent1">
+              <a:shade val="50000"/>
+            </a:schemeClr>
+          </a:lnRef>
+          <a:fillRef idx="1">
+            <a:schemeClr val="accent1"/>
+          </a:fillRef>
+          <a:effectRef idx="0">
+            <a:schemeClr val="accent1"/>
+          </a:effectRef>
+          <a:fontRef idx="minor">
+            <a:schemeClr val="lt1"/>
+          </a:fontRef>
+        </p:style>
+        <p:txBody>
+          <a:bodyPr rtlCol="0" anchor="ctr"/>
+          <a:lstStyle/>
+          <a:p>
+            <a:pPr algn="ctr"/>
+            <a:r>
+              <a:rPr lang="en-US" altLang="ko-KR" dirty="0">
+                <a:solidFill>
+                  <a:schemeClr val="tx1"/>
+                </a:solidFill>
+              </a:rPr>
+              <a:t>Py</a:t>
+            </a:r>
+            <a:endParaRPr lang="ko-KR" altLang="en-US" dirty="0">
+              <a:solidFill>
+                <a:schemeClr val="tx1"/>
+              </a:solidFill>
+            </a:endParaRPr>
+          </a:p>
+        </p:txBody>
+      </p:sp>
+      <p:cxnSp>
+        <p:nvCxnSpPr>
+          <p:cNvPr id="15" name="직선 화살표 연결선 14"/>
+          <p:cNvCxnSpPr/>
+          <p:nvPr/>
+        </p:nvCxnSpPr>
+        <p:spPr>
+          <a:xfrm flipV="1">
+            <a:off x="9011457" y="2670294"/>
+            <a:ext cx="0" cy="342527"/>
+          </a:xfrm>
+          <a:prstGeom prst="straightConnector1">
+            <a:avLst/>
+          </a:prstGeom>
+          <a:ln w="57150">
+            <a:solidFill>
+              <a:srgbClr val="FF0000"/>
+            </a:solidFill>
+            <a:tailEnd type="triangle"/>
+          </a:ln>
+        </p:spPr>
+        <p:style>
+          <a:lnRef idx="1">
+            <a:schemeClr val="accent1"/>
+          </a:lnRef>
+          <a:fillRef idx="0">
+            <a:schemeClr val="accent1"/>
+          </a:fillRef>
+          <a:effectRef idx="0">
+            <a:schemeClr val="accent1"/>
+          </a:effectRef>
+          <a:fontRef idx="minor">
+            <a:schemeClr val="tx1"/>
+          </a:fontRef>
+        </p:style>
+      </p:cxnSp>
     </p:spTree>
     <p:extLst>
       <p:ext uri="{BB962C8B-B14F-4D97-AF65-F5344CB8AC3E}">
-        <p14:creationId xmlns:p14="http://schemas.microsoft.com/office/powerpoint/2010/main" val="1214663583"/>
+        <p14:creationId xmlns:p14="http://schemas.microsoft.com/office/powerpoint/2010/main" val="2420513837"/>
       </p:ext>
     </p:extLst>
   </p:cSld>
@@ -8900,48 +8320,24 @@
         </p:blipFill>
         <p:spPr>
           <a:xfrm>
-            <a:off x="1762608" y="2895771"/>
-            <a:ext cx="3041827" cy="1066457"/>
+            <a:off x="380856" y="1794487"/>
+            <a:ext cx="5443377" cy="3269025"/>
           </a:xfrm>
           <a:prstGeom prst="rect">
             <a:avLst/>
           </a:prstGeom>
         </p:spPr>
       </p:pic>
-      <p:pic>
-        <p:nvPicPr>
-          <p:cNvPr id="5" name="그림 4"/>
-          <p:cNvPicPr>
-            <a:picLocks noChangeAspect="1"/>
-          </p:cNvPicPr>
-          <p:nvPr/>
-        </p:nvPicPr>
-        <p:blipFill>
-          <a:blip r:embed="rId3"/>
-          <a:stretch>
-            <a:fillRect/>
-          </a:stretch>
-        </p:blipFill>
-        <p:spPr>
-          <a:xfrm>
-            <a:off x="7685709" y="2614499"/>
-            <a:ext cx="3077004" cy="1629002"/>
-          </a:xfrm>
-          <a:prstGeom prst="rect">
-            <a:avLst/>
-          </a:prstGeom>
-        </p:spPr>
-      </p:pic>
-      <p:sp>
-        <p:nvSpPr>
-          <p:cNvPr id="6" name="직사각형 5"/>
+      <p:sp>
+        <p:nvSpPr>
+          <p:cNvPr id="5" name="직사각형 4"/>
           <p:cNvSpPr/>
           <p:nvPr/>
         </p:nvSpPr>
         <p:spPr>
           <a:xfrm>
-            <a:off x="3554930" y="4772028"/>
-            <a:ext cx="5082139" cy="736238"/>
+            <a:off x="6989154" y="792344"/>
+            <a:ext cx="3637137" cy="736238"/>
           </a:xfrm>
           <a:prstGeom prst="rect">
             <a:avLst/>
@@ -8977,60 +8373,44 @@
           <a:p>
             <a:pPr algn="ctr"/>
             <a:r>
-              <a:rPr lang="ko-KR" altLang="en-US" dirty="0" smtClean="0">
-                <a:solidFill>
-                  <a:schemeClr val="tx1"/>
-                </a:solidFill>
-              </a:rPr>
-              <a:t>정수형은 </a:t>
-            </a:r>
-            <a:r>
-              <a:rPr lang="en-US" altLang="ko-KR" dirty="0" smtClean="0">
-                <a:solidFill>
-                  <a:schemeClr val="tx1"/>
-                </a:solidFill>
-              </a:rPr>
-              <a:t>0</a:t>
-            </a:r>
-            <a:r>
-              <a:rPr lang="ko-KR" altLang="en-US" dirty="0" err="1" smtClean="0">
-                <a:solidFill>
-                  <a:schemeClr val="tx1"/>
-                </a:solidFill>
-              </a:rPr>
-              <a:t>일경우</a:t>
-            </a:r>
-            <a:r>
-              <a:rPr lang="ko-KR" altLang="en-US" dirty="0" smtClean="0">
-                <a:solidFill>
-                  <a:schemeClr val="tx1"/>
-                </a:solidFill>
-              </a:rPr>
-              <a:t> </a:t>
-            </a:r>
-            <a:r>
-              <a:rPr lang="en-US" altLang="ko-KR" dirty="0" smtClean="0">
-                <a:solidFill>
-                  <a:schemeClr val="tx1"/>
-                </a:solidFill>
-              </a:rPr>
-              <a:t>false, 0</a:t>
-            </a:r>
-            <a:r>
-              <a:rPr lang="ko-KR" altLang="en-US" dirty="0" smtClean="0">
-                <a:solidFill>
-                  <a:schemeClr val="tx1"/>
-                </a:solidFill>
-              </a:rPr>
-              <a:t>이 아닐 경우 </a:t>
-            </a:r>
-            <a:r>
-              <a:rPr lang="en-US" altLang="ko-KR" dirty="0" smtClean="0">
-                <a:solidFill>
-                  <a:schemeClr val="tx1"/>
-                </a:solidFill>
-              </a:rPr>
-              <a:t>true</a:t>
+              <a:rPr lang="en-US" altLang="ko-KR" dirty="0">
+                <a:solidFill>
+                  <a:schemeClr val="tx1"/>
+                </a:solidFill>
+              </a:rPr>
+              <a:t>List</a:t>
+            </a:r>
+            <a:r>
+              <a:rPr lang="ko-KR" altLang="en-US" dirty="0">
+                <a:solidFill>
+                  <a:schemeClr val="tx1"/>
+                </a:solidFill>
+              </a:rPr>
+              <a:t>에 </a:t>
+            </a:r>
+            <a:r>
+              <a:rPr lang="en-US" altLang="ko-KR" dirty="0">
+                <a:solidFill>
+                  <a:schemeClr val="tx1"/>
+                </a:solidFill>
+              </a:rPr>
+              <a:t>for</a:t>
+            </a:r>
+            <a:r>
+              <a:rPr lang="ko-KR" altLang="en-US" dirty="0">
+                <a:solidFill>
+                  <a:schemeClr val="tx1"/>
+                </a:solidFill>
+              </a:rPr>
+              <a:t>문의 결과값을 넣는 것이 가능하다</a:t>
+            </a:r>
+            <a:r>
+              <a:rPr lang="en-US" altLang="ko-KR" dirty="0">
+                <a:solidFill>
+                  <a:schemeClr val="tx1"/>
+                </a:solidFill>
+              </a:rPr>
+              <a:t>.</a:t>
             </a:r>
             <a:endParaRPr lang="ko-KR" altLang="en-US" dirty="0">
               <a:solidFill>
@@ -9042,14 +8422,14 @@
       </p:sp>
       <p:sp>
         <p:nvSpPr>
-          <p:cNvPr id="7" name="직사각형 6"/>
+          <p:cNvPr id="6" name="직사각형 5"/>
           <p:cNvSpPr/>
           <p:nvPr/>
         </p:nvSpPr>
         <p:spPr>
           <a:xfrm>
-            <a:off x="851443" y="424225"/>
-            <a:ext cx="2865905" cy="736238"/>
+            <a:off x="6989154" y="1879999"/>
+            <a:ext cx="3637137" cy="736238"/>
           </a:xfrm>
           <a:prstGeom prst="rect">
             <a:avLst/>
@@ -9085,20 +8465,28 @@
           <a:p>
             <a:pPr algn="ctr"/>
             <a:r>
-              <a:rPr lang="ko-KR" altLang="en-US" dirty="0" smtClean="0">
-                <a:solidFill>
-                  <a:schemeClr val="tx1"/>
-                </a:solidFill>
-              </a:rPr>
-              <a:t>값에 따라 </a:t>
-            </a:r>
-            <a:r>
-              <a:rPr lang="en-US" altLang="ko-KR" dirty="0" smtClean="0">
-                <a:solidFill>
-                  <a:schemeClr val="tx1"/>
-                </a:solidFill>
-              </a:rPr>
-              <a:t>True false?</a:t>
+              <a:rPr lang="en-US" altLang="ko-KR" dirty="0">
+                <a:solidFill>
+                  <a:schemeClr val="tx1"/>
+                </a:solidFill>
+              </a:rPr>
+              <a:t>1~6</a:t>
+            </a:r>
+            <a:r>
+              <a:rPr lang="ko-KR" altLang="en-US" dirty="0">
+                <a:solidFill>
+                  <a:schemeClr val="tx1"/>
+                </a:solidFill>
+              </a:rPr>
+              <a:t>까지 순회할 때 해당 값을 제곱하세요</a:t>
+            </a:r>
+            <a:r>
+              <a:rPr lang="en-US" altLang="ko-KR" dirty="0">
+                <a:solidFill>
+                  <a:schemeClr val="tx1"/>
+                </a:solidFill>
+              </a:rPr>
+              <a:t>.</a:t>
             </a:r>
             <a:endParaRPr lang="ko-KR" altLang="en-US" dirty="0">
               <a:solidFill>
@@ -9110,14 +8498,14 @@
       </p:sp>
       <p:sp>
         <p:nvSpPr>
-          <p:cNvPr id="8" name="직사각형 7"/>
+          <p:cNvPr id="7" name="직사각형 6"/>
           <p:cNvSpPr/>
           <p:nvPr/>
         </p:nvSpPr>
         <p:spPr>
           <a:xfrm>
-            <a:off x="3554930" y="5668674"/>
-            <a:ext cx="5082139" cy="736238"/>
+            <a:off x="6989154" y="2967654"/>
+            <a:ext cx="3637137" cy="901702"/>
           </a:xfrm>
           <a:prstGeom prst="rect">
             <a:avLst/>
@@ -9153,63 +8541,74 @@
           <a:p>
             <a:pPr algn="ctr"/>
             <a:r>
-              <a:rPr lang="ko-KR" altLang="en-US" dirty="0" smtClean="0">
-                <a:solidFill>
-                  <a:schemeClr val="tx1"/>
-                </a:solidFill>
-              </a:rPr>
-              <a:t>스트링</a:t>
-            </a:r>
-            <a:r>
-              <a:rPr lang="en-US" altLang="ko-KR" dirty="0" smtClean="0">
-                <a:solidFill>
-                  <a:schemeClr val="tx1"/>
-                </a:solidFill>
-              </a:rPr>
-              <a:t>, </a:t>
-            </a:r>
-            <a:r>
-              <a:rPr lang="ko-KR" altLang="en-US" dirty="0" smtClean="0">
-                <a:solidFill>
-                  <a:schemeClr val="tx1"/>
-                </a:solidFill>
-              </a:rPr>
-              <a:t>리스트</a:t>
-            </a:r>
-            <a:r>
-              <a:rPr lang="en-US" altLang="ko-KR" dirty="0" smtClean="0">
-                <a:solidFill>
-                  <a:schemeClr val="tx1"/>
-                </a:solidFill>
-              </a:rPr>
-              <a:t>, </a:t>
-            </a:r>
-            <a:r>
-              <a:rPr lang="ko-KR" altLang="en-US" dirty="0" err="1" smtClean="0">
-                <a:solidFill>
-                  <a:schemeClr val="tx1"/>
-                </a:solidFill>
-              </a:rPr>
-              <a:t>튜플</a:t>
-            </a:r>
-            <a:r>
-              <a:rPr lang="ko-KR" altLang="en-US" dirty="0" smtClean="0">
-                <a:solidFill>
-                  <a:schemeClr val="tx1"/>
-                </a:solidFill>
-              </a:rPr>
-              <a:t> 등도 </a:t>
-            </a:r>
-            <a:r>
-              <a:rPr lang="ko-KR" altLang="en-US" dirty="0" err="1" smtClean="0">
-                <a:solidFill>
-                  <a:schemeClr val="tx1"/>
-                </a:solidFill>
-              </a:rPr>
-              <a:t>비어있으면</a:t>
-            </a:r>
-            <a:r>
-              <a:rPr lang="ko-KR" altLang="en-US" dirty="0" smtClean="0">
+              <a:rPr lang="en-US" altLang="ko-KR" sz="1600" dirty="0">
+                <a:solidFill>
+                  <a:schemeClr val="tx1"/>
+                </a:solidFill>
+              </a:rPr>
+              <a:t>1</a:t>
+            </a:r>
+            <a:r>
+              <a:rPr lang="ko-KR" altLang="en-US" sz="1600" dirty="0">
+                <a:solidFill>
+                  <a:schemeClr val="tx1"/>
+                </a:solidFill>
+              </a:rPr>
+              <a:t>에서 </a:t>
+            </a:r>
+            <a:r>
+              <a:rPr lang="en-US" altLang="ko-KR" sz="1600" dirty="0">
+                <a:solidFill>
+                  <a:schemeClr val="tx1"/>
+                </a:solidFill>
+              </a:rPr>
+              <a:t>11</a:t>
+            </a:r>
+            <a:r>
+              <a:rPr lang="ko-KR" altLang="en-US" sz="1600" dirty="0">
+                <a:solidFill>
+                  <a:schemeClr val="tx1"/>
+                </a:solidFill>
+              </a:rPr>
+              <a:t>까지 순회할 때</a:t>
+            </a:r>
+            <a:r>
+              <a:rPr lang="en-US" altLang="ko-KR" sz="1600" dirty="0">
+                <a:solidFill>
+                  <a:schemeClr val="tx1"/>
+                </a:solidFill>
+              </a:rPr>
+              <a:t>,</a:t>
+            </a:r>
+          </a:p>
+          <a:p>
+            <a:pPr algn="ctr"/>
+            <a:r>
+              <a:rPr lang="ko-KR" altLang="en-US" sz="1600" dirty="0">
+                <a:solidFill>
+                  <a:schemeClr val="tx1"/>
+                </a:solidFill>
+              </a:rPr>
+              <a:t>만약 </a:t>
+            </a:r>
+            <a:r>
+              <a:rPr lang="en-US" altLang="ko-KR" sz="1600" dirty="0">
+                <a:solidFill>
+                  <a:schemeClr val="tx1"/>
+                </a:solidFill>
+              </a:rPr>
+              <a:t>‘i’</a:t>
+            </a:r>
+            <a:r>
+              <a:rPr lang="ko-KR" altLang="en-US" sz="1600" dirty="0" err="1">
+                <a:solidFill>
+                  <a:schemeClr val="tx1"/>
+                </a:solidFill>
+              </a:rPr>
+              <a:t>를</a:t>
+            </a:r>
+            <a:r>
+              <a:rPr lang="ko-KR" altLang="en-US" sz="1600" dirty="0">
                 <a:solidFill>
                   <a:schemeClr val="tx1"/>
                 </a:solidFill>
@@ -9217,44 +8616,314 @@
               <a:t> </a:t>
             </a:r>
             <a:r>
-              <a:rPr lang="en-US" altLang="ko-KR" dirty="0" smtClean="0">
-                <a:solidFill>
-                  <a:schemeClr val="tx1"/>
-                </a:solidFill>
-              </a:rPr>
-              <a:t>false</a:t>
+              <a:rPr lang="en-US" altLang="ko-KR" sz="1600" dirty="0">
+                <a:solidFill>
+                  <a:schemeClr val="tx1"/>
+                </a:solidFill>
+              </a:rPr>
+              <a:t>2</a:t>
+            </a:r>
+            <a:r>
+              <a:rPr lang="ko-KR" altLang="en-US" sz="1600" dirty="0">
+                <a:solidFill>
+                  <a:schemeClr val="tx1"/>
+                </a:solidFill>
+              </a:rPr>
+              <a:t>로 나누었을 때</a:t>
+            </a:r>
+            <a:r>
+              <a:rPr lang="en-US" altLang="ko-KR" sz="1600" dirty="0">
+                <a:solidFill>
+                  <a:schemeClr val="tx1"/>
+                </a:solidFill>
+              </a:rPr>
+              <a:t>,</a:t>
             </a:r>
           </a:p>
           <a:p>
             <a:pPr algn="ctr"/>
             <a:r>
-              <a:rPr lang="ko-KR" altLang="en-US" dirty="0" smtClean="0">
-                <a:solidFill>
-                  <a:schemeClr val="tx1"/>
-                </a:solidFill>
-              </a:rPr>
-              <a:t>하나라도 값이 있다면 </a:t>
-            </a:r>
-            <a:r>
-              <a:rPr lang="en-US" altLang="ko-KR" dirty="0" smtClean="0">
-                <a:solidFill>
-                  <a:schemeClr val="tx1"/>
-                </a:solidFill>
-              </a:rPr>
-              <a:t>true</a:t>
-            </a:r>
-            <a:endParaRPr lang="ko-KR" altLang="en-US" dirty="0">
+              <a:rPr lang="ko-KR" altLang="en-US" sz="1600" dirty="0">
+                <a:solidFill>
+                  <a:schemeClr val="tx1"/>
+                </a:solidFill>
+              </a:rPr>
+              <a:t>나머지가 있다면 값을 반환해주세요</a:t>
+            </a:r>
+          </a:p>
+        </p:txBody>
+      </p:sp>
+      <p:sp>
+        <p:nvSpPr>
+          <p:cNvPr id="8" name="직사각형 7"/>
+          <p:cNvSpPr/>
+          <p:nvPr/>
+        </p:nvSpPr>
+        <p:spPr>
+          <a:xfrm>
+            <a:off x="6989154" y="4220773"/>
+            <a:ext cx="3637137" cy="901702"/>
+          </a:xfrm>
+          <a:prstGeom prst="rect">
+            <a:avLst/>
+          </a:prstGeom>
+          <a:solidFill>
+            <a:srgbClr val="00B0F0">
+              <a:alpha val="34000"/>
+            </a:srgbClr>
+          </a:solidFill>
+          <a:ln w="38100">
+            <a:noFill/>
+          </a:ln>
+        </p:spPr>
+        <p:style>
+          <a:lnRef idx="2">
+            <a:schemeClr val="accent1">
+              <a:shade val="50000"/>
+            </a:schemeClr>
+          </a:lnRef>
+          <a:fillRef idx="1">
+            <a:schemeClr val="accent1"/>
+          </a:fillRef>
+          <a:effectRef idx="0">
+            <a:schemeClr val="accent1"/>
+          </a:effectRef>
+          <a:fontRef idx="minor">
+            <a:schemeClr val="lt1"/>
+          </a:fontRef>
+        </p:style>
+        <p:txBody>
+          <a:bodyPr rtlCol="0" anchor="ctr"/>
+          <a:lstStyle/>
+          <a:p>
+            <a:pPr algn="ctr"/>
+            <a:r>
+              <a:rPr lang="en-US" altLang="ko-KR" sz="1600" dirty="0">
+                <a:solidFill>
+                  <a:schemeClr val="tx1"/>
+                </a:solidFill>
+              </a:rPr>
+              <a:t>1</a:t>
+            </a:r>
+            <a:r>
+              <a:rPr lang="ko-KR" altLang="en-US" sz="1600" dirty="0">
+                <a:solidFill>
+                  <a:schemeClr val="tx1"/>
+                </a:solidFill>
+              </a:rPr>
+              <a:t>에서 </a:t>
+            </a:r>
+            <a:r>
+              <a:rPr lang="en-US" altLang="ko-KR" sz="1600" dirty="0">
+                <a:solidFill>
+                  <a:schemeClr val="tx1"/>
+                </a:solidFill>
+              </a:rPr>
+              <a:t>11</a:t>
+            </a:r>
+            <a:r>
+              <a:rPr lang="ko-KR" altLang="en-US" sz="1600" dirty="0">
+                <a:solidFill>
+                  <a:schemeClr val="tx1"/>
+                </a:solidFill>
+              </a:rPr>
+              <a:t>까지 순회할 때</a:t>
+            </a:r>
+            <a:endParaRPr lang="en-US" altLang="ko-KR" sz="1600" dirty="0">
               <a:solidFill>
                 <a:schemeClr val="tx1"/>
               </a:solidFill>
             </a:endParaRPr>
           </a:p>
+          <a:p>
+            <a:pPr algn="ctr"/>
+            <a:r>
+              <a:rPr lang="ko-KR" altLang="en-US" sz="1600" dirty="0">
+                <a:solidFill>
+                  <a:schemeClr val="tx1"/>
+                </a:solidFill>
+              </a:rPr>
+              <a:t>만약 </a:t>
+            </a:r>
+            <a:r>
+              <a:rPr lang="en-US" altLang="ko-KR" sz="1600" dirty="0">
+                <a:solidFill>
+                  <a:schemeClr val="tx1"/>
+                </a:solidFill>
+              </a:rPr>
+              <a:t>‘i’</a:t>
+            </a:r>
+            <a:r>
+              <a:rPr lang="ko-KR" altLang="en-US" sz="1600" dirty="0" err="1">
+                <a:solidFill>
+                  <a:schemeClr val="tx1"/>
+                </a:solidFill>
+              </a:rPr>
+              <a:t>를</a:t>
+            </a:r>
+            <a:r>
+              <a:rPr lang="ko-KR" altLang="en-US" sz="1600" dirty="0">
+                <a:solidFill>
+                  <a:schemeClr val="tx1"/>
+                </a:solidFill>
+              </a:rPr>
+              <a:t> </a:t>
+            </a:r>
+            <a:r>
+              <a:rPr lang="en-US" altLang="ko-KR" sz="1600" dirty="0">
+                <a:solidFill>
+                  <a:schemeClr val="tx1"/>
+                </a:solidFill>
+              </a:rPr>
+              <a:t>2</a:t>
+            </a:r>
+            <a:r>
+              <a:rPr lang="ko-KR" altLang="en-US" sz="1600" dirty="0">
+                <a:solidFill>
+                  <a:schemeClr val="tx1"/>
+                </a:solidFill>
+              </a:rPr>
+              <a:t>로 나누었을 때</a:t>
+            </a:r>
+            <a:endParaRPr lang="en-US" altLang="ko-KR" sz="1600" dirty="0">
+              <a:solidFill>
+                <a:schemeClr val="tx1"/>
+              </a:solidFill>
+            </a:endParaRPr>
+          </a:p>
+          <a:p>
+            <a:pPr algn="ctr"/>
+            <a:r>
+              <a:rPr lang="ko-KR" altLang="en-US" sz="1600" dirty="0">
+                <a:solidFill>
+                  <a:schemeClr val="tx1"/>
+                </a:solidFill>
+              </a:rPr>
+              <a:t>나머지가 없다면</a:t>
+            </a:r>
+            <a:r>
+              <a:rPr lang="en-US" altLang="ko-KR" sz="1600" dirty="0">
+                <a:solidFill>
+                  <a:schemeClr val="tx1"/>
+                </a:solidFill>
+              </a:rPr>
+              <a:t> </a:t>
+            </a:r>
+            <a:r>
+              <a:rPr lang="ko-KR" altLang="en-US" sz="1600" dirty="0">
+                <a:solidFill>
+                  <a:schemeClr val="tx1"/>
+                </a:solidFill>
+              </a:rPr>
+              <a:t>값을 반환해주세요</a:t>
+            </a:r>
+            <a:r>
+              <a:rPr lang="en-US" altLang="ko-KR" sz="1600" dirty="0">
+                <a:solidFill>
+                  <a:schemeClr val="tx1"/>
+                </a:solidFill>
+              </a:rPr>
+              <a:t>.</a:t>
+            </a:r>
+            <a:endParaRPr lang="ko-KR" altLang="en-US" sz="1600" dirty="0">
+              <a:solidFill>
+                <a:schemeClr val="tx1"/>
+              </a:solidFill>
+            </a:endParaRPr>
+          </a:p>
+        </p:txBody>
+      </p:sp>
+      <p:sp>
+        <p:nvSpPr>
+          <p:cNvPr id="9" name="직사각형 8"/>
+          <p:cNvSpPr/>
+          <p:nvPr/>
+        </p:nvSpPr>
+        <p:spPr>
+          <a:xfrm>
+            <a:off x="6989154" y="5473892"/>
+            <a:ext cx="3637137" cy="901702"/>
+          </a:xfrm>
+          <a:prstGeom prst="rect">
+            <a:avLst/>
+          </a:prstGeom>
+          <a:solidFill>
+            <a:srgbClr val="00B0F0">
+              <a:alpha val="34000"/>
+            </a:srgbClr>
+          </a:solidFill>
+          <a:ln w="38100">
+            <a:noFill/>
+          </a:ln>
+        </p:spPr>
+        <p:style>
+          <a:lnRef idx="2">
+            <a:schemeClr val="accent1">
+              <a:shade val="50000"/>
+            </a:schemeClr>
+          </a:lnRef>
+          <a:fillRef idx="1">
+            <a:schemeClr val="accent1"/>
+          </a:fillRef>
+          <a:effectRef idx="0">
+            <a:schemeClr val="accent1"/>
+          </a:effectRef>
+          <a:fontRef idx="minor">
+            <a:schemeClr val="lt1"/>
+          </a:fontRef>
+        </p:style>
+        <p:txBody>
+          <a:bodyPr rtlCol="0" anchor="ctr"/>
+          <a:lstStyle/>
+          <a:p>
+            <a:pPr algn="ctr"/>
+            <a:r>
+              <a:rPr lang="ko-KR" altLang="en-US" sz="1600" dirty="0">
+                <a:solidFill>
+                  <a:schemeClr val="tx1"/>
+                </a:solidFill>
+              </a:rPr>
+              <a:t>위의 방법은</a:t>
+            </a:r>
+            <a:r>
+              <a:rPr lang="en-US" altLang="ko-KR" sz="1600" dirty="0">
+                <a:solidFill>
+                  <a:schemeClr val="tx1"/>
+                </a:solidFill>
+              </a:rPr>
+              <a:t>,</a:t>
+            </a:r>
+            <a:r>
+              <a:rPr lang="ko-KR" altLang="en-US" sz="1600" dirty="0">
+                <a:solidFill>
+                  <a:schemeClr val="tx1"/>
+                </a:solidFill>
+              </a:rPr>
+              <a:t>홀수 짝수를 판별하는</a:t>
+            </a:r>
+            <a:endParaRPr lang="en-US" altLang="ko-KR" sz="1600" dirty="0">
+              <a:solidFill>
+                <a:schemeClr val="tx1"/>
+              </a:solidFill>
+            </a:endParaRPr>
+          </a:p>
+          <a:p>
+            <a:pPr algn="ctr"/>
+            <a:r>
+              <a:rPr lang="ko-KR" altLang="en-US" sz="1600" dirty="0">
+                <a:solidFill>
+                  <a:schemeClr val="tx1"/>
+                </a:solidFill>
+              </a:rPr>
+              <a:t>대표적인 방법</a:t>
+            </a:r>
+          </a:p>
         </p:txBody>
       </p:sp>
     </p:spTree>
     <p:extLst>
       <p:ext uri="{BB962C8B-B14F-4D97-AF65-F5344CB8AC3E}">
-        <p14:creationId xmlns:p14="http://schemas.microsoft.com/office/powerpoint/2010/main" val="2259280014"/>
+        <p14:creationId xmlns:p14="http://schemas.microsoft.com/office/powerpoint/2010/main" val="1214663583"/>
       </p:ext>
     </p:extLst>
   </p:cSld>
@@ -9297,8 +8966,8 @@
         </p:blipFill>
         <p:spPr>
           <a:xfrm>
-            <a:off x="1549257" y="1909550"/>
-            <a:ext cx="3010320" cy="3038899"/>
+            <a:off x="1762608" y="2895771"/>
+            <a:ext cx="3041827" cy="1066457"/>
           </a:xfrm>
           <a:prstGeom prst="rect">
             <a:avLst/>
@@ -9321,8 +8990,8 @@
         </p:blipFill>
         <p:spPr>
           <a:xfrm>
-            <a:off x="7536793" y="2950127"/>
-            <a:ext cx="2673706" cy="957746"/>
+            <a:off x="7685709" y="2614499"/>
+            <a:ext cx="3077004" cy="1629002"/>
           </a:xfrm>
           <a:prstGeom prst="rect">
             <a:avLst/>
@@ -9337,8 +9006,8 @@
         </p:nvSpPr>
         <p:spPr>
           <a:xfrm>
-            <a:off x="3054417" y="5416920"/>
-            <a:ext cx="6099209" cy="1089757"/>
+            <a:off x="3554930" y="4772028"/>
+            <a:ext cx="5082139" cy="736238"/>
           </a:xfrm>
           <a:prstGeom prst="rect">
             <a:avLst/>
@@ -9374,122 +9043,519 @@
           <a:p>
             <a:pPr algn="ctr"/>
             <a:r>
-              <a:rPr lang="ko-KR" altLang="en-US" sz="1600" dirty="0" err="1" smtClean="0">
-                <a:solidFill>
-                  <a:schemeClr val="tx1"/>
-                </a:solidFill>
-              </a:rPr>
-              <a:t>선언부의</a:t>
-            </a:r>
-            <a:r>
-              <a:rPr lang="ko-KR" altLang="en-US" sz="1600" dirty="0" smtClean="0">
-                <a:solidFill>
-                  <a:schemeClr val="tx1"/>
-                </a:solidFill>
-              </a:rPr>
-              <a:t> 인자 배치 순서에 맞춰 입력된다</a:t>
-            </a:r>
-            <a:endParaRPr lang="en-US" altLang="ko-KR" sz="1600" dirty="0" smtClean="0">
+              <a:rPr lang="ko-KR" altLang="en-US" dirty="0">
+                <a:solidFill>
+                  <a:schemeClr val="tx1"/>
+                </a:solidFill>
+              </a:rPr>
+              <a:t>정수형은 </a:t>
+            </a:r>
+            <a:r>
+              <a:rPr lang="en-US" altLang="ko-KR" dirty="0">
+                <a:solidFill>
+                  <a:schemeClr val="tx1"/>
+                </a:solidFill>
+              </a:rPr>
+              <a:t>0</a:t>
+            </a:r>
+            <a:r>
+              <a:rPr lang="ko-KR" altLang="en-US" dirty="0" err="1">
+                <a:solidFill>
+                  <a:schemeClr val="tx1"/>
+                </a:solidFill>
+              </a:rPr>
+              <a:t>일경우</a:t>
+            </a:r>
+            <a:r>
+              <a:rPr lang="ko-KR" altLang="en-US" dirty="0">
+                <a:solidFill>
+                  <a:schemeClr val="tx1"/>
+                </a:solidFill>
+              </a:rPr>
+              <a:t> </a:t>
+            </a:r>
+            <a:r>
+              <a:rPr lang="en-US" altLang="ko-KR" dirty="0">
+                <a:solidFill>
+                  <a:schemeClr val="tx1"/>
+                </a:solidFill>
+              </a:rPr>
+              <a:t>false, 0</a:t>
+            </a:r>
+            <a:r>
+              <a:rPr lang="ko-KR" altLang="en-US" dirty="0">
+                <a:solidFill>
+                  <a:schemeClr val="tx1"/>
+                </a:solidFill>
+              </a:rPr>
+              <a:t>이 아닐 경우 </a:t>
+            </a:r>
+            <a:r>
+              <a:rPr lang="en-US" altLang="ko-KR" dirty="0">
+                <a:solidFill>
+                  <a:schemeClr val="tx1"/>
+                </a:solidFill>
+              </a:rPr>
+              <a:t>true</a:t>
+            </a:r>
+            <a:endParaRPr lang="ko-KR" altLang="en-US" dirty="0">
               <a:solidFill>
                 <a:schemeClr val="tx1"/>
               </a:solidFill>
             </a:endParaRPr>
           </a:p>
+        </p:txBody>
+      </p:sp>
+      <p:sp>
+        <p:nvSpPr>
+          <p:cNvPr id="7" name="직사각형 6"/>
+          <p:cNvSpPr/>
+          <p:nvPr/>
+        </p:nvSpPr>
+        <p:spPr>
+          <a:xfrm>
+            <a:off x="851443" y="424225"/>
+            <a:ext cx="2865905" cy="736238"/>
+          </a:xfrm>
+          <a:prstGeom prst="rect">
+            <a:avLst/>
+          </a:prstGeom>
+          <a:solidFill>
+            <a:srgbClr val="00B0F0">
+              <a:alpha val="34000"/>
+            </a:srgbClr>
+          </a:solidFill>
+          <a:ln w="38100">
+            <a:noFill/>
+          </a:ln>
+        </p:spPr>
+        <p:style>
+          <a:lnRef idx="2">
+            <a:schemeClr val="accent1">
+              <a:shade val="50000"/>
+            </a:schemeClr>
+          </a:lnRef>
+          <a:fillRef idx="1">
+            <a:schemeClr val="accent1"/>
+          </a:fillRef>
+          <a:effectRef idx="0">
+            <a:schemeClr val="accent1"/>
+          </a:effectRef>
+          <a:fontRef idx="minor">
+            <a:schemeClr val="lt1"/>
+          </a:fontRef>
+        </p:style>
+        <p:txBody>
+          <a:bodyPr rtlCol="0" anchor="ctr"/>
+          <a:lstStyle/>
           <a:p>
             <a:pPr algn="ctr"/>
             <a:r>
-              <a:rPr lang="en-US" altLang="ko-KR" sz="1600" dirty="0" smtClean="0">
-                <a:solidFill>
-                  <a:schemeClr val="tx1"/>
-                </a:solidFill>
-              </a:rPr>
-              <a:t>*</a:t>
-            </a:r>
-            <a:r>
-              <a:rPr lang="ko-KR" altLang="en-US" sz="1600" dirty="0" err="1" smtClean="0">
-                <a:solidFill>
-                  <a:schemeClr val="tx1"/>
-                </a:solidFill>
-              </a:rPr>
-              <a:t>를</a:t>
-            </a:r>
-            <a:r>
-              <a:rPr lang="ko-KR" altLang="en-US" sz="1600" dirty="0" smtClean="0">
-                <a:solidFill>
-                  <a:schemeClr val="tx1"/>
-                </a:solidFill>
-              </a:rPr>
-              <a:t> 쓰면 </a:t>
-            </a:r>
-            <a:r>
-              <a:rPr lang="ko-KR" altLang="en-US" sz="1600" dirty="0" err="1" smtClean="0">
-                <a:solidFill>
-                  <a:schemeClr val="tx1"/>
-                </a:solidFill>
-              </a:rPr>
-              <a:t>입력받는</a:t>
-            </a:r>
-            <a:r>
-              <a:rPr lang="ko-KR" altLang="en-US" sz="1600" dirty="0" smtClean="0">
-                <a:solidFill>
-                  <a:schemeClr val="tx1"/>
-                </a:solidFill>
-              </a:rPr>
-              <a:t> 인자를 가변적으로 사용 가능</a:t>
-            </a:r>
-            <a:r>
-              <a:rPr lang="en-US" altLang="ko-KR" sz="1600" dirty="0" smtClean="0">
-                <a:solidFill>
-                  <a:schemeClr val="tx1"/>
-                </a:solidFill>
-              </a:rPr>
-              <a:t>.</a:t>
-            </a:r>
-          </a:p>
-          <a:p>
-            <a:pPr algn="ctr"/>
-            <a:r>
-              <a:rPr lang="en-US" altLang="ko-KR" sz="1600" dirty="0" smtClean="0">
-                <a:solidFill>
-                  <a:schemeClr val="tx1"/>
-                </a:solidFill>
-              </a:rPr>
-              <a:t>‘*’</a:t>
-            </a:r>
-            <a:r>
-              <a:rPr lang="ko-KR" altLang="en-US" sz="1600" dirty="0" smtClean="0">
-                <a:solidFill>
-                  <a:schemeClr val="tx1"/>
-                </a:solidFill>
-              </a:rPr>
-              <a:t>자체가 앞에 값이 있으면</a:t>
-            </a:r>
-            <a:r>
-              <a:rPr lang="en-US" altLang="ko-KR" sz="1600" dirty="0" smtClean="0">
-                <a:solidFill>
-                  <a:schemeClr val="tx1"/>
-                </a:solidFill>
-              </a:rPr>
-              <a:t>~ </a:t>
-            </a:r>
-            <a:r>
-              <a:rPr lang="ko-KR" altLang="en-US" sz="1600" dirty="0" smtClean="0">
-                <a:solidFill>
-                  <a:schemeClr val="tx1"/>
-                </a:solidFill>
-              </a:rPr>
-              <a:t>등으로 엑셀에서 쓰이기도 함</a:t>
-            </a:r>
-            <a:endParaRPr lang="en-US" altLang="ko-KR" sz="1600" dirty="0" smtClean="0">
+              <a:rPr lang="ko-KR" altLang="en-US" dirty="0">
+                <a:solidFill>
+                  <a:schemeClr val="tx1"/>
+                </a:solidFill>
+              </a:rPr>
+              <a:t>값에 따라 </a:t>
+            </a:r>
+            <a:r>
+              <a:rPr lang="en-US" altLang="ko-KR" dirty="0">
+                <a:solidFill>
+                  <a:schemeClr val="tx1"/>
+                </a:solidFill>
+              </a:rPr>
+              <a:t>True false?</a:t>
+            </a:r>
+            <a:endParaRPr lang="ko-KR" altLang="en-US" dirty="0">
               <a:solidFill>
                 <a:schemeClr val="tx1"/>
               </a:solidFill>
             </a:endParaRPr>
           </a:p>
+        </p:txBody>
+      </p:sp>
+      <p:sp>
+        <p:nvSpPr>
+          <p:cNvPr id="8" name="직사각형 7"/>
+          <p:cNvSpPr/>
+          <p:nvPr/>
+        </p:nvSpPr>
+        <p:spPr>
+          <a:xfrm>
+            <a:off x="3554930" y="5668674"/>
+            <a:ext cx="5082139" cy="736238"/>
+          </a:xfrm>
+          <a:prstGeom prst="rect">
+            <a:avLst/>
+          </a:prstGeom>
+          <a:solidFill>
+            <a:srgbClr val="00B0F0">
+              <a:alpha val="34000"/>
+            </a:srgbClr>
+          </a:solidFill>
+          <a:ln w="38100">
+            <a:noFill/>
+          </a:ln>
+        </p:spPr>
+        <p:style>
+          <a:lnRef idx="2">
+            <a:schemeClr val="accent1">
+              <a:shade val="50000"/>
+            </a:schemeClr>
+          </a:lnRef>
+          <a:fillRef idx="1">
+            <a:schemeClr val="accent1"/>
+          </a:fillRef>
+          <a:effectRef idx="0">
+            <a:schemeClr val="accent1"/>
+          </a:effectRef>
+          <a:fontRef idx="minor">
+            <a:schemeClr val="lt1"/>
+          </a:fontRef>
+        </p:style>
+        <p:txBody>
+          <a:bodyPr rtlCol="0" anchor="ctr"/>
+          <a:lstStyle/>
           <a:p>
             <a:pPr algn="ctr"/>
             <a:r>
-              <a:rPr lang="en-US" altLang="ko-KR" sz="1600" dirty="0" smtClean="0">
+              <a:rPr lang="ko-KR" altLang="en-US" dirty="0">
+                <a:solidFill>
+                  <a:schemeClr val="tx1"/>
+                </a:solidFill>
+              </a:rPr>
+              <a:t>스트링</a:t>
+            </a:r>
+            <a:r>
+              <a:rPr lang="en-US" altLang="ko-KR" dirty="0">
+                <a:solidFill>
+                  <a:schemeClr val="tx1"/>
+                </a:solidFill>
+              </a:rPr>
+              <a:t>, </a:t>
+            </a:r>
+            <a:r>
+              <a:rPr lang="ko-KR" altLang="en-US" dirty="0">
+                <a:solidFill>
+                  <a:schemeClr val="tx1"/>
+                </a:solidFill>
+              </a:rPr>
+              <a:t>리스트</a:t>
+            </a:r>
+            <a:r>
+              <a:rPr lang="en-US" altLang="ko-KR" dirty="0">
+                <a:solidFill>
+                  <a:schemeClr val="tx1"/>
+                </a:solidFill>
+              </a:rPr>
+              <a:t>, </a:t>
+            </a:r>
+            <a:r>
+              <a:rPr lang="ko-KR" altLang="en-US" dirty="0" err="1">
+                <a:solidFill>
+                  <a:schemeClr val="tx1"/>
+                </a:solidFill>
+              </a:rPr>
+              <a:t>튜플</a:t>
+            </a:r>
+            <a:r>
+              <a:rPr lang="ko-KR" altLang="en-US" dirty="0">
+                <a:solidFill>
+                  <a:schemeClr val="tx1"/>
+                </a:solidFill>
+              </a:rPr>
+              <a:t> 등도 </a:t>
+            </a:r>
+            <a:r>
+              <a:rPr lang="ko-KR" altLang="en-US" dirty="0" err="1">
+                <a:solidFill>
+                  <a:schemeClr val="tx1"/>
+                </a:solidFill>
+              </a:rPr>
+              <a:t>비어있으면</a:t>
+            </a:r>
+            <a:r>
+              <a:rPr lang="ko-KR" altLang="en-US" dirty="0">
+                <a:solidFill>
+                  <a:schemeClr val="tx1"/>
+                </a:solidFill>
+              </a:rPr>
+              <a:t> </a:t>
+            </a:r>
+            <a:r>
+              <a:rPr lang="en-US" altLang="ko-KR" dirty="0">
+                <a:solidFill>
+                  <a:schemeClr val="tx1"/>
+                </a:solidFill>
+              </a:rPr>
+              <a:t>false</a:t>
+            </a:r>
+          </a:p>
+          <a:p>
+            <a:pPr algn="ctr"/>
+            <a:r>
+              <a:rPr lang="ko-KR" altLang="en-US" dirty="0">
+                <a:solidFill>
+                  <a:schemeClr val="tx1"/>
+                </a:solidFill>
+              </a:rPr>
+              <a:t>하나라도 값이 있다면 </a:t>
+            </a:r>
+            <a:r>
+              <a:rPr lang="en-US" altLang="ko-KR" dirty="0">
+                <a:solidFill>
+                  <a:schemeClr val="tx1"/>
+                </a:solidFill>
+              </a:rPr>
+              <a:t>true</a:t>
+            </a:r>
+            <a:endParaRPr lang="ko-KR" altLang="en-US" dirty="0">
+              <a:solidFill>
+                <a:schemeClr val="tx1"/>
+              </a:solidFill>
+            </a:endParaRPr>
+          </a:p>
+        </p:txBody>
+      </p:sp>
+    </p:spTree>
+    <p:extLst>
+      <p:ext uri="{BB962C8B-B14F-4D97-AF65-F5344CB8AC3E}">
+        <p14:creationId xmlns:p14="http://schemas.microsoft.com/office/powerpoint/2010/main" val="2259280014"/>
+      </p:ext>
+    </p:extLst>
+  </p:cSld>
+  <p:clrMapOvr>
+    <a:masterClrMapping/>
+  </p:clrMapOvr>
+</p:sld>
+</file>
+
+<file path=ppt/slides/slide28.xml><?xml version="1.0" encoding="utf-8"?>
+<p:sld xmlns:a="http://schemas.openxmlformats.org/drawingml/2006/main" xmlns:r="http://schemas.openxmlformats.org/officeDocument/2006/relationships" xmlns:p="http://schemas.openxmlformats.org/presentationml/2006/main">
+  <p:cSld>
+    <p:spTree>
+      <p:nvGrpSpPr>
+        <p:cNvPr id="1" name=""/>
+        <p:cNvGrpSpPr/>
+        <p:nvPr/>
+      </p:nvGrpSpPr>
+      <p:grpSpPr>
+        <a:xfrm>
+          <a:off x="0" y="0"/>
+          <a:ext cx="0" cy="0"/>
+          <a:chOff x="0" y="0"/>
+          <a:chExt cx="0" cy="0"/>
+        </a:xfrm>
+      </p:grpSpPr>
+      <p:pic>
+        <p:nvPicPr>
+          <p:cNvPr id="4" name="그림 3"/>
+          <p:cNvPicPr>
+            <a:picLocks noChangeAspect="1"/>
+          </p:cNvPicPr>
+          <p:nvPr/>
+        </p:nvPicPr>
+        <p:blipFill>
+          <a:blip r:embed="rId2"/>
+          <a:stretch>
+            <a:fillRect/>
+          </a:stretch>
+        </p:blipFill>
+        <p:spPr>
+          <a:xfrm>
+            <a:off x="1549257" y="1909550"/>
+            <a:ext cx="3010320" cy="3038899"/>
+          </a:xfrm>
+          <a:prstGeom prst="rect">
+            <a:avLst/>
+          </a:prstGeom>
+        </p:spPr>
+      </p:pic>
+      <p:pic>
+        <p:nvPicPr>
+          <p:cNvPr id="5" name="그림 4"/>
+          <p:cNvPicPr>
+            <a:picLocks noChangeAspect="1"/>
+          </p:cNvPicPr>
+          <p:nvPr/>
+        </p:nvPicPr>
+        <p:blipFill>
+          <a:blip r:embed="rId3"/>
+          <a:stretch>
+            <a:fillRect/>
+          </a:stretch>
+        </p:blipFill>
+        <p:spPr>
+          <a:xfrm>
+            <a:off x="7536793" y="2950127"/>
+            <a:ext cx="2673706" cy="957746"/>
+          </a:xfrm>
+          <a:prstGeom prst="rect">
+            <a:avLst/>
+          </a:prstGeom>
+        </p:spPr>
+      </p:pic>
+      <p:sp>
+        <p:nvSpPr>
+          <p:cNvPr id="6" name="직사각형 5"/>
+          <p:cNvSpPr/>
+          <p:nvPr/>
+        </p:nvSpPr>
+        <p:spPr>
+          <a:xfrm>
+            <a:off x="3054417" y="5416920"/>
+            <a:ext cx="6099209" cy="1089757"/>
+          </a:xfrm>
+          <a:prstGeom prst="rect">
+            <a:avLst/>
+          </a:prstGeom>
+          <a:solidFill>
+            <a:srgbClr val="00B0F0">
+              <a:alpha val="34000"/>
+            </a:srgbClr>
+          </a:solidFill>
+          <a:ln w="38100">
+            <a:noFill/>
+          </a:ln>
+        </p:spPr>
+        <p:style>
+          <a:lnRef idx="2">
+            <a:schemeClr val="accent1">
+              <a:shade val="50000"/>
+            </a:schemeClr>
+          </a:lnRef>
+          <a:fillRef idx="1">
+            <a:schemeClr val="accent1"/>
+          </a:fillRef>
+          <a:effectRef idx="0">
+            <a:schemeClr val="accent1"/>
+          </a:effectRef>
+          <a:fontRef idx="minor">
+            <a:schemeClr val="lt1"/>
+          </a:fontRef>
+        </p:style>
+        <p:txBody>
+          <a:bodyPr rtlCol="0" anchor="ctr"/>
+          <a:lstStyle/>
+          <a:p>
+            <a:pPr algn="ctr"/>
+            <a:r>
+              <a:rPr lang="ko-KR" altLang="en-US" sz="1600" dirty="0" err="1">
+                <a:solidFill>
+                  <a:schemeClr val="tx1"/>
+                </a:solidFill>
+              </a:rPr>
+              <a:t>선언부의</a:t>
+            </a:r>
+            <a:r>
+              <a:rPr lang="ko-KR" altLang="en-US" sz="1600" dirty="0">
+                <a:solidFill>
+                  <a:schemeClr val="tx1"/>
+                </a:solidFill>
+              </a:rPr>
+              <a:t> 인자 배치 순서에 맞춰 입력된다</a:t>
+            </a:r>
+            <a:endParaRPr lang="en-US" altLang="ko-KR" sz="1600" dirty="0">
+              <a:solidFill>
+                <a:schemeClr val="tx1"/>
+              </a:solidFill>
+            </a:endParaRPr>
+          </a:p>
+          <a:p>
+            <a:pPr algn="ctr"/>
+            <a:r>
+              <a:rPr lang="en-US" altLang="ko-KR" sz="1600" dirty="0">
+                <a:solidFill>
+                  <a:schemeClr val="tx1"/>
+                </a:solidFill>
+              </a:rPr>
+              <a:t>*</a:t>
+            </a:r>
+            <a:r>
+              <a:rPr lang="ko-KR" altLang="en-US" sz="1600" dirty="0" err="1">
+                <a:solidFill>
+                  <a:schemeClr val="tx1"/>
+                </a:solidFill>
+              </a:rPr>
+              <a:t>를</a:t>
+            </a:r>
+            <a:r>
+              <a:rPr lang="ko-KR" altLang="en-US" sz="1600" dirty="0">
+                <a:solidFill>
+                  <a:schemeClr val="tx1"/>
+                </a:solidFill>
+              </a:rPr>
+              <a:t> 쓰면 </a:t>
+            </a:r>
+            <a:r>
+              <a:rPr lang="ko-KR" altLang="en-US" sz="1600" dirty="0" err="1">
+                <a:solidFill>
+                  <a:schemeClr val="tx1"/>
+                </a:solidFill>
+              </a:rPr>
+              <a:t>입력받는</a:t>
+            </a:r>
+            <a:r>
+              <a:rPr lang="ko-KR" altLang="en-US" sz="1600" dirty="0">
+                <a:solidFill>
+                  <a:schemeClr val="tx1"/>
+                </a:solidFill>
+              </a:rPr>
+              <a:t> 인자를 가변적으로 사용 가능</a:t>
+            </a:r>
+            <a:r>
+              <a:rPr lang="en-US" altLang="ko-KR" sz="1600" dirty="0">
+                <a:solidFill>
+                  <a:schemeClr val="tx1"/>
+                </a:solidFill>
+              </a:rPr>
+              <a:t>.</a:t>
+            </a:r>
+          </a:p>
+          <a:p>
+            <a:pPr algn="ctr"/>
+            <a:r>
+              <a:rPr lang="en-US" altLang="ko-KR" sz="1600" dirty="0">
+                <a:solidFill>
+                  <a:schemeClr val="tx1"/>
+                </a:solidFill>
+              </a:rPr>
+              <a:t>‘*’</a:t>
+            </a:r>
+            <a:r>
+              <a:rPr lang="ko-KR" altLang="en-US" sz="1600" dirty="0">
+                <a:solidFill>
+                  <a:schemeClr val="tx1"/>
+                </a:solidFill>
+              </a:rPr>
+              <a:t>자체가 앞에 값이 있으면</a:t>
+            </a:r>
+            <a:r>
+              <a:rPr lang="en-US" altLang="ko-KR" sz="1600" dirty="0">
+                <a:solidFill>
+                  <a:schemeClr val="tx1"/>
+                </a:solidFill>
+              </a:rPr>
+              <a:t>~ </a:t>
+            </a:r>
+            <a:r>
+              <a:rPr lang="ko-KR" altLang="en-US" sz="1600" dirty="0">
+                <a:solidFill>
+                  <a:schemeClr val="tx1"/>
+                </a:solidFill>
+              </a:rPr>
+              <a:t>등으로 엑셀에서 쓰이기도 함</a:t>
+            </a:r>
+            <a:endParaRPr lang="en-US" altLang="ko-KR" sz="1600" dirty="0">
+              <a:solidFill>
+                <a:schemeClr val="tx1"/>
+              </a:solidFill>
+            </a:endParaRPr>
+          </a:p>
+          <a:p>
+            <a:pPr algn="ctr"/>
+            <a:r>
+              <a:rPr lang="en-US" altLang="ko-KR" sz="1600" dirty="0">
                 <a:solidFill>
                   <a:schemeClr val="tx1"/>
                 </a:solidFill>
@@ -9497,7 +9563,7 @@
               <a:t>(</a:t>
             </a:r>
             <a:r>
-              <a:rPr lang="ko-KR" altLang="en-US" sz="1600" dirty="0" smtClean="0">
+              <a:rPr lang="ko-KR" altLang="en-US" sz="1600" dirty="0">
                 <a:solidFill>
                   <a:schemeClr val="tx1"/>
                 </a:solidFill>
@@ -9505,7 +9571,7 @@
               <a:t>모두 바꾸기 등에서 유용하다</a:t>
             </a:r>
             <a:r>
-              <a:rPr lang="en-US" altLang="ko-KR" sz="1600" dirty="0" smtClean="0">
+              <a:rPr lang="en-US" altLang="ko-KR" sz="1600" dirty="0">
                 <a:solidFill>
                   <a:schemeClr val="tx1"/>
                 </a:solidFill>
@@ -9619,7 +9685,7 @@
           <a:p>
             <a:pPr algn="ctr"/>
             <a:r>
-              <a:rPr lang="ko-KR" altLang="en-US" dirty="0" smtClean="0">
+              <a:rPr lang="ko-KR" altLang="en-US" dirty="0">
                 <a:solidFill>
                   <a:schemeClr val="tx1"/>
                 </a:solidFill>
@@ -9627,14 +9693,14 @@
               <a:t>메모리에서 직접 </a:t>
             </a:r>
             <a:r>
-              <a:rPr lang="ko-KR" altLang="en-US" dirty="0" err="1" smtClean="0">
+              <a:rPr lang="ko-KR" altLang="en-US" dirty="0" err="1">
                 <a:solidFill>
                   <a:schemeClr val="tx1"/>
                 </a:solidFill>
               </a:rPr>
               <a:t>받아옴</a:t>
             </a:r>
-            <a:endParaRPr lang="en-US" altLang="ko-KR" dirty="0" smtClean="0">
+            <a:endParaRPr lang="en-US" altLang="ko-KR" dirty="0">
               <a:solidFill>
                 <a:schemeClr val="tx1"/>
               </a:solidFill>
@@ -9687,7 +9753,7 @@
           <a:p>
             <a:pPr algn="ctr"/>
             <a:r>
-              <a:rPr lang="en-US" altLang="ko-KR" dirty="0" smtClean="0">
+              <a:rPr lang="en-US" altLang="ko-KR" dirty="0">
                 <a:solidFill>
                   <a:schemeClr val="tx1"/>
                 </a:solidFill>
@@ -9748,7 +9814,7 @@
           <a:p>
             <a:pPr algn="ctr"/>
             <a:r>
-              <a:rPr lang="ko-KR" altLang="en-US" dirty="0" smtClean="0">
+              <a:rPr lang="ko-KR" altLang="en-US" dirty="0">
                 <a:solidFill>
                   <a:schemeClr val="tx1"/>
                 </a:solidFill>
@@ -9756,14 +9822,14 @@
               <a:t>간접적으로 클래스를 통해서 값을 </a:t>
             </a:r>
             <a:r>
-              <a:rPr lang="ko-KR" altLang="en-US" dirty="0" err="1" smtClean="0">
+              <a:rPr lang="ko-KR" altLang="en-US" dirty="0" err="1">
                 <a:solidFill>
                   <a:schemeClr val="tx1"/>
                 </a:solidFill>
               </a:rPr>
               <a:t>받아옴</a:t>
             </a:r>
-            <a:endParaRPr lang="en-US" altLang="ko-KR" dirty="0" smtClean="0">
+            <a:endParaRPr lang="en-US" altLang="ko-KR" dirty="0">
               <a:solidFill>
                 <a:schemeClr val="tx1"/>
               </a:solidFill>
@@ -9772,7 +9838,7 @@
           <a:p>
             <a:pPr algn="ctr"/>
             <a:r>
-              <a:rPr lang="en-US" altLang="ko-KR" dirty="0" smtClean="0">
+              <a:rPr lang="en-US" altLang="ko-KR" dirty="0">
                 <a:solidFill>
                   <a:schemeClr val="tx1"/>
                 </a:solidFill>
@@ -9780,7 +9846,7 @@
               <a:t>(</a:t>
             </a:r>
             <a:r>
-              <a:rPr lang="ko-KR" altLang="en-US" dirty="0" smtClean="0">
+              <a:rPr lang="ko-KR" altLang="en-US" dirty="0">
                 <a:solidFill>
                   <a:schemeClr val="tx1"/>
                 </a:solidFill>
@@ -9788,7 +9854,7 @@
               <a:t>직접 액세스가 아니니 느릴 수밖에 없음</a:t>
             </a:r>
             <a:r>
-              <a:rPr lang="en-US" altLang="ko-KR" dirty="0" smtClean="0">
+              <a:rPr lang="en-US" altLang="ko-KR" dirty="0">
                 <a:solidFill>
                   <a:schemeClr val="tx1"/>
                 </a:solidFill>
@@ -9849,7 +9915,7 @@
           <a:p>
             <a:pPr algn="ctr"/>
             <a:r>
-              <a:rPr lang="en-US" altLang="ko-KR" dirty="0" smtClean="0">
+              <a:rPr lang="en-US" altLang="ko-KR" dirty="0">
                 <a:solidFill>
                   <a:schemeClr val="tx1"/>
                 </a:solidFill>
@@ -9939,7 +10005,7 @@
           <a:p>
             <a:pPr algn="ctr"/>
             <a:r>
-              <a:rPr lang="ko-KR" altLang="en-US" dirty="0" err="1" smtClean="0">
+              <a:rPr lang="ko-KR" altLang="en-US" dirty="0" err="1">
                 <a:solidFill>
                   <a:schemeClr val="tx1"/>
                 </a:solidFill>
@@ -9947,7 +10013,7 @@
               <a:t>파이썬은</a:t>
             </a:r>
             <a:r>
-              <a:rPr lang="ko-KR" altLang="en-US" dirty="0" smtClean="0">
+              <a:rPr lang="ko-KR" altLang="en-US" dirty="0">
                 <a:solidFill>
                   <a:schemeClr val="tx1"/>
                 </a:solidFill>
@@ -9955,7 +10021,7 @@
               <a:t> 모든 </a:t>
             </a:r>
             <a:r>
-              <a:rPr lang="ko-KR" altLang="en-US" dirty="0" err="1" smtClean="0">
+              <a:rPr lang="ko-KR" altLang="en-US" dirty="0" err="1">
                 <a:solidFill>
                   <a:schemeClr val="tx1"/>
                 </a:solidFill>
@@ -9963,18 +10029,13 @@
               <a:t>자료형이</a:t>
             </a:r>
             <a:r>
-              <a:rPr lang="ko-KR" altLang="en-US" dirty="0" smtClean="0">
+              <a:rPr lang="ko-KR" altLang="en-US" dirty="0">
                 <a:solidFill>
                   <a:schemeClr val="tx1"/>
                 </a:solidFill>
               </a:rPr>
               <a:t> 레퍼런스 타입</a:t>
             </a:r>
-            <a:endParaRPr lang="ko-KR" altLang="en-US" dirty="0">
-              <a:solidFill>
-                <a:schemeClr val="tx1"/>
-              </a:solidFill>
-            </a:endParaRPr>
           </a:p>
         </p:txBody>
       </p:sp>
@@ -10118,7 +10179,7 @@
           <a:p>
             <a:pPr algn="ctr"/>
             <a:r>
-              <a:rPr lang="en-US" altLang="ko-KR" dirty="0" smtClean="0">
+              <a:rPr lang="en-US" altLang="ko-KR" dirty="0">
                 <a:solidFill>
                   <a:schemeClr val="tx1"/>
                 </a:solidFill>
@@ -10279,7 +10340,7 @@
           <a:p>
             <a:pPr algn="ctr"/>
             <a:r>
-              <a:rPr lang="ko-KR" altLang="en-US" dirty="0" smtClean="0">
+              <a:rPr lang="ko-KR" altLang="en-US" dirty="0">
                 <a:solidFill>
                   <a:schemeClr val="tx1"/>
                 </a:solidFill>
@@ -10287,7 +10348,7 @@
               <a:t>느림</a:t>
             </a:r>
             <a:r>
-              <a:rPr lang="en-US" altLang="ko-KR" dirty="0" smtClean="0">
+              <a:rPr lang="en-US" altLang="ko-KR" dirty="0">
                 <a:solidFill>
                   <a:schemeClr val="tx1"/>
                 </a:solidFill>
@@ -10295,7 +10356,7 @@
               <a:t>. </a:t>
             </a:r>
             <a:r>
-              <a:rPr lang="ko-KR" altLang="en-US" dirty="0" err="1" smtClean="0">
+              <a:rPr lang="ko-KR" altLang="en-US" dirty="0" err="1">
                 <a:solidFill>
                   <a:schemeClr val="tx1"/>
                 </a:solidFill>
@@ -10303,7 +10364,7 @@
               <a:t>암튼</a:t>
             </a:r>
             <a:r>
-              <a:rPr lang="ko-KR" altLang="en-US" dirty="0" smtClean="0">
+              <a:rPr lang="ko-KR" altLang="en-US" dirty="0">
                 <a:solidFill>
                   <a:schemeClr val="tx1"/>
                 </a:solidFill>
@@ -10311,7 +10372,7 @@
               <a:t> 느림</a:t>
             </a:r>
             <a:r>
-              <a:rPr lang="en-US" altLang="ko-KR" dirty="0" smtClean="0">
+              <a:rPr lang="en-US" altLang="ko-KR" dirty="0">
                 <a:solidFill>
                   <a:schemeClr val="tx1"/>
                 </a:solidFill>
@@ -10399,7 +10460,13 @@
       </p:grpSpPr>
       <p:sp>
         <p:nvSpPr>
-          <p:cNvPr id="4" name="직사각형 3"/>
+          <p:cNvPr id="4" name="직사각형 3">
+            <a:extLst>
+              <a:ext uri="{FF2B5EF4-FFF2-40B4-BE49-F238E27FC236}">
+                <a16:creationId xmlns:a16="http://schemas.microsoft.com/office/drawing/2014/main" id="{2F0C0D83-8B1F-FDD9-2F63-7176EB6C823F}"/>
+              </a:ext>
+            </a:extLst>
+          </p:cNvPr>
           <p:cNvSpPr/>
           <p:nvPr/>
         </p:nvSpPr>
@@ -10442,136 +10509,75 @@
           <a:p>
             <a:pPr algn="ctr"/>
             <a:r>
-              <a:rPr lang="ko-KR" altLang="en-US" dirty="0" smtClean="0">
-                <a:solidFill>
-                  <a:schemeClr val="tx1"/>
-                </a:solidFill>
-              </a:rPr>
-              <a:t>숫자</a:t>
-            </a:r>
-            <a:endParaRPr lang="ko-KR" altLang="en-US" dirty="0">
-              <a:solidFill>
-                <a:schemeClr val="tx1"/>
-              </a:solidFill>
-            </a:endParaRPr>
+              <a:rPr lang="ko-KR" altLang="en-US" dirty="0" err="1">
+                <a:solidFill>
+                  <a:schemeClr val="tx1"/>
+                </a:solidFill>
+              </a:rPr>
+              <a:t>파이썬의</a:t>
+            </a:r>
+            <a:r>
+              <a:rPr lang="ko-KR" altLang="en-US" dirty="0">
+                <a:solidFill>
+                  <a:schemeClr val="tx1"/>
+                </a:solidFill>
+              </a:rPr>
+              <a:t> 자료형</a:t>
+            </a:r>
           </a:p>
         </p:txBody>
       </p:sp>
       <p:pic>
         <p:nvPicPr>
-          <p:cNvPr id="6" name="그림 5"/>
+          <p:cNvPr id="1028" name="Picture 4" descr="Python Data Types – PYnative">
+            <a:extLst>
+              <a:ext uri="{FF2B5EF4-FFF2-40B4-BE49-F238E27FC236}">
+                <a16:creationId xmlns:a16="http://schemas.microsoft.com/office/drawing/2014/main" id="{4A092705-CCD8-9293-EB86-6EC570503CA5}"/>
+              </a:ext>
+            </a:extLst>
+          </p:cNvPr>
           <p:cNvPicPr>
-            <a:picLocks noChangeAspect="1"/>
+            <a:picLocks noChangeAspect="1" noChangeArrowheads="1"/>
           </p:cNvPicPr>
           <p:nvPr/>
         </p:nvPicPr>
         <p:blipFill>
-          <a:blip r:embed="rId2"/>
+          <a:blip r:embed="rId2">
+            <a:extLst>
+              <a:ext uri="{28A0092B-C50C-407E-A947-70E740481C1C}">
+                <a14:useLocalDpi xmlns:a14="http://schemas.microsoft.com/office/drawing/2010/main" val="0"/>
+              </a:ext>
+            </a:extLst>
+          </a:blip>
+          <a:srcRect/>
           <a:stretch>
             <a:fillRect/>
           </a:stretch>
         </p:blipFill>
-        <p:spPr>
-          <a:xfrm>
-            <a:off x="6872861" y="792344"/>
-            <a:ext cx="3797923" cy="5254832"/>
+        <p:spPr bwMode="auto">
+          <a:xfrm>
+            <a:off x="3152775" y="1160463"/>
+            <a:ext cx="5886450" cy="5133975"/>
           </a:xfrm>
           <a:prstGeom prst="rect">
             <a:avLst/>
           </a:prstGeom>
+          <a:noFill/>
+          <a:extLst>
+            <a:ext uri="{909E8E84-426E-40DD-AFC4-6F175D3DCCD1}">
+              <a14:hiddenFill xmlns:a14="http://schemas.microsoft.com/office/drawing/2010/main">
+                <a:solidFill>
+                  <a:srgbClr val="FFFFFF"/>
+                </a:solidFill>
+              </a14:hiddenFill>
+            </a:ext>
+          </a:extLst>
         </p:spPr>
       </p:pic>
-      <p:sp>
-        <p:nvSpPr>
-          <p:cNvPr id="7" name="직사각형 6"/>
-          <p:cNvSpPr/>
-          <p:nvPr/>
-        </p:nvSpPr>
-        <p:spPr>
-          <a:xfrm>
-            <a:off x="851443" y="3051641"/>
-            <a:ext cx="2865905" cy="736238"/>
-          </a:xfrm>
-          <a:prstGeom prst="rect">
-            <a:avLst/>
-          </a:prstGeom>
-          <a:solidFill>
-            <a:srgbClr val="00B0F0">
-              <a:alpha val="34000"/>
-            </a:srgbClr>
-          </a:solidFill>
-          <a:ln w="38100">
-            <a:noFill/>
-          </a:ln>
-        </p:spPr>
-        <p:style>
-          <a:lnRef idx="2">
-            <a:schemeClr val="accent1">
-              <a:shade val="50000"/>
-            </a:schemeClr>
-          </a:lnRef>
-          <a:fillRef idx="1">
-            <a:schemeClr val="accent1"/>
-          </a:fillRef>
-          <a:effectRef idx="0">
-            <a:schemeClr val="accent1"/>
-          </a:effectRef>
-          <a:fontRef idx="minor">
-            <a:schemeClr val="lt1"/>
-          </a:fontRef>
-        </p:style>
-        <p:txBody>
-          <a:bodyPr rtlCol="0" anchor="ctr"/>
-          <a:lstStyle/>
-          <a:p>
-            <a:pPr algn="ctr"/>
-            <a:r>
-              <a:rPr lang="en-US" altLang="ko-KR" dirty="0" smtClean="0">
-                <a:solidFill>
-                  <a:schemeClr val="tx1"/>
-                </a:solidFill>
-              </a:rPr>
-              <a:t>Float? Int?</a:t>
-            </a:r>
-          </a:p>
-          <a:p>
-            <a:pPr algn="ctr"/>
-            <a:r>
-              <a:rPr lang="ko-KR" altLang="en-US" dirty="0" err="1" smtClean="0">
-                <a:solidFill>
-                  <a:schemeClr val="tx1"/>
-                </a:solidFill>
-              </a:rPr>
-              <a:t>안적어도</a:t>
-            </a:r>
-            <a:r>
-              <a:rPr lang="ko-KR" altLang="en-US" dirty="0" smtClean="0">
-                <a:solidFill>
-                  <a:schemeClr val="tx1"/>
-                </a:solidFill>
-              </a:rPr>
-              <a:t> 되어요</a:t>
-            </a:r>
-            <a:r>
-              <a:rPr lang="en-US" altLang="ko-KR" dirty="0" smtClean="0">
-                <a:solidFill>
-                  <a:schemeClr val="tx1"/>
-                </a:solidFill>
-              </a:rPr>
-              <a:t>~</a:t>
-            </a:r>
-            <a:endParaRPr lang="ko-KR" altLang="en-US" dirty="0">
-              <a:solidFill>
-                <a:schemeClr val="tx1"/>
-              </a:solidFill>
-            </a:endParaRPr>
-          </a:p>
-        </p:txBody>
-      </p:sp>
     </p:spTree>
     <p:extLst>
       <p:ext uri="{BB962C8B-B14F-4D97-AF65-F5344CB8AC3E}">
-        <p14:creationId xmlns:p14="http://schemas.microsoft.com/office/powerpoint/2010/main" val="1478571941"/>
+        <p14:creationId xmlns:p14="http://schemas.microsoft.com/office/powerpoint/2010/main" val="4219607641"/>
       </p:ext>
     </p:extLst>
   </p:cSld>
@@ -10598,9 +10604,64 @@
           <a:chExt cx="0" cy="0"/>
         </a:xfrm>
       </p:grpSpPr>
+      <p:sp>
+        <p:nvSpPr>
+          <p:cNvPr id="4" name="직사각형 3"/>
+          <p:cNvSpPr/>
+          <p:nvPr/>
+        </p:nvSpPr>
+        <p:spPr>
+          <a:xfrm>
+            <a:off x="851443" y="424225"/>
+            <a:ext cx="2865905" cy="736238"/>
+          </a:xfrm>
+          <a:prstGeom prst="rect">
+            <a:avLst/>
+          </a:prstGeom>
+          <a:solidFill>
+            <a:srgbClr val="00B0F0">
+              <a:alpha val="34000"/>
+            </a:srgbClr>
+          </a:solidFill>
+          <a:ln w="38100">
+            <a:noFill/>
+          </a:ln>
+        </p:spPr>
+        <p:style>
+          <a:lnRef idx="2">
+            <a:schemeClr val="accent1">
+              <a:shade val="50000"/>
+            </a:schemeClr>
+          </a:lnRef>
+          <a:fillRef idx="1">
+            <a:schemeClr val="accent1"/>
+          </a:fillRef>
+          <a:effectRef idx="0">
+            <a:schemeClr val="accent1"/>
+          </a:effectRef>
+          <a:fontRef idx="minor">
+            <a:schemeClr val="lt1"/>
+          </a:fontRef>
+        </p:style>
+        <p:txBody>
+          <a:bodyPr rtlCol="0" anchor="ctr"/>
+          <a:lstStyle/>
+          <a:p>
+            <a:pPr algn="ctr"/>
+            <a:r>
+              <a:rPr lang="ko-KR" altLang="en-US" dirty="0">
+                <a:solidFill>
+                  <a:schemeClr val="tx1"/>
+                </a:solidFill>
+              </a:rPr>
+              <a:t>숫자</a:t>
+            </a:r>
+          </a:p>
+        </p:txBody>
+      </p:sp>
       <p:pic>
         <p:nvPicPr>
-          <p:cNvPr id="4" name="그림 3"/>
+          <p:cNvPr id="6" name="그림 5"/>
           <p:cNvPicPr>
             <a:picLocks noChangeAspect="1"/>
           </p:cNvPicPr>
@@ -10614,47 +10675,23 @@
         </p:blipFill>
         <p:spPr>
           <a:xfrm>
-            <a:off x="3557233" y="2762157"/>
-            <a:ext cx="5077534" cy="1333686"/>
+            <a:off x="6872861" y="792344"/>
+            <a:ext cx="3797923" cy="5254832"/>
           </a:xfrm>
           <a:prstGeom prst="rect">
             <a:avLst/>
           </a:prstGeom>
         </p:spPr>
       </p:pic>
-      <p:pic>
-        <p:nvPicPr>
-          <p:cNvPr id="5" name="그림 4"/>
-          <p:cNvPicPr>
-            <a:picLocks noChangeAspect="1"/>
-          </p:cNvPicPr>
-          <p:nvPr/>
-        </p:nvPicPr>
-        <p:blipFill>
-          <a:blip r:embed="rId3"/>
-          <a:stretch>
-            <a:fillRect/>
-          </a:stretch>
-        </p:blipFill>
-        <p:spPr>
-          <a:xfrm>
-            <a:off x="2037783" y="4557630"/>
-            <a:ext cx="8116433" cy="476316"/>
-          </a:xfrm>
-          <a:prstGeom prst="rect">
-            <a:avLst/>
-          </a:prstGeom>
-        </p:spPr>
-      </p:pic>
-      <p:sp>
-        <p:nvSpPr>
-          <p:cNvPr id="6" name="직사각형 5"/>
+      <p:sp>
+        <p:nvSpPr>
+          <p:cNvPr id="7" name="직사각형 6"/>
           <p:cNvSpPr/>
           <p:nvPr/>
         </p:nvSpPr>
         <p:spPr>
           <a:xfrm>
-            <a:off x="851443" y="424225"/>
+            <a:off x="851443" y="3051641"/>
             <a:ext cx="2865905" cy="736238"/>
           </a:xfrm>
           <a:prstGeom prst="rect">
@@ -10691,12 +10728,39 @@
           <a:p>
             <a:pPr algn="ctr"/>
             <a:r>
-              <a:rPr lang="ko-KR" altLang="en-US" dirty="0" smtClean="0">
-                <a:solidFill>
-                  <a:schemeClr val="tx1"/>
-                </a:solidFill>
-              </a:rPr>
-              <a:t>문자열</a:t>
+              <a:rPr lang="en-US" altLang="ko-KR" dirty="0">
+                <a:solidFill>
+                  <a:schemeClr val="tx1"/>
+                </a:solidFill>
+              </a:rPr>
+              <a:t>Float? Int?</a:t>
+            </a:r>
+          </a:p>
+          <a:p>
+            <a:pPr algn="ctr"/>
+            <a:r>
+              <a:rPr lang="ko-KR" altLang="en-US" dirty="0" err="1">
+                <a:solidFill>
+                  <a:schemeClr val="tx1"/>
+                </a:solidFill>
+              </a:rPr>
+              <a:t>안적어도</a:t>
+            </a:r>
+            <a:r>
+              <a:rPr lang="ko-KR" altLang="en-US" dirty="0">
+                <a:solidFill>
+                  <a:schemeClr val="tx1"/>
+                </a:solidFill>
+              </a:rPr>
+              <a:t> 되어요</a:t>
+            </a:r>
+            <a:r>
+              <a:rPr lang="en-US" altLang="ko-KR" dirty="0">
+                <a:solidFill>
+                  <a:schemeClr val="tx1"/>
+                </a:solidFill>
+              </a:rPr>
+              <a:t>~</a:t>
             </a:r>
             <a:endParaRPr lang="ko-KR" altLang="en-US" dirty="0">
               <a:solidFill>
@@ -10706,118 +10770,10 @@
           </a:p>
         </p:txBody>
       </p:sp>
-      <p:sp>
-        <p:nvSpPr>
-          <p:cNvPr id="7" name="직사각형 6"/>
-          <p:cNvSpPr/>
-          <p:nvPr/>
-        </p:nvSpPr>
-        <p:spPr>
-          <a:xfrm>
-            <a:off x="3557233" y="5602335"/>
-            <a:ext cx="4788962" cy="736238"/>
-          </a:xfrm>
-          <a:prstGeom prst="rect">
-            <a:avLst/>
-          </a:prstGeom>
-          <a:solidFill>
-            <a:srgbClr val="00B0F0">
-              <a:alpha val="34000"/>
-            </a:srgbClr>
-          </a:solidFill>
-          <a:ln w="38100">
-            <a:noFill/>
-          </a:ln>
-        </p:spPr>
-        <p:style>
-          <a:lnRef idx="2">
-            <a:schemeClr val="accent1">
-              <a:shade val="50000"/>
-            </a:schemeClr>
-          </a:lnRef>
-          <a:fillRef idx="1">
-            <a:schemeClr val="accent1"/>
-          </a:fillRef>
-          <a:effectRef idx="0">
-            <a:schemeClr val="accent1"/>
-          </a:effectRef>
-          <a:fontRef idx="minor">
-            <a:schemeClr val="lt1"/>
-          </a:fontRef>
-        </p:style>
-        <p:txBody>
-          <a:bodyPr rtlCol="0" anchor="ctr"/>
-          <a:lstStyle/>
-          <a:p>
-            <a:pPr algn="ctr"/>
-            <a:r>
-              <a:rPr lang="en-US" altLang="ko-KR" dirty="0" smtClean="0">
-                <a:solidFill>
-                  <a:schemeClr val="tx1"/>
-                </a:solidFill>
-              </a:rPr>
-              <a:t>“</a:t>
-            </a:r>
-            <a:r>
-              <a:rPr lang="en-US" altLang="ko-KR" b="1" dirty="0" smtClean="0">
-                <a:solidFill>
-                  <a:srgbClr val="FF0000"/>
-                </a:solidFill>
-              </a:rPr>
-              <a:t>’</a:t>
-            </a:r>
-            <a:r>
-              <a:rPr lang="ko-KR" altLang="en-US" dirty="0" smtClean="0">
-                <a:solidFill>
-                  <a:schemeClr val="tx1"/>
-                </a:solidFill>
-              </a:rPr>
-              <a:t>텍스트 영역</a:t>
-            </a:r>
-            <a:r>
-              <a:rPr lang="en-US" altLang="ko-KR" b="1" dirty="0" smtClean="0">
-                <a:solidFill>
-                  <a:srgbClr val="FF0000"/>
-                </a:solidFill>
-              </a:rPr>
-              <a:t>’</a:t>
-            </a:r>
-            <a:r>
-              <a:rPr lang="en-US" altLang="ko-KR" dirty="0" smtClean="0">
-                <a:solidFill>
-                  <a:schemeClr val="tx1"/>
-                </a:solidFill>
-              </a:rPr>
-              <a:t> </a:t>
-            </a:r>
-            <a:r>
-              <a:rPr lang="ko-KR" altLang="en-US" dirty="0" smtClean="0">
-                <a:solidFill>
-                  <a:schemeClr val="tx1"/>
-                </a:solidFill>
-              </a:rPr>
-              <a:t>같은 식으로 따옴표 스트링에 사용 가능</a:t>
-            </a:r>
-            <a:r>
-              <a:rPr lang="en-US" altLang="ko-KR" dirty="0" smtClean="0">
-                <a:solidFill>
-                  <a:schemeClr val="tx1"/>
-                </a:solidFill>
-              </a:rPr>
-              <a:t>”</a:t>
-            </a:r>
-            <a:endParaRPr lang="ko-KR" altLang="en-US" dirty="0">
-              <a:solidFill>
-                <a:schemeClr val="tx1"/>
-              </a:solidFill>
-            </a:endParaRPr>
-          </a:p>
-        </p:txBody>
-      </p:sp>
     </p:spTree>
     <p:extLst>
       <p:ext uri="{BB962C8B-B14F-4D97-AF65-F5344CB8AC3E}">
-        <p14:creationId xmlns:p14="http://schemas.microsoft.com/office/powerpoint/2010/main" val="3283868649"/>
+        <p14:creationId xmlns:p14="http://schemas.microsoft.com/office/powerpoint/2010/main" val="1478571941"/>
       </p:ext>
     </p:extLst>
   </p:cSld>
